--- a/SK2016-HE_Data_Management.pptx
+++ b/SK2016-HE_Data_Management.pptx
@@ -51,6 +51,8 @@
     <p:sldId id="296" r:id="rId48"/>
     <p:sldId id="297" r:id="rId49"/>
     <p:sldId id="298" r:id="rId50"/>
+    <p:sldId id="299" r:id="rId51"/>
+    <p:sldId id="300" r:id="rId52"/>
   </p:sldIdLst>
   <p:sldSz cx="13004800" cy="9753600"/>
   <p:notesSz cx="6858000" cy="9144000"/>
@@ -6632,8 +6634,8 @@
         </p:blipFill>
         <p:spPr>
           <a:xfrm>
-            <a:off x="58928" y="0"/>
-            <a:ext cx="12886944" cy="9753600"/>
+            <a:off x="58927" y="0"/>
+            <a:ext cx="12886945" cy="9753600"/>
           </a:xfrm>
           <a:prstGeom prst="rect">
             <a:avLst/>
@@ -7602,8 +7604,8 @@
         </p:nvSpPr>
         <p:spPr>
           <a:xfrm>
-            <a:off x="7308265" y="8039487"/>
-            <a:ext cx="3976270" cy="647701"/>
+            <a:off x="7219340" y="8039487"/>
+            <a:ext cx="4154120" cy="647701"/>
           </a:xfrm>
           <a:prstGeom prst="rect">
             <a:avLst/>
@@ -7625,7 +7627,7 @@
           <a:p>
             <a:pPr/>
             <a:r>
-              <a:t>Anonymized OLAP</a:t>
+              <a:t>Anonymized* OLAP</a:t>
             </a:r>
           </a:p>
         </p:txBody>
@@ -7928,6 +7930,50 @@
           </a:p>
         </p:txBody>
       </p:sp>
+      <p:sp>
+        <p:nvSpPr>
+          <p:cNvPr id="262" name="Shape 262"/>
+          <p:cNvSpPr/>
+          <p:nvPr/>
+        </p:nvSpPr>
+        <p:spPr>
+          <a:xfrm>
+            <a:off x="7555240" y="9249721"/>
+            <a:ext cx="5365598" cy="342901"/>
+          </a:xfrm>
+          <a:prstGeom prst="rect">
+            <a:avLst/>
+          </a:prstGeom>
+          <a:ln w="12700">
+            <a:miter lim="400000"/>
+          </a:ln>
+          <a:extLst>
+            <a:ext uri="{C572A759-6A51-4108-AA02-DFA0A04FC94B}">
+              <ma14:wrappingTextBoxFlag xmlns:ma14="http://schemas.microsoft.com/office/mac/drawingml/2011/main" val="1"/>
+            </a:ext>
+          </a:extLst>
+        </p:spPr>
+        <p:txBody>
+          <a:bodyPr wrap="none" lIns="50800" tIns="50800" rIns="50800" bIns="50800" anchor="ctr">
+            <a:spAutoFit/>
+          </a:bodyPr>
+          <a:lstStyle/>
+          <a:p>
+            <a:pPr>
+              <a:defRPr sz="1600"/>
+            </a:pPr>
+            <a:r>
+              <a:t>* </a:t>
+            </a:r>
+            <a:r>
+              <a:rPr u="sng">
+                <a:hlinkClick r:id="rId3" invalidUrl="" action="" tgtFrame="" tooltip="" history="1" highlightClick="0" endSnd="0"/>
+              </a:rPr>
+              <a:t>http://nvlpubs.nist.gov/nistpubs/ir/2015/NIST.IR.8053.pdf</a:t>
+            </a:r>
+          </a:p>
+        </p:txBody>
+      </p:sp>
     </p:spTree>
   </p:cSld>
   <p:clrMapOvr>
@@ -7956,7 +8002,7 @@
       </p:grpSpPr>
       <p:sp>
         <p:nvSpPr>
-          <p:cNvPr id="263" name="Shape 263"/>
+          <p:cNvPr id="264" name="Shape 264"/>
           <p:cNvSpPr/>
           <p:nvPr>
             <p:ph type="title"/>
@@ -7984,7 +8030,7 @@
       </p:sp>
       <p:sp>
         <p:nvSpPr>
-          <p:cNvPr id="264" name="Shape 264"/>
+          <p:cNvPr id="265" name="Shape 265"/>
           <p:cNvSpPr/>
           <p:nvPr>
             <p:ph type="body" idx="1"/>
@@ -8052,7 +8098,7 @@
       </p:grpSpPr>
       <p:sp>
         <p:nvSpPr>
-          <p:cNvPr id="266" name="Shape 266"/>
+          <p:cNvPr id="267" name="Shape 267"/>
           <p:cNvSpPr/>
           <p:nvPr>
             <p:ph type="title"/>
@@ -8076,7 +8122,7 @@
       </p:sp>
       <p:sp>
         <p:nvSpPr>
-          <p:cNvPr id="267" name="Shape 267"/>
+          <p:cNvPr id="268" name="Shape 268"/>
           <p:cNvSpPr/>
           <p:nvPr>
             <p:ph type="body" idx="1"/>
@@ -8159,7 +8205,7 @@
       </p:sp>
       <p:pic>
         <p:nvPicPr>
-          <p:cNvPr id="268" name="pasted-image.pdf"/>
+          <p:cNvPr id="269" name="pasted-image.pdf"/>
           <p:cNvPicPr>
             <a:picLocks noChangeAspect="1"/>
           </p:cNvPicPr>
@@ -8188,7 +8234,7 @@
       </p:pic>
       <p:sp>
         <p:nvSpPr>
-          <p:cNvPr id="269" name="Shape 269"/>
+          <p:cNvPr id="270" name="Shape 270"/>
           <p:cNvSpPr/>
           <p:nvPr/>
         </p:nvSpPr>
@@ -8261,7 +8307,7 @@
       </p:grpSpPr>
       <p:sp>
         <p:nvSpPr>
-          <p:cNvPr id="271" name="Shape 271"/>
+          <p:cNvPr id="272" name="Shape 272"/>
           <p:cNvSpPr/>
           <p:nvPr>
             <p:ph type="title"/>
@@ -8285,7 +8331,7 @@
       </p:sp>
       <p:sp>
         <p:nvSpPr>
-          <p:cNvPr id="272" name="Shape 272"/>
+          <p:cNvPr id="273" name="Shape 273"/>
           <p:cNvSpPr/>
           <p:nvPr>
             <p:ph type="body" idx="1"/>
@@ -8315,7 +8361,7 @@
       </p:sp>
       <p:pic>
         <p:nvPicPr>
-          <p:cNvPr id="273" name="pasted-image.pdf"/>
+          <p:cNvPr id="274" name="pasted-image.pdf"/>
           <p:cNvPicPr>
             <a:picLocks noChangeAspect="1"/>
           </p:cNvPicPr>
@@ -8370,7 +8416,7 @@
       </p:grpSpPr>
       <p:sp>
         <p:nvSpPr>
-          <p:cNvPr id="275" name="Shape 275"/>
+          <p:cNvPr id="276" name="Shape 276"/>
           <p:cNvSpPr/>
           <p:nvPr>
             <p:ph type="title"/>
@@ -8394,7 +8440,7 @@
       </p:sp>
       <p:sp>
         <p:nvSpPr>
-          <p:cNvPr id="276" name="Shape 276"/>
+          <p:cNvPr id="277" name="Shape 277"/>
           <p:cNvSpPr/>
           <p:nvPr>
             <p:ph type="body" idx="1"/>
@@ -8456,7 +8502,7 @@
       </p:grpSpPr>
       <p:sp>
         <p:nvSpPr>
-          <p:cNvPr id="278" name="Shape 278"/>
+          <p:cNvPr id="279" name="Shape 279"/>
           <p:cNvSpPr/>
           <p:nvPr>
             <p:ph type="title"/>
@@ -8480,7 +8526,7 @@
       </p:sp>
       <p:sp>
         <p:nvSpPr>
-          <p:cNvPr id="279" name="Shape 279"/>
+          <p:cNvPr id="280" name="Shape 280"/>
           <p:cNvSpPr/>
           <p:nvPr>
             <p:ph type="body" idx="1"/>
@@ -8551,7 +8597,7 @@
       </p:grpSpPr>
       <p:sp>
         <p:nvSpPr>
-          <p:cNvPr id="281" name="Shape 281"/>
+          <p:cNvPr id="282" name="Shape 282"/>
           <p:cNvSpPr/>
           <p:nvPr>
             <p:ph type="title"/>
@@ -8575,7 +8621,7 @@
       </p:sp>
       <p:sp>
         <p:nvSpPr>
-          <p:cNvPr id="282" name="Shape 282"/>
+          <p:cNvPr id="283" name="Shape 283"/>
           <p:cNvSpPr/>
           <p:nvPr>
             <p:ph type="body" idx="1"/>
@@ -8696,7 +8742,7 @@
       </p:grpSpPr>
       <p:sp>
         <p:nvSpPr>
-          <p:cNvPr id="284" name="Shape 284"/>
+          <p:cNvPr id="285" name="Shape 285"/>
           <p:cNvSpPr/>
           <p:nvPr>
             <p:ph type="title"/>
@@ -8720,7 +8766,7 @@
       </p:sp>
       <p:sp>
         <p:nvSpPr>
-          <p:cNvPr id="285" name="Shape 285"/>
+          <p:cNvPr id="286" name="Shape 286"/>
           <p:cNvSpPr/>
           <p:nvPr>
             <p:ph type="body" idx="1"/>
@@ -8750,7 +8796,7 @@
       </p:sp>
       <p:pic>
         <p:nvPicPr>
-          <p:cNvPr id="286" name="pasted-image.pdf"/>
+          <p:cNvPr id="287" name="pasted-image.pdf"/>
           <p:cNvPicPr>
             <a:picLocks noChangeAspect="1"/>
           </p:cNvPicPr>
@@ -8805,7 +8851,7 @@
       </p:grpSpPr>
       <p:sp>
         <p:nvSpPr>
-          <p:cNvPr id="288" name="Shape 288"/>
+          <p:cNvPr id="289" name="Shape 289"/>
           <p:cNvSpPr/>
           <p:nvPr>
             <p:ph type="title"/>
@@ -8829,7 +8875,7 @@
       </p:sp>
       <p:sp>
         <p:nvSpPr>
-          <p:cNvPr id="289" name="Shape 289"/>
+          <p:cNvPr id="290" name="Shape 290"/>
           <p:cNvSpPr/>
           <p:nvPr>
             <p:ph type="body" idx="1"/>
@@ -8880,7 +8926,7 @@
       </p:sp>
       <p:pic>
         <p:nvPicPr>
-          <p:cNvPr id="290" name="pasted-image.png"/>
+          <p:cNvPr id="291" name="pasted-image.png"/>
           <p:cNvPicPr>
             <a:picLocks noChangeAspect="1"/>
           </p:cNvPicPr>
@@ -8898,6 +8944,37 @@
           <a:xfrm>
             <a:off x="8308826" y="7656611"/>
             <a:ext cx="4572001" cy="2070101"/>
+          </a:xfrm>
+          <a:prstGeom prst="rect">
+            <a:avLst/>
+          </a:prstGeom>
+          <a:ln w="12700">
+            <a:miter lim="400000"/>
+          </a:ln>
+        </p:spPr>
+      </p:pic>
+      <p:pic>
+        <p:nvPicPr>
+          <p:cNvPr id="292" name="pasted-image.png">
+            <a:hlinkClick r:id="rId2" invalidUrl="" action="" tgtFrame="" tooltip="" history="1" highlightClick="0" endSnd="0"/>
+          </p:cNvPr>
+          <p:cNvPicPr>
+            <a:picLocks noChangeAspect="1"/>
+          </p:cNvPicPr>
+          <p:nvPr/>
+        </p:nvPicPr>
+        <p:blipFill>
+          <a:blip r:embed="rId4">
+            <a:extLst/>
+          </a:blip>
+          <a:stretch>
+            <a:fillRect/>
+          </a:stretch>
+        </p:blipFill>
+        <p:spPr>
+          <a:xfrm>
+            <a:off x="180531" y="8229138"/>
+            <a:ext cx="1993901" cy="1282701"/>
           </a:xfrm>
           <a:prstGeom prst="rect">
             <a:avLst/>
@@ -8933,94 +9010,9 @@
           <a:chExt cx="0" cy="0"/>
         </a:xfrm>
       </p:grpSpPr>
-      <p:sp>
-        <p:nvSpPr>
-          <p:cNvPr id="292" name="Shape 292"/>
-          <p:cNvSpPr/>
-          <p:nvPr>
-            <p:ph type="title"/>
-          </p:nvPr>
-        </p:nvSpPr>
-        <p:spPr>
-          <a:prstGeom prst="rect">
-            <a:avLst/>
-          </a:prstGeom>
-        </p:spPr>
-        <p:txBody>
-          <a:bodyPr/>
-          <a:lstStyle/>
-          <a:p>
-            <a:pPr/>
-            <a:r>
-              <a:t>Waterloo Opportunities</a:t>
-            </a:r>
-          </a:p>
-        </p:txBody>
-      </p:sp>
-      <p:sp>
-        <p:nvSpPr>
-          <p:cNvPr id="293" name="Shape 293"/>
-          <p:cNvSpPr/>
-          <p:nvPr>
-            <p:ph type="body" idx="1"/>
-          </p:nvPr>
-        </p:nvSpPr>
-        <p:spPr>
-          <a:prstGeom prst="rect">
-            <a:avLst/>
-          </a:prstGeom>
-        </p:spPr>
-        <p:txBody>
-          <a:bodyPr/>
-          <a:lstStyle/>
-          <a:p>
-            <a:pPr marL="422275" indent="-422275" defTabSz="554990">
-              <a:spcBef>
-                <a:spcPts val="3900"/>
-              </a:spcBef>
-              <a:defRPr sz="3420"/>
-            </a:pPr>
-            <a:r>
-              <a:t>Innovation in the decentralized areas brings multiple tools onto campus.</a:t>
-            </a:r>
-          </a:p>
-          <a:p>
-            <a:pPr marL="422275" indent="-422275" defTabSz="554990">
-              <a:spcBef>
-                <a:spcPts val="3900"/>
-              </a:spcBef>
-              <a:defRPr sz="3420"/>
-            </a:pPr>
-          </a:p>
-          <a:p>
-            <a:pPr marL="422275" indent="-422275" defTabSz="554990">
-              <a:spcBef>
-                <a:spcPts val="3900"/>
-              </a:spcBef>
-              <a:defRPr sz="3420"/>
-            </a:pPr>
-          </a:p>
-          <a:p>
-            <a:pPr marL="422275" indent="-422275" defTabSz="554990">
-              <a:spcBef>
-                <a:spcPts val="3900"/>
-              </a:spcBef>
-              <a:defRPr sz="3420"/>
-            </a:pPr>
-          </a:p>
-          <a:p>
-            <a:pPr marL="422275" indent="-422275" defTabSz="554990">
-              <a:spcBef>
-                <a:spcPts val="3900"/>
-              </a:spcBef>
-              <a:defRPr sz="3420"/>
-            </a:pPr>
-          </a:p>
-        </p:txBody>
-      </p:sp>
       <p:pic>
         <p:nvPicPr>
-          <p:cNvPr id="294" name="pasted-image.png"/>
+          <p:cNvPr id="294" name="screenshot.png"/>
           <p:cNvPicPr>
             <a:picLocks noChangeAspect="1"/>
           </p:cNvPicPr>
@@ -9036,8 +9028,8 @@
         </p:blipFill>
         <p:spPr>
           <a:xfrm>
-            <a:off x="8328025" y="5342582"/>
-            <a:ext cx="3886200" cy="1460501"/>
+            <a:off x="2045327" y="2292283"/>
+            <a:ext cx="8914146" cy="5589028"/>
           </a:xfrm>
           <a:prstGeom prst="rect">
             <a:avLst/>
@@ -9047,9 +9039,33 @@
           </a:ln>
         </p:spPr>
       </p:pic>
+      <p:sp>
+        <p:nvSpPr>
+          <p:cNvPr id="295" name="Shape 295"/>
+          <p:cNvSpPr/>
+          <p:nvPr>
+            <p:ph type="title"/>
+          </p:nvPr>
+        </p:nvSpPr>
+        <p:spPr>
+          <a:prstGeom prst="rect">
+            <a:avLst/>
+          </a:prstGeom>
+        </p:spPr>
+        <p:txBody>
+          <a:bodyPr/>
+          <a:lstStyle/>
+          <a:p>
+            <a:pPr/>
+            <a:r>
+              <a:t>Waterloo Opportunities</a:t>
+            </a:r>
+          </a:p>
+        </p:txBody>
+      </p:sp>
       <p:pic>
         <p:nvPicPr>
-          <p:cNvPr id="295" name="pasted-image.png"/>
+          <p:cNvPr id="296" name="pasted-image.png"/>
           <p:cNvPicPr>
             <a:picLocks noChangeAspect="1"/>
           </p:cNvPicPr>
@@ -9065,8 +9081,8 @@
         </p:blipFill>
         <p:spPr>
           <a:xfrm>
-            <a:off x="8105775" y="3813919"/>
-            <a:ext cx="4076700" cy="1498601"/>
+            <a:off x="8308826" y="7656611"/>
+            <a:ext cx="4572001" cy="2070101"/>
           </a:xfrm>
           <a:prstGeom prst="rect">
             <a:avLst/>
@@ -9078,36 +9094,9 @@
       </p:pic>
       <p:pic>
         <p:nvPicPr>
-          <p:cNvPr id="296" name="pasted-image.jpg"/>
-          <p:cNvPicPr>
-            <a:picLocks noChangeAspect="1"/>
-          </p:cNvPicPr>
-          <p:nvPr/>
-        </p:nvPicPr>
-        <p:blipFill>
-          <a:blip r:embed="rId4">
-            <a:extLst/>
-          </a:blip>
-          <a:stretch>
-            <a:fillRect/>
-          </a:stretch>
-        </p:blipFill>
-        <p:spPr>
-          <a:xfrm>
-            <a:off x="1427261" y="4013200"/>
-            <a:ext cx="4626075" cy="2590602"/>
-          </a:xfrm>
-          <a:prstGeom prst="rect">
-            <a:avLst/>
-          </a:prstGeom>
-          <a:ln w="12700">
-            <a:miter lim="400000"/>
-          </a:ln>
-        </p:spPr>
-      </p:pic>
-      <p:pic>
-        <p:nvPicPr>
-          <p:cNvPr id="297" name="pasted-image.jpg"/>
+          <p:cNvPr id="297" name="pasted-image.png">
+            <a:hlinkClick r:id="rId4" invalidUrl="" action="" tgtFrame="" tooltip="" history="1" highlightClick="0" endSnd="0"/>
+          </p:cNvPr>
           <p:cNvPicPr>
             <a:picLocks noChangeAspect="1"/>
           </p:cNvPicPr>
@@ -9123,37 +9112,8 @@
         </p:blipFill>
         <p:spPr>
           <a:xfrm>
-            <a:off x="4695109" y="8102401"/>
-            <a:ext cx="3932116" cy="1460501"/>
-          </a:xfrm>
-          <a:prstGeom prst="rect">
-            <a:avLst/>
-          </a:prstGeom>
-          <a:ln w="12700">
-            <a:miter lim="400000"/>
-          </a:ln>
-        </p:spPr>
-      </p:pic>
-      <p:pic>
-        <p:nvPicPr>
-          <p:cNvPr id="298" name="pasted-image.png"/>
-          <p:cNvPicPr>
-            <a:picLocks noChangeAspect="1"/>
-          </p:cNvPicPr>
-          <p:nvPr/>
-        </p:nvPicPr>
-        <p:blipFill>
-          <a:blip r:embed="rId6">
-            <a:extLst/>
-          </a:blip>
-          <a:stretch>
-            <a:fillRect/>
-          </a:stretch>
-        </p:blipFill>
-        <p:spPr>
-          <a:xfrm>
-            <a:off x="5499050" y="6122689"/>
-            <a:ext cx="2324235" cy="1760785"/>
+            <a:off x="180531" y="8229138"/>
+            <a:ext cx="1993901" cy="1282701"/>
           </a:xfrm>
           <a:prstGeom prst="rect">
             <a:avLst/>
@@ -9312,7 +9272,7 @@
       </p:grpSpPr>
       <p:sp>
         <p:nvSpPr>
-          <p:cNvPr id="300" name="Shape 300"/>
+          <p:cNvPr id="299" name="Shape 299"/>
           <p:cNvSpPr/>
           <p:nvPr>
             <p:ph type="title"/>
@@ -9329,14 +9289,14 @@
           <a:p>
             <a:pPr/>
             <a:r>
-              <a:t>Waterloo Threats</a:t>
-            </a:r>
-          </a:p>
-        </p:txBody>
-      </p:sp>
-      <p:sp>
-        <p:nvSpPr>
-          <p:cNvPr id="301" name="Shape 301"/>
+              <a:t>Waterloo Opportunities</a:t>
+            </a:r>
+          </a:p>
+        </p:txBody>
+      </p:sp>
+      <p:sp>
+        <p:nvSpPr>
+          <p:cNvPr id="300" name="Shape 300"/>
           <p:cNvSpPr/>
           <p:nvPr>
             <p:ph type="body" idx="1"/>
@@ -9353,35 +9313,245 @@
           <a:p>
             <a:pPr/>
             <a:r>
-              <a:t>Multiple tools in distributed use lead to non-standard results.</a:t>
+              <a:t>Learning from EDM Council (</a:t>
+            </a:r>
+            <a:r>
+              <a:rPr u="sng">
+                <a:hlinkClick r:id="rId2" invalidUrl="" action="" tgtFrame="" tooltip="" history="1" highlightClick="0" endSnd="0"/>
+              </a:rPr>
+              <a:t>http://edmcouncil.org</a:t>
+            </a:r>
+            <a:r>
+              <a:t>)</a:t>
             </a:r>
           </a:p>
           <a:p>
             <a:pPr lvl="1"/>
             <a:r>
-              <a:t>NEED: Accepted and shared data warehousing.</a:t>
+              <a:t>“Big Data” data quality and integration problems are being solved with Web 3.0 “Semantic Web” technologies.</a:t>
             </a:r>
           </a:p>
           <a:p>
             <a:pPr lvl="1"/>
-            <a:r>
-              <a:t>NEED: Documented metadata + taxonomies.</a:t>
-            </a:r>
-          </a:p>
-          <a:p>
-            <a:pPr/>
-            <a:r>
-              <a:t>Often times data is ‘copied’ into local spreadsheets.  “It’s easier.”</a:t>
-            </a:r>
-          </a:p>
-          <a:p>
-            <a:pPr/>
-            <a:r>
-              <a:t>We need rock solid data to make decisions.</a:t>
-            </a:r>
-          </a:p>
-        </p:txBody>
-      </p:sp>
+          </a:p>
+          <a:p>
+            <a:pPr lvl="1"/>
+          </a:p>
+          <a:p>
+            <a:pPr lvl="1"/>
+            <a:r>
+              <a:t>d</a:t>
+            </a:r>
+          </a:p>
+        </p:txBody>
+      </p:sp>
+      <p:pic>
+        <p:nvPicPr>
+          <p:cNvPr id="301" name="pasted-image.png"/>
+          <p:cNvPicPr>
+            <a:picLocks noChangeAspect="1"/>
+          </p:cNvPicPr>
+          <p:nvPr/>
+        </p:nvPicPr>
+        <p:blipFill>
+          <a:blip r:embed="rId3">
+            <a:extLst/>
+          </a:blip>
+          <a:stretch>
+            <a:fillRect/>
+          </a:stretch>
+        </p:blipFill>
+        <p:spPr>
+          <a:xfrm>
+            <a:off x="8345342" y="7889153"/>
+            <a:ext cx="4559301" cy="1739901"/>
+          </a:xfrm>
+          <a:prstGeom prst="rect">
+            <a:avLst/>
+          </a:prstGeom>
+          <a:ln w="12700">
+            <a:miter lim="400000"/>
+          </a:ln>
+        </p:spPr>
+      </p:pic>
+      <p:pic>
+        <p:nvPicPr>
+          <p:cNvPr id="302" name="pasted-image.png">
+            <a:hlinkClick r:id="rId2" invalidUrl="" action="" tgtFrame="" tooltip="" history="1" highlightClick="0" endSnd="0"/>
+          </p:cNvPr>
+          <p:cNvPicPr>
+            <a:picLocks noChangeAspect="1"/>
+          </p:cNvPicPr>
+          <p:nvPr/>
+        </p:nvPicPr>
+        <p:blipFill>
+          <a:blip r:embed="rId4">
+            <a:extLst/>
+          </a:blip>
+          <a:stretch>
+            <a:fillRect/>
+          </a:stretch>
+        </p:blipFill>
+        <p:spPr>
+          <a:xfrm>
+            <a:off x="180531" y="8229138"/>
+            <a:ext cx="1993901" cy="1282701"/>
+          </a:xfrm>
+          <a:prstGeom prst="rect">
+            <a:avLst/>
+          </a:prstGeom>
+          <a:ln w="12700">
+            <a:miter lim="400000"/>
+          </a:ln>
+        </p:spPr>
+      </p:pic>
+      <p:pic>
+        <p:nvPicPr>
+          <p:cNvPr id="303" name="pasted-image.png"/>
+          <p:cNvPicPr>
+            <a:picLocks noChangeAspect="1"/>
+          </p:cNvPicPr>
+          <p:nvPr/>
+        </p:nvPicPr>
+        <p:blipFill>
+          <a:blip r:embed="rId5">
+            <a:extLst/>
+          </a:blip>
+          <a:stretch>
+            <a:fillRect/>
+          </a:stretch>
+        </p:blipFill>
+        <p:spPr>
+          <a:xfrm>
+            <a:off x="2283011" y="5865158"/>
+            <a:ext cx="4707801" cy="3020588"/>
+          </a:xfrm>
+          <a:prstGeom prst="rect">
+            <a:avLst/>
+          </a:prstGeom>
+          <a:ln w="12700">
+            <a:miter lim="400000"/>
+          </a:ln>
+        </p:spPr>
+      </p:pic>
+      <p:pic>
+        <p:nvPicPr>
+          <p:cNvPr id="304" name="pasted-image.png"/>
+          <p:cNvPicPr>
+            <a:picLocks noChangeAspect="1"/>
+          </p:cNvPicPr>
+          <p:nvPr/>
+        </p:nvPicPr>
+        <p:blipFill>
+          <a:blip r:embed="rId5">
+            <a:extLst/>
+          </a:blip>
+          <a:srcRect l="7410" t="34589" r="58742" b="31564"/>
+          <a:stretch>
+            <a:fillRect/>
+          </a:stretch>
+        </p:blipFill>
+        <p:spPr>
+          <a:xfrm>
+            <a:off x="7309388" y="5047173"/>
+            <a:ext cx="4707801" cy="3020588"/>
+          </a:xfrm>
+          <a:prstGeom prst="rect">
+            <a:avLst/>
+          </a:prstGeom>
+          <a:ln w="12700">
+            <a:miter lim="400000"/>
+          </a:ln>
+        </p:spPr>
+      </p:pic>
+      <p:sp>
+        <p:nvSpPr>
+          <p:cNvPr id="305" name="Shape 305"/>
+          <p:cNvSpPr/>
+          <p:nvPr/>
+        </p:nvSpPr>
+        <p:spPr>
+          <a:xfrm>
+            <a:off x="7182579" y="4961788"/>
+            <a:ext cx="4961350" cy="3191386"/>
+          </a:xfrm>
+          <a:prstGeom prst="rect">
+            <a:avLst/>
+          </a:prstGeom>
+          <a:ln w="25400">
+            <a:solidFill>
+              <a:srgbClr val="941100"/>
+            </a:solidFill>
+            <a:miter lim="400000"/>
+          </a:ln>
+        </p:spPr>
+        <p:txBody>
+          <a:bodyPr lIns="50800" tIns="50800" rIns="50800" bIns="50800" anchor="ctr"/>
+          <a:lstStyle/>
+          <a:p>
+            <a:pPr>
+              <a:defRPr sz="2400"/>
+            </a:pPr>
+          </a:p>
+        </p:txBody>
+      </p:sp>
+      <p:sp>
+        <p:nvSpPr>
+          <p:cNvPr id="306" name="Shape 306"/>
+          <p:cNvSpPr/>
+          <p:nvPr/>
+        </p:nvSpPr>
+        <p:spPr>
+          <a:xfrm>
+            <a:off x="2617112" y="6630088"/>
+            <a:ext cx="1655425" cy="1257301"/>
+          </a:xfrm>
+          <a:prstGeom prst="rect">
+            <a:avLst/>
+          </a:prstGeom>
+          <a:ln w="25400">
+            <a:solidFill>
+              <a:srgbClr val="941100"/>
+            </a:solidFill>
+            <a:miter lim="400000"/>
+          </a:ln>
+        </p:spPr>
+        <p:txBody>
+          <a:bodyPr lIns="50800" tIns="50800" rIns="50800" bIns="50800" anchor="ctr"/>
+          <a:lstStyle/>
+          <a:p>
+            <a:pPr>
+              <a:defRPr sz="2400"/>
+            </a:pPr>
+          </a:p>
+        </p:txBody>
+      </p:sp>
+      <p:pic>
+        <p:nvPicPr>
+          <p:cNvPr id="307" name=""/>
+          <p:cNvPicPr>
+            <a:picLocks noChangeAspect="0"/>
+          </p:cNvPicPr>
+          <p:nvPr/>
+        </p:nvPicPr>
+        <p:blipFill>
+          <a:blip r:embed="rId6">
+            <a:extLst/>
+          </a:blip>
+          <a:stretch>
+            <a:fillRect/>
+          </a:stretch>
+        </p:blipFill>
+        <p:spPr>
+          <a:xfrm rot="20636915">
+            <a:off x="4305219" y="6628407"/>
+            <a:ext cx="2848183" cy="352234"/>
+          </a:xfrm>
+          <a:prstGeom prst="rect">
+            <a:avLst/>
+          </a:prstGeom>
+        </p:spPr>
+      </p:pic>
     </p:spTree>
   </p:cSld>
   <p:clrMapOvr>
@@ -9410,7 +9580,7 @@
       </p:grpSpPr>
       <p:sp>
         <p:nvSpPr>
-          <p:cNvPr id="303" name="Shape 303"/>
+          <p:cNvPr id="310" name="Shape 310"/>
           <p:cNvSpPr/>
           <p:nvPr>
             <p:ph type="title"/>
@@ -9427,14 +9597,14 @@
           <a:p>
             <a:pPr/>
             <a:r>
-              <a:t>Questions + Answers</a:t>
-            </a:r>
-          </a:p>
-        </p:txBody>
-      </p:sp>
-      <p:sp>
-        <p:nvSpPr>
-          <p:cNvPr id="304" name="Shape 304"/>
+              <a:t>Waterloo Opportunities</a:t>
+            </a:r>
+          </a:p>
+        </p:txBody>
+      </p:sp>
+      <p:sp>
+        <p:nvSpPr>
+          <p:cNvPr id="311" name="Shape 311"/>
           <p:cNvSpPr/>
           <p:nvPr>
             <p:ph type="body" idx="1"/>
@@ -9449,13 +9619,195 @@
           <a:bodyPr/>
           <a:lstStyle/>
           <a:p>
-            <a:pPr/>
-            <a:r>
-              <a:t>Or discussion… how do your organizations deal with data management?</a:t>
-            </a:r>
-          </a:p>
-        </p:txBody>
-      </p:sp>
+            <a:pPr marL="422275" indent="-422275" defTabSz="554990">
+              <a:spcBef>
+                <a:spcPts val="3900"/>
+              </a:spcBef>
+              <a:defRPr sz="3420"/>
+            </a:pPr>
+            <a:r>
+              <a:t>Innovation in the decentralized areas brings multiple tools onto campus.</a:t>
+            </a:r>
+          </a:p>
+          <a:p>
+            <a:pPr marL="422275" indent="-422275" defTabSz="554990">
+              <a:spcBef>
+                <a:spcPts val="3900"/>
+              </a:spcBef>
+              <a:defRPr sz="3420"/>
+            </a:pPr>
+          </a:p>
+          <a:p>
+            <a:pPr marL="422275" indent="-422275" defTabSz="554990">
+              <a:spcBef>
+                <a:spcPts val="3900"/>
+              </a:spcBef>
+              <a:defRPr sz="3420"/>
+            </a:pPr>
+          </a:p>
+          <a:p>
+            <a:pPr marL="422275" indent="-422275" defTabSz="554990">
+              <a:spcBef>
+                <a:spcPts val="3900"/>
+              </a:spcBef>
+              <a:defRPr sz="3420"/>
+            </a:pPr>
+          </a:p>
+          <a:p>
+            <a:pPr marL="422275" indent="-422275" defTabSz="554990">
+              <a:spcBef>
+                <a:spcPts val="3900"/>
+              </a:spcBef>
+              <a:defRPr sz="3420"/>
+            </a:pPr>
+          </a:p>
+        </p:txBody>
+      </p:sp>
+      <p:pic>
+        <p:nvPicPr>
+          <p:cNvPr id="312" name="pasted-image.png"/>
+          <p:cNvPicPr>
+            <a:picLocks noChangeAspect="1"/>
+          </p:cNvPicPr>
+          <p:nvPr/>
+        </p:nvPicPr>
+        <p:blipFill>
+          <a:blip r:embed="rId2">
+            <a:extLst/>
+          </a:blip>
+          <a:stretch>
+            <a:fillRect/>
+          </a:stretch>
+        </p:blipFill>
+        <p:spPr>
+          <a:xfrm>
+            <a:off x="8328025" y="5342582"/>
+            <a:ext cx="3886200" cy="1460501"/>
+          </a:xfrm>
+          <a:prstGeom prst="rect">
+            <a:avLst/>
+          </a:prstGeom>
+          <a:ln w="12700">
+            <a:miter lim="400000"/>
+          </a:ln>
+        </p:spPr>
+      </p:pic>
+      <p:pic>
+        <p:nvPicPr>
+          <p:cNvPr id="313" name="pasted-image.png"/>
+          <p:cNvPicPr>
+            <a:picLocks noChangeAspect="1"/>
+          </p:cNvPicPr>
+          <p:nvPr/>
+        </p:nvPicPr>
+        <p:blipFill>
+          <a:blip r:embed="rId3">
+            <a:extLst/>
+          </a:blip>
+          <a:stretch>
+            <a:fillRect/>
+          </a:stretch>
+        </p:blipFill>
+        <p:spPr>
+          <a:xfrm>
+            <a:off x="8105775" y="3813919"/>
+            <a:ext cx="4076700" cy="1498601"/>
+          </a:xfrm>
+          <a:prstGeom prst="rect">
+            <a:avLst/>
+          </a:prstGeom>
+          <a:ln w="12700">
+            <a:miter lim="400000"/>
+          </a:ln>
+        </p:spPr>
+      </p:pic>
+      <p:pic>
+        <p:nvPicPr>
+          <p:cNvPr id="314" name="pasted-image.jpg"/>
+          <p:cNvPicPr>
+            <a:picLocks noChangeAspect="1"/>
+          </p:cNvPicPr>
+          <p:nvPr/>
+        </p:nvPicPr>
+        <p:blipFill>
+          <a:blip r:embed="rId4">
+            <a:extLst/>
+          </a:blip>
+          <a:stretch>
+            <a:fillRect/>
+          </a:stretch>
+        </p:blipFill>
+        <p:spPr>
+          <a:xfrm>
+            <a:off x="1427261" y="4013200"/>
+            <a:ext cx="4626075" cy="2590602"/>
+          </a:xfrm>
+          <a:prstGeom prst="rect">
+            <a:avLst/>
+          </a:prstGeom>
+          <a:ln w="12700">
+            <a:miter lim="400000"/>
+          </a:ln>
+        </p:spPr>
+      </p:pic>
+      <p:pic>
+        <p:nvPicPr>
+          <p:cNvPr id="315" name="pasted-image.jpg"/>
+          <p:cNvPicPr>
+            <a:picLocks noChangeAspect="1"/>
+          </p:cNvPicPr>
+          <p:nvPr/>
+        </p:nvPicPr>
+        <p:blipFill>
+          <a:blip r:embed="rId5">
+            <a:extLst/>
+          </a:blip>
+          <a:stretch>
+            <a:fillRect/>
+          </a:stretch>
+        </p:blipFill>
+        <p:spPr>
+          <a:xfrm>
+            <a:off x="4695109" y="8102401"/>
+            <a:ext cx="3932116" cy="1460501"/>
+          </a:xfrm>
+          <a:prstGeom prst="rect">
+            <a:avLst/>
+          </a:prstGeom>
+          <a:ln w="12700">
+            <a:miter lim="400000"/>
+          </a:ln>
+        </p:spPr>
+      </p:pic>
+      <p:pic>
+        <p:nvPicPr>
+          <p:cNvPr id="316" name="pasted-image.png"/>
+          <p:cNvPicPr>
+            <a:picLocks noChangeAspect="1"/>
+          </p:cNvPicPr>
+          <p:nvPr/>
+        </p:nvPicPr>
+        <p:blipFill>
+          <a:blip r:embed="rId6">
+            <a:extLst/>
+          </a:blip>
+          <a:stretch>
+            <a:fillRect/>
+          </a:stretch>
+        </p:blipFill>
+        <p:spPr>
+          <a:xfrm>
+            <a:off x="5499050" y="6122689"/>
+            <a:ext cx="2324235" cy="1760785"/>
+          </a:xfrm>
+          <a:prstGeom prst="rect">
+            <a:avLst/>
+          </a:prstGeom>
+          <a:ln w="12700">
+            <a:miter lim="400000"/>
+          </a:ln>
+        </p:spPr>
+      </p:pic>
     </p:spTree>
   </p:cSld>
   <p:clrMapOvr>
@@ -9484,7 +9836,7 @@
       </p:grpSpPr>
       <p:sp>
         <p:nvSpPr>
-          <p:cNvPr id="306" name="Shape 306"/>
+          <p:cNvPr id="318" name="Shape 318"/>
           <p:cNvSpPr/>
           <p:nvPr>
             <p:ph type="title"/>
@@ -9501,7 +9853,55 @@
           <a:p>
             <a:pPr/>
             <a:r>
-              <a:t>Thank you!</a:t>
+              <a:t>Waterloo Threats</a:t>
+            </a:r>
+          </a:p>
+        </p:txBody>
+      </p:sp>
+      <p:sp>
+        <p:nvSpPr>
+          <p:cNvPr id="319" name="Shape 319"/>
+          <p:cNvSpPr/>
+          <p:nvPr>
+            <p:ph type="body" idx="1"/>
+          </p:nvPr>
+        </p:nvSpPr>
+        <p:spPr>
+          <a:prstGeom prst="rect">
+            <a:avLst/>
+          </a:prstGeom>
+        </p:spPr>
+        <p:txBody>
+          <a:bodyPr/>
+          <a:lstStyle/>
+          <a:p>
+            <a:pPr/>
+            <a:r>
+              <a:t>Multiple tools in distributed use lead to non-standard results.</a:t>
+            </a:r>
+          </a:p>
+          <a:p>
+            <a:pPr lvl="1"/>
+            <a:r>
+              <a:t>NEED: Accepted and shared data warehousing.</a:t>
+            </a:r>
+          </a:p>
+          <a:p>
+            <a:pPr lvl="1"/>
+            <a:r>
+              <a:t>NEED: Documented metadata + taxonomies.</a:t>
+            </a:r>
+          </a:p>
+          <a:p>
+            <a:pPr/>
+            <a:r>
+              <a:t>More often than not data is ‘copied’ into local spreadsheets.  “It’s easier.”</a:t>
+            </a:r>
+          </a:p>
+          <a:p>
+            <a:pPr/>
+            <a:r>
+              <a:t>We need rock solid data to make decisions.</a:t>
             </a:r>
           </a:p>
         </p:txBody>
@@ -9534,7 +9934,7 @@
       </p:grpSpPr>
       <p:sp>
         <p:nvSpPr>
-          <p:cNvPr id="308" name="Shape 308"/>
+          <p:cNvPr id="321" name="Shape 321"/>
           <p:cNvSpPr/>
           <p:nvPr>
             <p:ph type="title"/>
@@ -9549,6 +9949,130 @@
           <a:bodyPr/>
           <a:lstStyle/>
           <a:p>
+            <a:pPr/>
+            <a:r>
+              <a:t>Questions + Answers</a:t>
+            </a:r>
+          </a:p>
+        </p:txBody>
+      </p:sp>
+      <p:sp>
+        <p:nvSpPr>
+          <p:cNvPr id="322" name="Shape 322"/>
+          <p:cNvSpPr/>
+          <p:nvPr>
+            <p:ph type="body" idx="1"/>
+          </p:nvPr>
+        </p:nvSpPr>
+        <p:spPr>
+          <a:prstGeom prst="rect">
+            <a:avLst/>
+          </a:prstGeom>
+        </p:spPr>
+        <p:txBody>
+          <a:bodyPr/>
+          <a:lstStyle/>
+          <a:p>
+            <a:pPr/>
+            <a:r>
+              <a:t>Or comments… how do your organizations deal with data management?</a:t>
+            </a:r>
+          </a:p>
+        </p:txBody>
+      </p:sp>
+    </p:spTree>
+  </p:cSld>
+  <p:clrMapOvr>
+    <a:masterClrMapping/>
+  </p:clrMapOvr>
+  <p:transition xmlns:p14="http://schemas.microsoft.com/office/powerpoint/2010/main" spd="med" advClick="1" p14:dur="1000"/>
+</p:sld>
+</file>
+
+<file path=ppt/slides/slide44.xml><?xml version="1.0" encoding="utf-8"?>
+<p:sld xmlns:a="http://schemas.openxmlformats.org/drawingml/2006/main" xmlns:r="http://schemas.openxmlformats.org/officeDocument/2006/relationships" xmlns:p="http://schemas.openxmlformats.org/presentationml/2006/main" showMasterSp="1" showMasterPhAnim="1">
+  <p:cSld>
+    <p:spTree>
+      <p:nvGrpSpPr>
+        <p:cNvPr id="1" name=""/>
+        <p:cNvGrpSpPr/>
+        <p:nvPr/>
+      </p:nvGrpSpPr>
+      <p:grpSpPr>
+        <a:xfrm>
+          <a:off x="0" y="0"/>
+          <a:ext cx="0" cy="0"/>
+          <a:chOff x="0" y="0"/>
+          <a:chExt cx="0" cy="0"/>
+        </a:xfrm>
+      </p:grpSpPr>
+      <p:sp>
+        <p:nvSpPr>
+          <p:cNvPr id="324" name="Shape 324"/>
+          <p:cNvSpPr/>
+          <p:nvPr>
+            <p:ph type="title"/>
+          </p:nvPr>
+        </p:nvSpPr>
+        <p:spPr>
+          <a:prstGeom prst="rect">
+            <a:avLst/>
+          </a:prstGeom>
+        </p:spPr>
+        <p:txBody>
+          <a:bodyPr/>
+          <a:lstStyle/>
+          <a:p>
+            <a:pPr/>
+            <a:r>
+              <a:t>Thank you!</a:t>
+            </a:r>
+          </a:p>
+        </p:txBody>
+      </p:sp>
+    </p:spTree>
+  </p:cSld>
+  <p:clrMapOvr>
+    <a:masterClrMapping/>
+  </p:clrMapOvr>
+  <p:transition xmlns:p14="http://schemas.microsoft.com/office/powerpoint/2010/main" spd="med" advClick="1" p14:dur="1000"/>
+</p:sld>
+</file>
+
+<file path=ppt/slides/slide45.xml><?xml version="1.0" encoding="utf-8"?>
+<p:sld xmlns:a="http://schemas.openxmlformats.org/drawingml/2006/main" xmlns:r="http://schemas.openxmlformats.org/officeDocument/2006/relationships" xmlns:p="http://schemas.openxmlformats.org/presentationml/2006/main" showMasterSp="1" showMasterPhAnim="1">
+  <p:cSld>
+    <p:spTree>
+      <p:nvGrpSpPr>
+        <p:cNvPr id="1" name=""/>
+        <p:cNvGrpSpPr/>
+        <p:nvPr/>
+      </p:nvGrpSpPr>
+      <p:grpSpPr>
+        <a:xfrm>
+          <a:off x="0" y="0"/>
+          <a:ext cx="0" cy="0"/>
+          <a:chOff x="0" y="0"/>
+          <a:chExt cx="0" cy="0"/>
+        </a:xfrm>
+      </p:grpSpPr>
+      <p:sp>
+        <p:nvSpPr>
+          <p:cNvPr id="326" name="Shape 326"/>
+          <p:cNvSpPr/>
+          <p:nvPr>
+            <p:ph type="title"/>
+          </p:nvPr>
+        </p:nvSpPr>
+        <p:spPr>
+          <a:prstGeom prst="rect">
+            <a:avLst/>
+          </a:prstGeom>
+        </p:spPr>
+        <p:txBody>
+          <a:bodyPr/>
+          <a:lstStyle/>
+          <a:p>
             <a:pPr defTabSz="490727">
               <a:defRPr sz="6719"/>
             </a:pPr>
@@ -9568,7 +10092,7 @@
       </p:sp>
       <p:pic>
         <p:nvPicPr>
-          <p:cNvPr id="309" name="pasted-image.pdf"/>
+          <p:cNvPr id="327" name="pasted-image.pdf"/>
           <p:cNvPicPr>
             <a:picLocks noChangeAspect="1"/>
           </p:cNvPicPr>

--- a/SK2016-HE_Data_Management.pptx
+++ b/SK2016-HE_Data_Management.pptx
@@ -1,58 +1,58 @@
 
 <file path=ppt/presentation.xml><?xml version="1.0" encoding="utf-8"?>
-<p:presentation xmlns:a="http://schemas.openxmlformats.org/drawingml/2006/main" xmlns:r="http://schemas.openxmlformats.org/officeDocument/2006/relationships" xmlns:p="http://schemas.openxmlformats.org/presentationml/2006/main">
+<p:presentation xmlns:a="http://schemas.openxmlformats.org/drawingml/2006/main" xmlns:r="http://schemas.openxmlformats.org/officeDocument/2006/relationships" xmlns:p="http://schemas.openxmlformats.org/presentationml/2006/main" saveSubsetFonts="1">
   <p:sldMasterIdLst>
-    <p:sldMasterId id="2147483648" r:id="rId5"/>
+    <p:sldMasterId id="2147483648" r:id="rId1"/>
   </p:sldMasterIdLst>
   <p:notesMasterIdLst>
-    <p:notesMasterId r:id="rId7"/>
+    <p:notesMasterId r:id="rId47"/>
   </p:notesMasterIdLst>
   <p:sldIdLst>
-    <p:sldId id="256" r:id="rId8"/>
-    <p:sldId id="257" r:id="rId9"/>
-    <p:sldId id="258" r:id="rId10"/>
-    <p:sldId id="259" r:id="rId11"/>
-    <p:sldId id="260" r:id="rId12"/>
-    <p:sldId id="261" r:id="rId13"/>
-    <p:sldId id="262" r:id="rId14"/>
-    <p:sldId id="263" r:id="rId15"/>
-    <p:sldId id="264" r:id="rId16"/>
-    <p:sldId id="265" r:id="rId17"/>
-    <p:sldId id="266" r:id="rId18"/>
-    <p:sldId id="267" r:id="rId19"/>
-    <p:sldId id="268" r:id="rId20"/>
-    <p:sldId id="269" r:id="rId21"/>
-    <p:sldId id="270" r:id="rId22"/>
-    <p:sldId id="271" r:id="rId23"/>
-    <p:sldId id="272" r:id="rId24"/>
-    <p:sldId id="273" r:id="rId25"/>
-    <p:sldId id="274" r:id="rId26"/>
-    <p:sldId id="275" r:id="rId27"/>
-    <p:sldId id="276" r:id="rId28"/>
-    <p:sldId id="277" r:id="rId29"/>
-    <p:sldId id="278" r:id="rId30"/>
-    <p:sldId id="279" r:id="rId31"/>
-    <p:sldId id="280" r:id="rId32"/>
-    <p:sldId id="281" r:id="rId33"/>
-    <p:sldId id="282" r:id="rId34"/>
-    <p:sldId id="283" r:id="rId35"/>
-    <p:sldId id="284" r:id="rId36"/>
-    <p:sldId id="285" r:id="rId37"/>
-    <p:sldId id="286" r:id="rId38"/>
-    <p:sldId id="287" r:id="rId39"/>
-    <p:sldId id="288" r:id="rId40"/>
-    <p:sldId id="289" r:id="rId41"/>
-    <p:sldId id="290" r:id="rId42"/>
-    <p:sldId id="291" r:id="rId43"/>
-    <p:sldId id="292" r:id="rId44"/>
-    <p:sldId id="293" r:id="rId45"/>
-    <p:sldId id="294" r:id="rId46"/>
-    <p:sldId id="295" r:id="rId47"/>
-    <p:sldId id="296" r:id="rId48"/>
-    <p:sldId id="297" r:id="rId49"/>
-    <p:sldId id="298" r:id="rId50"/>
-    <p:sldId id="299" r:id="rId51"/>
-    <p:sldId id="300" r:id="rId52"/>
+    <p:sldId id="256" r:id="rId2"/>
+    <p:sldId id="257" r:id="rId3"/>
+    <p:sldId id="258" r:id="rId4"/>
+    <p:sldId id="259" r:id="rId5"/>
+    <p:sldId id="260" r:id="rId6"/>
+    <p:sldId id="261" r:id="rId7"/>
+    <p:sldId id="262" r:id="rId8"/>
+    <p:sldId id="263" r:id="rId9"/>
+    <p:sldId id="264" r:id="rId10"/>
+    <p:sldId id="265" r:id="rId11"/>
+    <p:sldId id="266" r:id="rId12"/>
+    <p:sldId id="267" r:id="rId13"/>
+    <p:sldId id="268" r:id="rId14"/>
+    <p:sldId id="269" r:id="rId15"/>
+    <p:sldId id="270" r:id="rId16"/>
+    <p:sldId id="271" r:id="rId17"/>
+    <p:sldId id="272" r:id="rId18"/>
+    <p:sldId id="273" r:id="rId19"/>
+    <p:sldId id="274" r:id="rId20"/>
+    <p:sldId id="275" r:id="rId21"/>
+    <p:sldId id="276" r:id="rId22"/>
+    <p:sldId id="277" r:id="rId23"/>
+    <p:sldId id="278" r:id="rId24"/>
+    <p:sldId id="279" r:id="rId25"/>
+    <p:sldId id="280" r:id="rId26"/>
+    <p:sldId id="281" r:id="rId27"/>
+    <p:sldId id="282" r:id="rId28"/>
+    <p:sldId id="283" r:id="rId29"/>
+    <p:sldId id="284" r:id="rId30"/>
+    <p:sldId id="285" r:id="rId31"/>
+    <p:sldId id="286" r:id="rId32"/>
+    <p:sldId id="287" r:id="rId33"/>
+    <p:sldId id="288" r:id="rId34"/>
+    <p:sldId id="289" r:id="rId35"/>
+    <p:sldId id="290" r:id="rId36"/>
+    <p:sldId id="291" r:id="rId37"/>
+    <p:sldId id="292" r:id="rId38"/>
+    <p:sldId id="293" r:id="rId39"/>
+    <p:sldId id="294" r:id="rId40"/>
+    <p:sldId id="295" r:id="rId41"/>
+    <p:sldId id="296" r:id="rId42"/>
+    <p:sldId id="297" r:id="rId43"/>
+    <p:sldId id="298" r:id="rId44"/>
+    <p:sldId id="299" r:id="rId45"/>
+    <p:sldId id="300" r:id="rId46"/>
   </p:sldIdLst>
   <p:sldSz cx="13004800" cy="9753600"/>
   <p:notesSz cx="6858000" cy="9144000"/>
@@ -72,7 +72,7 @@
       <a:buFontTx/>
       <a:buNone/>
       <a:tabLst/>
-      <a:defRPr b="0" baseline="0" cap="none" i="0" spc="0" strike="noStrike" sz="1800" u="none" kumimoji="0" normalizeH="0">
+      <a:defRPr kumimoji="0" sz="1800" b="0" i="0" u="none" strike="noStrike" cap="none" spc="0" normalizeH="0" baseline="0">
         <a:ln>
           <a:noFill/>
         </a:ln>
@@ -98,7 +98,7 @@
       <a:buFontTx/>
       <a:buNone/>
       <a:tabLst/>
-      <a:defRPr b="0" baseline="0" cap="none" i="0" spc="0" strike="noStrike" sz="3600" u="none" kumimoji="0" normalizeH="0">
+      <a:defRPr kumimoji="0" sz="3600" b="0" i="0" u="none" strike="noStrike" cap="none" spc="0" normalizeH="0" baseline="0">
         <a:ln>
           <a:noFill/>
         </a:ln>
@@ -128,7 +128,7 @@
       <a:buFontTx/>
       <a:buNone/>
       <a:tabLst/>
-      <a:defRPr b="0" baseline="0" cap="none" i="0" spc="0" strike="noStrike" sz="3600" u="none" kumimoji="0" normalizeH="0">
+      <a:defRPr kumimoji="0" sz="3600" b="0" i="0" u="none" strike="noStrike" cap="none" spc="0" normalizeH="0" baseline="0">
         <a:ln>
           <a:noFill/>
         </a:ln>
@@ -158,7 +158,7 @@
       <a:buFontTx/>
       <a:buNone/>
       <a:tabLst/>
-      <a:defRPr b="0" baseline="0" cap="none" i="0" spc="0" strike="noStrike" sz="3600" u="none" kumimoji="0" normalizeH="0">
+      <a:defRPr kumimoji="0" sz="3600" b="0" i="0" u="none" strike="noStrike" cap="none" spc="0" normalizeH="0" baseline="0">
         <a:ln>
           <a:noFill/>
         </a:ln>
@@ -188,7 +188,7 @@
       <a:buFontTx/>
       <a:buNone/>
       <a:tabLst/>
-      <a:defRPr b="0" baseline="0" cap="none" i="0" spc="0" strike="noStrike" sz="3600" u="none" kumimoji="0" normalizeH="0">
+      <a:defRPr kumimoji="0" sz="3600" b="0" i="0" u="none" strike="noStrike" cap="none" spc="0" normalizeH="0" baseline="0">
         <a:ln>
           <a:noFill/>
         </a:ln>
@@ -218,7 +218,7 @@
       <a:buFontTx/>
       <a:buNone/>
       <a:tabLst/>
-      <a:defRPr b="0" baseline="0" cap="none" i="0" spc="0" strike="noStrike" sz="3600" u="none" kumimoji="0" normalizeH="0">
+      <a:defRPr kumimoji="0" sz="3600" b="0" i="0" u="none" strike="noStrike" cap="none" spc="0" normalizeH="0" baseline="0">
         <a:ln>
           <a:noFill/>
         </a:ln>
@@ -248,7 +248,7 @@
       <a:buFontTx/>
       <a:buNone/>
       <a:tabLst/>
-      <a:defRPr b="0" baseline="0" cap="none" i="0" spc="0" strike="noStrike" sz="3600" u="none" kumimoji="0" normalizeH="0">
+      <a:defRPr kumimoji="0" sz="3600" b="0" i="0" u="none" strike="noStrike" cap="none" spc="0" normalizeH="0" baseline="0">
         <a:ln>
           <a:noFill/>
         </a:ln>
@@ -278,7 +278,7 @@
       <a:buFontTx/>
       <a:buNone/>
       <a:tabLst/>
-      <a:defRPr b="0" baseline="0" cap="none" i="0" spc="0" strike="noStrike" sz="3600" u="none" kumimoji="0" normalizeH="0">
+      <a:defRPr kumimoji="0" sz="3600" b="0" i="0" u="none" strike="noStrike" cap="none" spc="0" normalizeH="0" baseline="0">
         <a:ln>
           <a:noFill/>
         </a:ln>
@@ -308,7 +308,7 @@
       <a:buFontTx/>
       <a:buNone/>
       <a:tabLst/>
-      <a:defRPr b="0" baseline="0" cap="none" i="0" spc="0" strike="noStrike" sz="3600" u="none" kumimoji="0" normalizeH="0">
+      <a:defRPr kumimoji="0" sz="3600" b="0" i="0" u="none" strike="noStrike" cap="none" spc="0" normalizeH="0" baseline="0">
         <a:ln>
           <a:noFill/>
         </a:ln>
@@ -338,7 +338,7 @@
       <a:buFontTx/>
       <a:buNone/>
       <a:tabLst/>
-      <a:defRPr b="0" baseline="0" cap="none" i="0" spc="0" strike="noStrike" sz="3600" u="none" kumimoji="0" normalizeH="0">
+      <a:defRPr kumimoji="0" sz="3600" b="0" i="0" u="none" strike="noStrike" cap="none" spc="0" normalizeH="0" baseline="0">
         <a:ln>
           <a:noFill/>
         </a:ln>
@@ -357,13 +357,14 @@
 </p:presentation>
 </file>
 
-<file path=ppt/commentAuthors.xml><?xml version="1.0" encoding="utf-8"?>
-<p:cmAuthorLst xmlns:a="http://schemas.openxmlformats.org/drawingml/2006/main" xmlns:r="http://schemas.openxmlformats.org/officeDocument/2006/relationships" xmlns:p="http://schemas.openxmlformats.org/presentationml/2006/main"/>
-</file>
-
 <file path=ppt/notesMasters/notesMaster1.xml><?xml version="1.0" encoding="utf-8"?>
 <p:notesMaster xmlns:a="http://schemas.openxmlformats.org/drawingml/2006/main" xmlns:r="http://schemas.openxmlformats.org/officeDocument/2006/relationships" xmlns:p="http://schemas.openxmlformats.org/presentationml/2006/main">
   <p:cSld>
+    <p:bg>
+      <p:bgRef idx="1001">
+        <a:schemeClr val="bg1"/>
+      </p:bgRef>
+    </p:bg>
     <p:spTree>
       <p:nvGrpSpPr>
         <p:cNvPr id="1" name=""/>
@@ -381,7 +382,9 @@
       <p:sp>
         <p:nvSpPr>
           <p:cNvPr id="116" name="Shape 116"/>
-          <p:cNvSpPr/>
+          <p:cNvSpPr>
+            <a:spLocks noGrp="1" noRot="1" noChangeAspect="1"/>
+          </p:cNvSpPr>
           <p:nvPr>
             <p:ph type="sldImg"/>
           </p:nvPr>
@@ -399,14 +402,16 @@
           <a:bodyPr/>
           <a:lstStyle/>
           <a:p>
-            <a:pPr/>
+            <a:endParaRPr/>
           </a:p>
         </p:txBody>
       </p:sp>
       <p:sp>
         <p:nvSpPr>
           <p:cNvPr id="117" name="Shape 117"/>
-          <p:cNvSpPr/>
+          <p:cNvSpPr>
+            <a:spLocks noGrp="1"/>
+          </p:cNvSpPr>
           <p:nvPr>
             <p:ph type="body" sz="quarter" idx="1"/>
           </p:nvPr>
@@ -424,11 +429,16 @@
           <a:bodyPr/>
           <a:lstStyle/>
           <a:p>
-            <a:pPr/>
+            <a:endParaRPr/>
           </a:p>
         </p:txBody>
       </p:sp>
     </p:spTree>
+    <p:extLst>
+      <p:ext uri="{BB962C8B-B14F-4D97-AF65-F5344CB8AC3E}">
+        <p14:creationId xmlns:p14="http://schemas.microsoft.com/office/powerpoint/2010/main" val="852278373"/>
+      </p:ext>
+    </p:extLst>
   </p:cSld>
   <p:clrMap bg1="lt1" tx1="dk1" bg2="lt2" tx2="dk2" accent1="accent1" accent2="accent2" accent3="accent3" accent4="accent4" accent5="accent5" accent6="accent6" hlink="hlink" folHlink="folHlink"/>
   <p:notesStyle>
@@ -536,7 +546,7 @@
 </file>
 
 <file path=ppt/slideLayouts/slideLayout1.xml><?xml version="1.0" encoding="utf-8"?>
-<p:sldLayout xmlns:a="http://schemas.openxmlformats.org/drawingml/2006/main" xmlns:r="http://schemas.openxmlformats.org/officeDocument/2006/relationships" xmlns:p="http://schemas.openxmlformats.org/presentationml/2006/main" type="title" showMasterSp="1" showMasterPhAnim="1">
+<p:sldLayout xmlns:a="http://schemas.openxmlformats.org/drawingml/2006/main" xmlns:r="http://schemas.openxmlformats.org/officeDocument/2006/relationships" xmlns:p="http://schemas.openxmlformats.org/presentationml/2006/main" type="title">
   <p:cSld name="Title &amp; Subtitle">
     <p:spTree>
       <p:nvGrpSpPr>
@@ -555,7 +565,9 @@
       <p:sp>
         <p:nvSpPr>
           <p:cNvPr id="11" name="Shape 11"/>
-          <p:cNvSpPr/>
+          <p:cNvSpPr>
+            <a:spLocks noGrp="1"/>
+          </p:cNvSpPr>
           <p:nvPr>
             <p:ph type="title"/>
           </p:nvPr>
@@ -573,7 +585,6 @@
           <a:bodyPr anchor="b"/>
           <a:lstStyle/>
           <a:p>
-            <a:pPr/>
             <a:r>
               <a:t>Title Text</a:t>
             </a:r>
@@ -583,7 +594,9 @@
       <p:sp>
         <p:nvSpPr>
           <p:cNvPr id="12" name="Shape 12"/>
-          <p:cNvSpPr/>
+          <p:cNvSpPr>
+            <a:spLocks noGrp="1"/>
+          </p:cNvSpPr>
           <p:nvPr>
             <p:ph type="body" sz="quarter" idx="1"/>
           </p:nvPr>
@@ -642,7 +655,6 @@
             </a:lvl5pPr>
           </a:lstStyle>
           <a:p>
-            <a:pPr/>
             <a:r>
               <a:t>Body Level One</a:t>
             </a:r>
@@ -676,7 +688,9 @@
       <p:sp>
         <p:nvSpPr>
           <p:cNvPr id="13" name="Shape 13"/>
-          <p:cNvSpPr/>
+          <p:cNvSpPr>
+            <a:spLocks noGrp="1"/>
+          </p:cNvSpPr>
           <p:nvPr>
             <p:ph type="sldNum" sz="quarter" idx="2"/>
           </p:nvPr>
@@ -690,8 +704,10 @@
           <a:bodyPr/>
           <a:lstStyle/>
           <a:p>
-            <a:pPr/>
-            <a:fld id="{86CB4B4D-7CA3-9044-876B-883B54F8677D}" type="slidenum"/>
+            <a:fld id="{86CB4B4D-7CA3-9044-876B-883B54F8677D}" type="slidenum">
+              <a:t>‹#›</a:t>
+            </a:fld>
+            <a:endParaRPr/>
           </a:p>
         </p:txBody>
       </p:sp>
@@ -700,12 +716,12 @@
   <p:clrMapOvr>
     <a:masterClrMapping/>
   </p:clrMapOvr>
-  <p:transition xmlns:p14="http://schemas.microsoft.com/office/powerpoint/2010/main" spd="med" advClick="1"/>
+  <p:transition spd="med"/>
 </p:sldLayout>
 </file>
 
 <file path=ppt/slideLayouts/slideLayout10.xml><?xml version="1.0" encoding="utf-8"?>
-<p:sldLayout xmlns:a="http://schemas.openxmlformats.org/drawingml/2006/main" xmlns:r="http://schemas.openxmlformats.org/officeDocument/2006/relationships" xmlns:p="http://schemas.openxmlformats.org/presentationml/2006/main" type="tx" showMasterSp="1" showMasterPhAnim="1">
+<p:sldLayout xmlns:a="http://schemas.openxmlformats.org/drawingml/2006/main" xmlns:r="http://schemas.openxmlformats.org/officeDocument/2006/relationships" xmlns:p="http://schemas.openxmlformats.org/presentationml/2006/main" type="tx">
   <p:cSld name="Quote">
     <p:spTree>
       <p:nvGrpSpPr>
@@ -724,7 +740,9 @@
       <p:sp>
         <p:nvSpPr>
           <p:cNvPr id="93" name="Shape 93"/>
-          <p:cNvSpPr/>
+          <p:cNvSpPr>
+            <a:spLocks noGrp="1"/>
+          </p:cNvSpPr>
           <p:nvPr>
             <p:ph type="body" sz="quarter" idx="13"/>
           </p:nvPr>
@@ -753,7 +771,6 @@
             </a:lvl1pPr>
           </a:lstStyle>
           <a:p>
-            <a:pPr/>
             <a:r>
               <a:t>–Johnny Appleseed</a:t>
             </a:r>
@@ -763,7 +780,9 @@
       <p:sp>
         <p:nvSpPr>
           <p:cNvPr id="94" name="Shape 94"/>
-          <p:cNvSpPr/>
+          <p:cNvSpPr>
+            <a:spLocks noGrp="1"/>
+          </p:cNvSpPr>
           <p:nvPr>
             <p:ph type="body" sz="quarter" idx="14"/>
           </p:nvPr>
@@ -792,7 +811,6 @@
             </a:lvl1pPr>
           </a:lstStyle>
           <a:p>
-            <a:pPr/>
             <a:r>
               <a:t>“Type a quote here.” </a:t>
             </a:r>
@@ -802,7 +820,9 @@
       <p:sp>
         <p:nvSpPr>
           <p:cNvPr id="95" name="Shape 95"/>
-          <p:cNvSpPr/>
+          <p:cNvSpPr>
+            <a:spLocks noGrp="1"/>
+          </p:cNvSpPr>
           <p:nvPr>
             <p:ph type="sldNum" sz="quarter" idx="2"/>
           </p:nvPr>
@@ -816,8 +836,10 @@
           <a:bodyPr/>
           <a:lstStyle/>
           <a:p>
-            <a:pPr/>
-            <a:fld id="{86CB4B4D-7CA3-9044-876B-883B54F8677D}" type="slidenum"/>
+            <a:fld id="{86CB4B4D-7CA3-9044-876B-883B54F8677D}" type="slidenum">
+              <a:t>‹#›</a:t>
+            </a:fld>
+            <a:endParaRPr/>
           </a:p>
         </p:txBody>
       </p:sp>
@@ -826,12 +848,12 @@
   <p:clrMapOvr>
     <a:masterClrMapping/>
   </p:clrMapOvr>
-  <p:transition xmlns:p14="http://schemas.microsoft.com/office/powerpoint/2010/main" spd="med" advClick="1"/>
+  <p:transition spd="med"/>
 </p:sldLayout>
 </file>
 
 <file path=ppt/slideLayouts/slideLayout11.xml><?xml version="1.0" encoding="utf-8"?>
-<p:sldLayout xmlns:a="http://schemas.openxmlformats.org/drawingml/2006/main" xmlns:r="http://schemas.openxmlformats.org/officeDocument/2006/relationships" xmlns:p="http://schemas.openxmlformats.org/presentationml/2006/main" type="tx" showMasterSp="1" showMasterPhAnim="1">
+<p:sldLayout xmlns:a="http://schemas.openxmlformats.org/drawingml/2006/main" xmlns:r="http://schemas.openxmlformats.org/officeDocument/2006/relationships" xmlns:p="http://schemas.openxmlformats.org/presentationml/2006/main" type="tx">
   <p:cSld name="Photo">
     <p:spTree>
       <p:nvGrpSpPr>
@@ -850,7 +872,9 @@
       <p:sp>
         <p:nvSpPr>
           <p:cNvPr id="102" name="Shape 102"/>
-          <p:cNvSpPr/>
+          <p:cNvSpPr>
+            <a:spLocks noGrp="1"/>
+          </p:cNvSpPr>
           <p:nvPr>
             <p:ph type="pic" idx="13"/>
           </p:nvPr>
@@ -870,14 +894,16 @@
           </a:bodyPr>
           <a:lstStyle/>
           <a:p>
-            <a:pPr/>
+            <a:endParaRPr/>
           </a:p>
         </p:txBody>
       </p:sp>
       <p:sp>
         <p:nvSpPr>
           <p:cNvPr id="103" name="Shape 103"/>
-          <p:cNvSpPr/>
+          <p:cNvSpPr>
+            <a:spLocks noGrp="1"/>
+          </p:cNvSpPr>
           <p:nvPr>
             <p:ph type="sldNum" sz="quarter" idx="2"/>
           </p:nvPr>
@@ -891,8 +917,10 @@
           <a:bodyPr/>
           <a:lstStyle/>
           <a:p>
-            <a:pPr/>
-            <a:fld id="{86CB4B4D-7CA3-9044-876B-883B54F8677D}" type="slidenum"/>
+            <a:fld id="{86CB4B4D-7CA3-9044-876B-883B54F8677D}" type="slidenum">
+              <a:t>‹#›</a:t>
+            </a:fld>
+            <a:endParaRPr/>
           </a:p>
         </p:txBody>
       </p:sp>
@@ -901,12 +929,12 @@
   <p:clrMapOvr>
     <a:masterClrMapping/>
   </p:clrMapOvr>
-  <p:transition xmlns:p14="http://schemas.microsoft.com/office/powerpoint/2010/main" spd="med" advClick="1"/>
+  <p:transition spd="med"/>
 </p:sldLayout>
 </file>
 
 <file path=ppt/slideLayouts/slideLayout12.xml><?xml version="1.0" encoding="utf-8"?>
-<p:sldLayout xmlns:a="http://schemas.openxmlformats.org/drawingml/2006/main" xmlns:r="http://schemas.openxmlformats.org/officeDocument/2006/relationships" xmlns:p="http://schemas.openxmlformats.org/presentationml/2006/main" type="tx" showMasterSp="1" showMasterPhAnim="1">
+<p:sldLayout xmlns:a="http://schemas.openxmlformats.org/drawingml/2006/main" xmlns:r="http://schemas.openxmlformats.org/officeDocument/2006/relationships" xmlns:p="http://schemas.openxmlformats.org/presentationml/2006/main" type="tx">
   <p:cSld name="Blank">
     <p:spTree>
       <p:nvGrpSpPr>
@@ -925,7 +953,9 @@
       <p:sp>
         <p:nvSpPr>
           <p:cNvPr id="110" name="Shape 110"/>
-          <p:cNvSpPr/>
+          <p:cNvSpPr>
+            <a:spLocks noGrp="1"/>
+          </p:cNvSpPr>
           <p:nvPr>
             <p:ph type="sldNum" sz="quarter" idx="2"/>
           </p:nvPr>
@@ -939,8 +969,10 @@
           <a:bodyPr/>
           <a:lstStyle/>
           <a:p>
-            <a:pPr/>
-            <a:fld id="{86CB4B4D-7CA3-9044-876B-883B54F8677D}" type="slidenum"/>
+            <a:fld id="{86CB4B4D-7CA3-9044-876B-883B54F8677D}" type="slidenum">
+              <a:t>‹#›</a:t>
+            </a:fld>
+            <a:endParaRPr/>
           </a:p>
         </p:txBody>
       </p:sp>
@@ -949,12 +981,12 @@
   <p:clrMapOvr>
     <a:masterClrMapping/>
   </p:clrMapOvr>
-  <p:transition xmlns:p14="http://schemas.microsoft.com/office/powerpoint/2010/main" spd="med" advClick="1"/>
+  <p:transition spd="med"/>
 </p:sldLayout>
 </file>
 
 <file path=ppt/slideLayouts/slideLayout2.xml><?xml version="1.0" encoding="utf-8"?>
-<p:sldLayout xmlns:a="http://schemas.openxmlformats.org/drawingml/2006/main" xmlns:r="http://schemas.openxmlformats.org/officeDocument/2006/relationships" xmlns:p="http://schemas.openxmlformats.org/presentationml/2006/main" type="tx" showMasterSp="1" showMasterPhAnim="1">
+<p:sldLayout xmlns:a="http://schemas.openxmlformats.org/drawingml/2006/main" xmlns:r="http://schemas.openxmlformats.org/officeDocument/2006/relationships" xmlns:p="http://schemas.openxmlformats.org/presentationml/2006/main" type="tx">
   <p:cSld name="Photo - Horizontal">
     <p:spTree>
       <p:nvGrpSpPr>
@@ -973,7 +1005,9 @@
       <p:sp>
         <p:nvSpPr>
           <p:cNvPr id="20" name="Shape 20"/>
-          <p:cNvSpPr/>
+          <p:cNvSpPr>
+            <a:spLocks noGrp="1"/>
+          </p:cNvSpPr>
           <p:nvPr>
             <p:ph type="pic" idx="13"/>
           </p:nvPr>
@@ -993,14 +1027,16 @@
           </a:bodyPr>
           <a:lstStyle/>
           <a:p>
-            <a:pPr/>
+            <a:endParaRPr/>
           </a:p>
         </p:txBody>
       </p:sp>
       <p:sp>
         <p:nvSpPr>
           <p:cNvPr id="21" name="Shape 21"/>
-          <p:cNvSpPr/>
+          <p:cNvSpPr>
+            <a:spLocks noGrp="1"/>
+          </p:cNvSpPr>
           <p:nvPr>
             <p:ph type="title"/>
           </p:nvPr>
@@ -1018,7 +1054,6 @@
           <a:bodyPr anchor="b"/>
           <a:lstStyle/>
           <a:p>
-            <a:pPr/>
             <a:r>
               <a:t>Title Text</a:t>
             </a:r>
@@ -1028,7 +1063,9 @@
       <p:sp>
         <p:nvSpPr>
           <p:cNvPr id="22" name="Shape 22"/>
-          <p:cNvSpPr/>
+          <p:cNvSpPr>
+            <a:spLocks noGrp="1"/>
+          </p:cNvSpPr>
           <p:nvPr>
             <p:ph type="body" sz="quarter" idx="1"/>
           </p:nvPr>
@@ -1087,7 +1124,6 @@
             </a:lvl5pPr>
           </a:lstStyle>
           <a:p>
-            <a:pPr/>
             <a:r>
               <a:t>Body Level One</a:t>
             </a:r>
@@ -1121,7 +1157,9 @@
       <p:sp>
         <p:nvSpPr>
           <p:cNvPr id="23" name="Shape 23"/>
-          <p:cNvSpPr/>
+          <p:cNvSpPr>
+            <a:spLocks noGrp="1"/>
+          </p:cNvSpPr>
           <p:nvPr>
             <p:ph type="sldNum" sz="quarter" idx="2"/>
           </p:nvPr>
@@ -1139,8 +1177,10 @@
           <a:bodyPr/>
           <a:lstStyle/>
           <a:p>
-            <a:pPr/>
-            <a:fld id="{86CB4B4D-7CA3-9044-876B-883B54F8677D}" type="slidenum"/>
+            <a:fld id="{86CB4B4D-7CA3-9044-876B-883B54F8677D}" type="slidenum">
+              <a:t>‹#›</a:t>
+            </a:fld>
+            <a:endParaRPr/>
           </a:p>
         </p:txBody>
       </p:sp>
@@ -1149,12 +1189,12 @@
   <p:clrMapOvr>
     <a:masterClrMapping/>
   </p:clrMapOvr>
-  <p:transition xmlns:p14="http://schemas.microsoft.com/office/powerpoint/2010/main" spd="med" advClick="1"/>
+  <p:transition spd="med"/>
 </p:sldLayout>
 </file>
 
 <file path=ppt/slideLayouts/slideLayout3.xml><?xml version="1.0" encoding="utf-8"?>
-<p:sldLayout xmlns:a="http://schemas.openxmlformats.org/drawingml/2006/main" xmlns:r="http://schemas.openxmlformats.org/officeDocument/2006/relationships" xmlns:p="http://schemas.openxmlformats.org/presentationml/2006/main" type="tx" showMasterSp="1" showMasterPhAnim="1">
+<p:sldLayout xmlns:a="http://schemas.openxmlformats.org/drawingml/2006/main" xmlns:r="http://schemas.openxmlformats.org/officeDocument/2006/relationships" xmlns:p="http://schemas.openxmlformats.org/presentationml/2006/main" type="tx">
   <p:cSld name="Title - Center">
     <p:spTree>
       <p:nvGrpSpPr>
@@ -1173,7 +1213,9 @@
       <p:sp>
         <p:nvSpPr>
           <p:cNvPr id="30" name="Shape 30"/>
-          <p:cNvSpPr/>
+          <p:cNvSpPr>
+            <a:spLocks noGrp="1"/>
+          </p:cNvSpPr>
           <p:nvPr>
             <p:ph type="title"/>
           </p:nvPr>
@@ -1191,7 +1233,6 @@
           <a:bodyPr/>
           <a:lstStyle/>
           <a:p>
-            <a:pPr/>
             <a:r>
               <a:t>Title Text</a:t>
             </a:r>
@@ -1201,7 +1242,9 @@
       <p:sp>
         <p:nvSpPr>
           <p:cNvPr id="31" name="Shape 31"/>
-          <p:cNvSpPr/>
+          <p:cNvSpPr>
+            <a:spLocks noGrp="1"/>
+          </p:cNvSpPr>
           <p:nvPr>
             <p:ph type="sldNum" sz="quarter" idx="2"/>
           </p:nvPr>
@@ -1215,8 +1258,10 @@
           <a:bodyPr/>
           <a:lstStyle/>
           <a:p>
-            <a:pPr/>
-            <a:fld id="{86CB4B4D-7CA3-9044-876B-883B54F8677D}" type="slidenum"/>
+            <a:fld id="{86CB4B4D-7CA3-9044-876B-883B54F8677D}" type="slidenum">
+              <a:t>‹#›</a:t>
+            </a:fld>
+            <a:endParaRPr/>
           </a:p>
         </p:txBody>
       </p:sp>
@@ -1225,12 +1270,12 @@
   <p:clrMapOvr>
     <a:masterClrMapping/>
   </p:clrMapOvr>
-  <p:transition xmlns:p14="http://schemas.microsoft.com/office/powerpoint/2010/main" spd="med" advClick="1"/>
+  <p:transition spd="med"/>
 </p:sldLayout>
 </file>
 
 <file path=ppt/slideLayouts/slideLayout4.xml><?xml version="1.0" encoding="utf-8"?>
-<p:sldLayout xmlns:a="http://schemas.openxmlformats.org/drawingml/2006/main" xmlns:r="http://schemas.openxmlformats.org/officeDocument/2006/relationships" xmlns:p="http://schemas.openxmlformats.org/presentationml/2006/main" type="tx" showMasterSp="1" showMasterPhAnim="1">
+<p:sldLayout xmlns:a="http://schemas.openxmlformats.org/drawingml/2006/main" xmlns:r="http://schemas.openxmlformats.org/officeDocument/2006/relationships" xmlns:p="http://schemas.openxmlformats.org/presentationml/2006/main" type="tx">
   <p:cSld name="Photo - Vertical">
     <p:spTree>
       <p:nvGrpSpPr>
@@ -1249,7 +1294,9 @@
       <p:sp>
         <p:nvSpPr>
           <p:cNvPr id="38" name="Shape 38"/>
-          <p:cNvSpPr/>
+          <p:cNvSpPr>
+            <a:spLocks noGrp="1"/>
+          </p:cNvSpPr>
           <p:nvPr>
             <p:ph type="pic" sz="half" idx="13"/>
           </p:nvPr>
@@ -1269,14 +1316,16 @@
           </a:bodyPr>
           <a:lstStyle/>
           <a:p>
-            <a:pPr/>
+            <a:endParaRPr/>
           </a:p>
         </p:txBody>
       </p:sp>
       <p:sp>
         <p:nvSpPr>
           <p:cNvPr id="39" name="Shape 39"/>
-          <p:cNvSpPr/>
+          <p:cNvSpPr>
+            <a:spLocks noGrp="1"/>
+          </p:cNvSpPr>
           <p:nvPr>
             <p:ph type="title"/>
           </p:nvPr>
@@ -1298,7 +1347,6 @@
             </a:lvl1pPr>
           </a:lstStyle>
           <a:p>
-            <a:pPr/>
             <a:r>
               <a:t>Title Text</a:t>
             </a:r>
@@ -1308,7 +1356,9 @@
       <p:sp>
         <p:nvSpPr>
           <p:cNvPr id="40" name="Shape 40"/>
-          <p:cNvSpPr/>
+          <p:cNvSpPr>
+            <a:spLocks noGrp="1"/>
+          </p:cNvSpPr>
           <p:nvPr>
             <p:ph type="body" sz="quarter" idx="1"/>
           </p:nvPr>
@@ -1367,7 +1417,6 @@
             </a:lvl5pPr>
           </a:lstStyle>
           <a:p>
-            <a:pPr/>
             <a:r>
               <a:t>Body Level One</a:t>
             </a:r>
@@ -1401,7 +1450,9 @@
       <p:sp>
         <p:nvSpPr>
           <p:cNvPr id="41" name="Shape 41"/>
-          <p:cNvSpPr/>
+          <p:cNvSpPr>
+            <a:spLocks noGrp="1"/>
+          </p:cNvSpPr>
           <p:nvPr>
             <p:ph type="sldNum" sz="quarter" idx="2"/>
           </p:nvPr>
@@ -1415,8 +1466,10 @@
           <a:bodyPr/>
           <a:lstStyle/>
           <a:p>
-            <a:pPr/>
-            <a:fld id="{86CB4B4D-7CA3-9044-876B-883B54F8677D}" type="slidenum"/>
+            <a:fld id="{86CB4B4D-7CA3-9044-876B-883B54F8677D}" type="slidenum">
+              <a:t>‹#›</a:t>
+            </a:fld>
+            <a:endParaRPr/>
           </a:p>
         </p:txBody>
       </p:sp>
@@ -1425,12 +1478,12 @@
   <p:clrMapOvr>
     <a:masterClrMapping/>
   </p:clrMapOvr>
-  <p:transition xmlns:p14="http://schemas.microsoft.com/office/powerpoint/2010/main" spd="med" advClick="1"/>
+  <p:transition spd="med"/>
 </p:sldLayout>
 </file>
 
 <file path=ppt/slideLayouts/slideLayout5.xml><?xml version="1.0" encoding="utf-8"?>
-<p:sldLayout xmlns:a="http://schemas.openxmlformats.org/drawingml/2006/main" xmlns:r="http://schemas.openxmlformats.org/officeDocument/2006/relationships" xmlns:p="http://schemas.openxmlformats.org/presentationml/2006/main" type="tx" showMasterSp="1" showMasterPhAnim="1">
+<p:sldLayout xmlns:a="http://schemas.openxmlformats.org/drawingml/2006/main" xmlns:r="http://schemas.openxmlformats.org/officeDocument/2006/relationships" xmlns:p="http://schemas.openxmlformats.org/presentationml/2006/main" type="tx">
   <p:cSld name="Title - Top">
     <p:spTree>
       <p:nvGrpSpPr>
@@ -1449,7 +1502,9 @@
       <p:sp>
         <p:nvSpPr>
           <p:cNvPr id="48" name="Shape 48"/>
-          <p:cNvSpPr/>
+          <p:cNvSpPr>
+            <a:spLocks noGrp="1"/>
+          </p:cNvSpPr>
           <p:nvPr>
             <p:ph type="title"/>
           </p:nvPr>
@@ -1463,7 +1518,6 @@
           <a:bodyPr/>
           <a:lstStyle/>
           <a:p>
-            <a:pPr/>
             <a:r>
               <a:t>Title Text</a:t>
             </a:r>
@@ -1473,7 +1527,9 @@
       <p:sp>
         <p:nvSpPr>
           <p:cNvPr id="49" name="Shape 49"/>
-          <p:cNvSpPr/>
+          <p:cNvSpPr>
+            <a:spLocks noGrp="1"/>
+          </p:cNvSpPr>
           <p:nvPr>
             <p:ph type="sldNum" sz="quarter" idx="2"/>
           </p:nvPr>
@@ -1487,8 +1543,10 @@
           <a:bodyPr/>
           <a:lstStyle/>
           <a:p>
-            <a:pPr/>
-            <a:fld id="{86CB4B4D-7CA3-9044-876B-883B54F8677D}" type="slidenum"/>
+            <a:fld id="{86CB4B4D-7CA3-9044-876B-883B54F8677D}" type="slidenum">
+              <a:t>‹#›</a:t>
+            </a:fld>
+            <a:endParaRPr/>
           </a:p>
         </p:txBody>
       </p:sp>
@@ -1497,12 +1555,12 @@
   <p:clrMapOvr>
     <a:masterClrMapping/>
   </p:clrMapOvr>
-  <p:transition xmlns:p14="http://schemas.microsoft.com/office/powerpoint/2010/main" spd="med" advClick="1"/>
+  <p:transition spd="med"/>
 </p:sldLayout>
 </file>
 
 <file path=ppt/slideLayouts/slideLayout6.xml><?xml version="1.0" encoding="utf-8"?>
-<p:sldLayout xmlns:a="http://schemas.openxmlformats.org/drawingml/2006/main" xmlns:r="http://schemas.openxmlformats.org/officeDocument/2006/relationships" xmlns:p="http://schemas.openxmlformats.org/presentationml/2006/main" type="tx" showMasterSp="1" showMasterPhAnim="1">
+<p:sldLayout xmlns:a="http://schemas.openxmlformats.org/drawingml/2006/main" xmlns:r="http://schemas.openxmlformats.org/officeDocument/2006/relationships" xmlns:p="http://schemas.openxmlformats.org/presentationml/2006/main" type="tx">
   <p:cSld name="Title &amp; Bullets">
     <p:spTree>
       <p:nvGrpSpPr>
@@ -1521,7 +1579,9 @@
       <p:sp>
         <p:nvSpPr>
           <p:cNvPr id="56" name="Shape 56"/>
-          <p:cNvSpPr/>
+          <p:cNvSpPr>
+            <a:spLocks noGrp="1"/>
+          </p:cNvSpPr>
           <p:nvPr>
             <p:ph type="title"/>
           </p:nvPr>
@@ -1535,7 +1595,6 @@
           <a:bodyPr/>
           <a:lstStyle/>
           <a:p>
-            <a:pPr/>
             <a:r>
               <a:t>Title Text</a:t>
             </a:r>
@@ -1545,7 +1604,9 @@
       <p:sp>
         <p:nvSpPr>
           <p:cNvPr id="57" name="Shape 57"/>
-          <p:cNvSpPr/>
+          <p:cNvSpPr>
+            <a:spLocks noGrp="1"/>
+          </p:cNvSpPr>
           <p:nvPr>
             <p:ph type="body" idx="1"/>
           </p:nvPr>
@@ -1559,7 +1620,6 @@
           <a:bodyPr/>
           <a:lstStyle/>
           <a:p>
-            <a:pPr/>
             <a:r>
               <a:t>Body Level One</a:t>
             </a:r>
@@ -1593,7 +1653,9 @@
       <p:sp>
         <p:nvSpPr>
           <p:cNvPr id="58" name="Shape 58"/>
-          <p:cNvSpPr/>
+          <p:cNvSpPr>
+            <a:spLocks noGrp="1"/>
+          </p:cNvSpPr>
           <p:nvPr>
             <p:ph type="sldNum" sz="quarter" idx="2"/>
           </p:nvPr>
@@ -1607,8 +1669,10 @@
           <a:bodyPr/>
           <a:lstStyle/>
           <a:p>
-            <a:pPr/>
-            <a:fld id="{86CB4B4D-7CA3-9044-876B-883B54F8677D}" type="slidenum"/>
+            <a:fld id="{86CB4B4D-7CA3-9044-876B-883B54F8677D}" type="slidenum">
+              <a:t>‹#›</a:t>
+            </a:fld>
+            <a:endParaRPr/>
           </a:p>
         </p:txBody>
       </p:sp>
@@ -1617,12 +1681,12 @@
   <p:clrMapOvr>
     <a:masterClrMapping/>
   </p:clrMapOvr>
-  <p:transition xmlns:p14="http://schemas.microsoft.com/office/powerpoint/2010/main" spd="med" advClick="1"/>
+  <p:transition spd="med"/>
 </p:sldLayout>
 </file>
 
 <file path=ppt/slideLayouts/slideLayout7.xml><?xml version="1.0" encoding="utf-8"?>
-<p:sldLayout xmlns:a="http://schemas.openxmlformats.org/drawingml/2006/main" xmlns:r="http://schemas.openxmlformats.org/officeDocument/2006/relationships" xmlns:p="http://schemas.openxmlformats.org/presentationml/2006/main" type="tx" showMasterSp="1" showMasterPhAnim="1">
+<p:sldLayout xmlns:a="http://schemas.openxmlformats.org/drawingml/2006/main" xmlns:r="http://schemas.openxmlformats.org/officeDocument/2006/relationships" xmlns:p="http://schemas.openxmlformats.org/presentationml/2006/main" type="tx">
   <p:cSld name="Title, Bullets &amp; Photo">
     <p:spTree>
       <p:nvGrpSpPr>
@@ -1641,7 +1705,9 @@
       <p:sp>
         <p:nvSpPr>
           <p:cNvPr id="65" name="Shape 65"/>
-          <p:cNvSpPr/>
+          <p:cNvSpPr>
+            <a:spLocks noGrp="1"/>
+          </p:cNvSpPr>
           <p:nvPr>
             <p:ph type="pic" sz="half" idx="13"/>
           </p:nvPr>
@@ -1661,14 +1727,16 @@
           </a:bodyPr>
           <a:lstStyle/>
           <a:p>
-            <a:pPr/>
+            <a:endParaRPr/>
           </a:p>
         </p:txBody>
       </p:sp>
       <p:sp>
         <p:nvSpPr>
           <p:cNvPr id="66" name="Shape 66"/>
-          <p:cNvSpPr/>
+          <p:cNvSpPr>
+            <a:spLocks noGrp="1"/>
+          </p:cNvSpPr>
           <p:nvPr>
             <p:ph type="title"/>
           </p:nvPr>
@@ -1682,7 +1750,6 @@
           <a:bodyPr/>
           <a:lstStyle/>
           <a:p>
-            <a:pPr/>
             <a:r>
               <a:t>Title Text</a:t>
             </a:r>
@@ -1692,7 +1759,9 @@
       <p:sp>
         <p:nvSpPr>
           <p:cNvPr id="67" name="Shape 67"/>
-          <p:cNvSpPr/>
+          <p:cNvSpPr>
+            <a:spLocks noGrp="1"/>
+          </p:cNvSpPr>
           <p:nvPr>
             <p:ph type="body" sz="half" idx="1"/>
           </p:nvPr>
@@ -1741,7 +1810,6 @@
             </a:lvl5pPr>
           </a:lstStyle>
           <a:p>
-            <a:pPr/>
             <a:r>
               <a:t>Body Level One</a:t>
             </a:r>
@@ -1775,7 +1843,9 @@
       <p:sp>
         <p:nvSpPr>
           <p:cNvPr id="68" name="Shape 68"/>
-          <p:cNvSpPr/>
+          <p:cNvSpPr>
+            <a:spLocks noGrp="1"/>
+          </p:cNvSpPr>
           <p:nvPr>
             <p:ph type="sldNum" sz="quarter" idx="2"/>
           </p:nvPr>
@@ -1789,8 +1859,10 @@
           <a:bodyPr/>
           <a:lstStyle/>
           <a:p>
-            <a:pPr/>
-            <a:fld id="{86CB4B4D-7CA3-9044-876B-883B54F8677D}" type="slidenum"/>
+            <a:fld id="{86CB4B4D-7CA3-9044-876B-883B54F8677D}" type="slidenum">
+              <a:t>‹#›</a:t>
+            </a:fld>
+            <a:endParaRPr/>
           </a:p>
         </p:txBody>
       </p:sp>
@@ -1799,12 +1871,12 @@
   <p:clrMapOvr>
     <a:masterClrMapping/>
   </p:clrMapOvr>
-  <p:transition xmlns:p14="http://schemas.microsoft.com/office/powerpoint/2010/main" spd="med" advClick="1"/>
+  <p:transition spd="med"/>
 </p:sldLayout>
 </file>
 
 <file path=ppt/slideLayouts/slideLayout8.xml><?xml version="1.0" encoding="utf-8"?>
-<p:sldLayout xmlns:a="http://schemas.openxmlformats.org/drawingml/2006/main" xmlns:r="http://schemas.openxmlformats.org/officeDocument/2006/relationships" xmlns:p="http://schemas.openxmlformats.org/presentationml/2006/main" type="tx" showMasterSp="1" showMasterPhAnim="1">
+<p:sldLayout xmlns:a="http://schemas.openxmlformats.org/drawingml/2006/main" xmlns:r="http://schemas.openxmlformats.org/officeDocument/2006/relationships" xmlns:p="http://schemas.openxmlformats.org/presentationml/2006/main" type="tx">
   <p:cSld name="Bullets">
     <p:spTree>
       <p:nvGrpSpPr>
@@ -1823,7 +1895,9 @@
       <p:sp>
         <p:nvSpPr>
           <p:cNvPr id="75" name="Shape 75"/>
-          <p:cNvSpPr/>
+          <p:cNvSpPr>
+            <a:spLocks noGrp="1"/>
+          </p:cNvSpPr>
           <p:nvPr>
             <p:ph type="body" idx="1"/>
           </p:nvPr>
@@ -1841,7 +1915,6 @@
           <a:bodyPr/>
           <a:lstStyle/>
           <a:p>
-            <a:pPr/>
             <a:r>
               <a:t>Body Level One</a:t>
             </a:r>
@@ -1875,7 +1948,9 @@
       <p:sp>
         <p:nvSpPr>
           <p:cNvPr id="76" name="Shape 76"/>
-          <p:cNvSpPr/>
+          <p:cNvSpPr>
+            <a:spLocks noGrp="1"/>
+          </p:cNvSpPr>
           <p:nvPr>
             <p:ph type="sldNum" sz="quarter" idx="2"/>
           </p:nvPr>
@@ -1889,8 +1964,10 @@
           <a:bodyPr/>
           <a:lstStyle/>
           <a:p>
-            <a:pPr/>
-            <a:fld id="{86CB4B4D-7CA3-9044-876B-883B54F8677D}" type="slidenum"/>
+            <a:fld id="{86CB4B4D-7CA3-9044-876B-883B54F8677D}" type="slidenum">
+              <a:t>‹#›</a:t>
+            </a:fld>
+            <a:endParaRPr/>
           </a:p>
         </p:txBody>
       </p:sp>
@@ -1899,12 +1976,12 @@
   <p:clrMapOvr>
     <a:masterClrMapping/>
   </p:clrMapOvr>
-  <p:transition xmlns:p14="http://schemas.microsoft.com/office/powerpoint/2010/main" spd="med" advClick="1"/>
+  <p:transition spd="med"/>
 </p:sldLayout>
 </file>
 
 <file path=ppt/slideLayouts/slideLayout9.xml><?xml version="1.0" encoding="utf-8"?>
-<p:sldLayout xmlns:a="http://schemas.openxmlformats.org/drawingml/2006/main" xmlns:r="http://schemas.openxmlformats.org/officeDocument/2006/relationships" xmlns:p="http://schemas.openxmlformats.org/presentationml/2006/main" type="tx" showMasterSp="1" showMasterPhAnim="1">
+<p:sldLayout xmlns:a="http://schemas.openxmlformats.org/drawingml/2006/main" xmlns:r="http://schemas.openxmlformats.org/officeDocument/2006/relationships" xmlns:p="http://schemas.openxmlformats.org/presentationml/2006/main" type="tx">
   <p:cSld name="Photo - 3 Up">
     <p:spTree>
       <p:nvGrpSpPr>
@@ -1923,7 +2000,9 @@
       <p:sp>
         <p:nvSpPr>
           <p:cNvPr id="83" name="Shape 83"/>
-          <p:cNvSpPr/>
+          <p:cNvSpPr>
+            <a:spLocks noGrp="1"/>
+          </p:cNvSpPr>
           <p:nvPr>
             <p:ph type="pic" sz="quarter" idx="13"/>
           </p:nvPr>
@@ -1943,14 +2022,16 @@
           </a:bodyPr>
           <a:lstStyle/>
           <a:p>
-            <a:pPr/>
+            <a:endParaRPr/>
           </a:p>
         </p:txBody>
       </p:sp>
       <p:sp>
         <p:nvSpPr>
           <p:cNvPr id="84" name="Shape 84"/>
-          <p:cNvSpPr/>
+          <p:cNvSpPr>
+            <a:spLocks noGrp="1"/>
+          </p:cNvSpPr>
           <p:nvPr>
             <p:ph type="pic" sz="quarter" idx="14"/>
           </p:nvPr>
@@ -1970,14 +2051,16 @@
           </a:bodyPr>
           <a:lstStyle/>
           <a:p>
-            <a:pPr/>
+            <a:endParaRPr/>
           </a:p>
         </p:txBody>
       </p:sp>
       <p:sp>
         <p:nvSpPr>
           <p:cNvPr id="85" name="Shape 85"/>
-          <p:cNvSpPr/>
+          <p:cNvSpPr>
+            <a:spLocks noGrp="1"/>
+          </p:cNvSpPr>
           <p:nvPr>
             <p:ph type="pic" sz="half" idx="15"/>
           </p:nvPr>
@@ -1997,14 +2080,16 @@
           </a:bodyPr>
           <a:lstStyle/>
           <a:p>
-            <a:pPr/>
+            <a:endParaRPr/>
           </a:p>
         </p:txBody>
       </p:sp>
       <p:sp>
         <p:nvSpPr>
           <p:cNvPr id="86" name="Shape 86"/>
-          <p:cNvSpPr/>
+          <p:cNvSpPr>
+            <a:spLocks noGrp="1"/>
+          </p:cNvSpPr>
           <p:nvPr>
             <p:ph type="sldNum" sz="quarter" idx="2"/>
           </p:nvPr>
@@ -2018,8 +2103,10 @@
           <a:bodyPr/>
           <a:lstStyle/>
           <a:p>
-            <a:pPr/>
-            <a:fld id="{86CB4B4D-7CA3-9044-876B-883B54F8677D}" type="slidenum"/>
+            <a:fld id="{86CB4B4D-7CA3-9044-876B-883B54F8677D}" type="slidenum">
+              <a:t>‹#›</a:t>
+            </a:fld>
+            <a:endParaRPr/>
           </a:p>
         </p:txBody>
       </p:sp>
@@ -2028,7 +2115,7 @@
   <p:clrMapOvr>
     <a:masterClrMapping/>
   </p:clrMapOvr>
-  <p:transition xmlns:p14="http://schemas.microsoft.com/office/powerpoint/2010/main" spd="med" advClick="1"/>
+  <p:transition spd="med"/>
 </p:sldLayout>
 </file>
 
@@ -2040,6 +2127,7 @@
         <a:solidFill>
           <a:srgbClr val="FFFFFF"/>
         </a:solidFill>
+        <a:effectLst/>
       </p:bgPr>
     </p:bg>
     <p:spTree>
@@ -2059,7 +2147,9 @@
       <p:sp>
         <p:nvSpPr>
           <p:cNvPr id="2" name="Shape 2"/>
-          <p:cNvSpPr/>
+          <p:cNvSpPr>
+            <a:spLocks noGrp="1"/>
+          </p:cNvSpPr>
           <p:nvPr>
             <p:ph type="title"/>
           </p:nvPr>
@@ -2083,11 +2173,10 @@
         </p:spPr>
         <p:txBody>
           <a:bodyPr lIns="50800" tIns="50800" rIns="50800" bIns="50800" anchor="ctr">
-            <a:normAutofit fontScale="100000" lnSpcReduction="0"/>
+            <a:normAutofit/>
           </a:bodyPr>
           <a:lstStyle/>
           <a:p>
-            <a:pPr/>
             <a:r>
               <a:t>Title Text</a:t>
             </a:r>
@@ -2097,7 +2186,9 @@
       <p:sp>
         <p:nvSpPr>
           <p:cNvPr id="3" name="Shape 3"/>
-          <p:cNvSpPr/>
+          <p:cNvSpPr>
+            <a:spLocks noGrp="1"/>
+          </p:cNvSpPr>
           <p:nvPr>
             <p:ph type="body" idx="1"/>
           </p:nvPr>
@@ -2121,11 +2212,10 @@
         </p:spPr>
         <p:txBody>
           <a:bodyPr lIns="50800" tIns="50800" rIns="50800" bIns="50800" anchor="ctr">
-            <a:normAutofit fontScale="100000" lnSpcReduction="0"/>
+            <a:normAutofit/>
           </a:bodyPr>
           <a:lstStyle/>
           <a:p>
-            <a:pPr/>
             <a:r>
               <a:t>Body Level One</a:t>
             </a:r>
@@ -2159,7 +2249,9 @@
       <p:sp>
         <p:nvSpPr>
           <p:cNvPr id="4" name="Shape 4"/>
-          <p:cNvSpPr/>
+          <p:cNvSpPr>
+            <a:spLocks noGrp="1"/>
+          </p:cNvSpPr>
           <p:nvPr>
             <p:ph type="sldNum" sz="quarter" idx="2"/>
           </p:nvPr>
@@ -2186,8 +2278,10 @@
             </a:lvl1pPr>
           </a:lstStyle>
           <a:p>
-            <a:pPr/>
-            <a:fld id="{86CB4B4D-7CA3-9044-876B-883B54F8677D}" type="slidenum"/>
+            <a:fld id="{86CB4B4D-7CA3-9044-876B-883B54F8677D}" type="slidenum">
+              <a:t>‹#›</a:t>
+            </a:fld>
+            <a:endParaRPr/>
           </a:p>
         </p:txBody>
       </p:sp>
@@ -2195,20 +2289,20 @@
   </p:cSld>
   <p:clrMap bg1="lt1" tx1="dk1" bg2="lt2" tx2="dk2" accent1="accent1" accent2="accent2" accent3="accent3" accent4="accent4" accent5="accent5" accent6="accent6" hlink="hlink" folHlink="folHlink"/>
   <p:sldLayoutIdLst>
-    <p:sldLayoutId id="2147483649" r:id="rId2"/>
-    <p:sldLayoutId id="2147483650" r:id="rId3"/>
-    <p:sldLayoutId id="2147483651" r:id="rId4"/>
-    <p:sldLayoutId id="2147483652" r:id="rId5"/>
-    <p:sldLayoutId id="2147483653" r:id="rId6"/>
-    <p:sldLayoutId id="2147483654" r:id="rId7"/>
-    <p:sldLayoutId id="2147483655" r:id="rId8"/>
-    <p:sldLayoutId id="2147483656" r:id="rId9"/>
-    <p:sldLayoutId id="2147483657" r:id="rId10"/>
-    <p:sldLayoutId id="2147483658" r:id="rId11"/>
-    <p:sldLayoutId id="2147483659" r:id="rId12"/>
-    <p:sldLayoutId id="2147483660" r:id="rId13"/>
+    <p:sldLayoutId id="2147483649" r:id="rId1"/>
+    <p:sldLayoutId id="2147483650" r:id="rId2"/>
+    <p:sldLayoutId id="2147483651" r:id="rId3"/>
+    <p:sldLayoutId id="2147483652" r:id="rId4"/>
+    <p:sldLayoutId id="2147483653" r:id="rId5"/>
+    <p:sldLayoutId id="2147483654" r:id="rId6"/>
+    <p:sldLayoutId id="2147483655" r:id="rId7"/>
+    <p:sldLayoutId id="2147483656" r:id="rId8"/>
+    <p:sldLayoutId id="2147483657" r:id="rId9"/>
+    <p:sldLayoutId id="2147483658" r:id="rId10"/>
+    <p:sldLayoutId id="2147483659" r:id="rId11"/>
+    <p:sldLayoutId id="2147483660" r:id="rId12"/>
   </p:sldLayoutIdLst>
-  <p:transition xmlns:p14="http://schemas.microsoft.com/office/powerpoint/2010/main" spd="med" advClick="1"/>
+  <p:transition spd="med"/>
   <p:txStyles>
     <p:titleStyle>
       <a:lvl1pPr marL="0" marR="0" indent="0" algn="ctr" defTabSz="584200" rtl="0" latinLnBrk="0">
@@ -2226,7 +2320,7 @@
         <a:buFontTx/>
         <a:buNone/>
         <a:tabLst/>
-        <a:defRPr b="0" baseline="0" cap="none" i="0" spc="0" strike="noStrike" sz="8000" u="none">
+        <a:defRPr sz="8000" b="0" i="0" u="none" strike="noStrike" cap="none" spc="0" baseline="0">
           <a:ln>
             <a:noFill/>
           </a:ln>
@@ -2255,7 +2349,7 @@
         <a:buFontTx/>
         <a:buNone/>
         <a:tabLst/>
-        <a:defRPr b="0" baseline="0" cap="none" i="0" spc="0" strike="noStrike" sz="8000" u="none">
+        <a:defRPr sz="8000" b="0" i="0" u="none" strike="noStrike" cap="none" spc="0" baseline="0">
           <a:ln>
             <a:noFill/>
           </a:ln>
@@ -2284,7 +2378,7 @@
         <a:buFontTx/>
         <a:buNone/>
         <a:tabLst/>
-        <a:defRPr b="0" baseline="0" cap="none" i="0" spc="0" strike="noStrike" sz="8000" u="none">
+        <a:defRPr sz="8000" b="0" i="0" u="none" strike="noStrike" cap="none" spc="0" baseline="0">
           <a:ln>
             <a:noFill/>
           </a:ln>
@@ -2313,7 +2407,7 @@
         <a:buFontTx/>
         <a:buNone/>
         <a:tabLst/>
-        <a:defRPr b="0" baseline="0" cap="none" i="0" spc="0" strike="noStrike" sz="8000" u="none">
+        <a:defRPr sz="8000" b="0" i="0" u="none" strike="noStrike" cap="none" spc="0" baseline="0">
           <a:ln>
             <a:noFill/>
           </a:ln>
@@ -2342,7 +2436,7 @@
         <a:buFontTx/>
         <a:buNone/>
         <a:tabLst/>
-        <a:defRPr b="0" baseline="0" cap="none" i="0" spc="0" strike="noStrike" sz="8000" u="none">
+        <a:defRPr sz="8000" b="0" i="0" u="none" strike="noStrike" cap="none" spc="0" baseline="0">
           <a:ln>
             <a:noFill/>
           </a:ln>
@@ -2371,7 +2465,7 @@
         <a:buFontTx/>
         <a:buNone/>
         <a:tabLst/>
-        <a:defRPr b="0" baseline="0" cap="none" i="0" spc="0" strike="noStrike" sz="8000" u="none">
+        <a:defRPr sz="8000" b="0" i="0" u="none" strike="noStrike" cap="none" spc="0" baseline="0">
           <a:ln>
             <a:noFill/>
           </a:ln>
@@ -2400,7 +2494,7 @@
         <a:buFontTx/>
         <a:buNone/>
         <a:tabLst/>
-        <a:defRPr b="0" baseline="0" cap="none" i="0" spc="0" strike="noStrike" sz="8000" u="none">
+        <a:defRPr sz="8000" b="0" i="0" u="none" strike="noStrike" cap="none" spc="0" baseline="0">
           <a:ln>
             <a:noFill/>
           </a:ln>
@@ -2429,7 +2523,7 @@
         <a:buFontTx/>
         <a:buNone/>
         <a:tabLst/>
-        <a:defRPr b="0" baseline="0" cap="none" i="0" spc="0" strike="noStrike" sz="8000" u="none">
+        <a:defRPr sz="8000" b="0" i="0" u="none" strike="noStrike" cap="none" spc="0" baseline="0">
           <a:ln>
             <a:noFill/>
           </a:ln>
@@ -2458,7 +2552,7 @@
         <a:buFontTx/>
         <a:buNone/>
         <a:tabLst/>
-        <a:defRPr b="0" baseline="0" cap="none" i="0" spc="0" strike="noStrike" sz="8000" u="none">
+        <a:defRPr sz="8000" b="0" i="0" u="none" strike="noStrike" cap="none" spc="0" baseline="0">
           <a:ln>
             <a:noFill/>
           </a:ln>
@@ -2489,7 +2583,7 @@
         <a:buFontTx/>
         <a:buChar char="•"/>
         <a:tabLst/>
-        <a:defRPr b="0" baseline="0" cap="none" i="0" spc="0" strike="noStrike" sz="3600" u="none">
+        <a:defRPr sz="3600" b="0" i="0" u="none" strike="noStrike" cap="none" spc="0" baseline="0">
           <a:ln>
             <a:noFill/>
           </a:ln>
@@ -2518,7 +2612,7 @@
         <a:buFontTx/>
         <a:buChar char="•"/>
         <a:tabLst/>
-        <a:defRPr b="0" baseline="0" cap="none" i="0" spc="0" strike="noStrike" sz="3600" u="none">
+        <a:defRPr sz="3600" b="0" i="0" u="none" strike="noStrike" cap="none" spc="0" baseline="0">
           <a:ln>
             <a:noFill/>
           </a:ln>
@@ -2547,7 +2641,7 @@
         <a:buFontTx/>
         <a:buChar char="•"/>
         <a:tabLst/>
-        <a:defRPr b="0" baseline="0" cap="none" i="0" spc="0" strike="noStrike" sz="3600" u="none">
+        <a:defRPr sz="3600" b="0" i="0" u="none" strike="noStrike" cap="none" spc="0" baseline="0">
           <a:ln>
             <a:noFill/>
           </a:ln>
@@ -2576,7 +2670,7 @@
         <a:buFontTx/>
         <a:buChar char="•"/>
         <a:tabLst/>
-        <a:defRPr b="0" baseline="0" cap="none" i="0" spc="0" strike="noStrike" sz="3600" u="none">
+        <a:defRPr sz="3600" b="0" i="0" u="none" strike="noStrike" cap="none" spc="0" baseline="0">
           <a:ln>
             <a:noFill/>
           </a:ln>
@@ -2605,7 +2699,7 @@
         <a:buFontTx/>
         <a:buChar char="•"/>
         <a:tabLst/>
-        <a:defRPr b="0" baseline="0" cap="none" i="0" spc="0" strike="noStrike" sz="3600" u="none">
+        <a:defRPr sz="3600" b="0" i="0" u="none" strike="noStrike" cap="none" spc="0" baseline="0">
           <a:ln>
             <a:noFill/>
           </a:ln>
@@ -2634,7 +2728,7 @@
         <a:buFontTx/>
         <a:buChar char="•"/>
         <a:tabLst/>
-        <a:defRPr b="0" baseline="0" cap="none" i="0" spc="0" strike="noStrike" sz="3600" u="none">
+        <a:defRPr sz="3600" b="0" i="0" u="none" strike="noStrike" cap="none" spc="0" baseline="0">
           <a:ln>
             <a:noFill/>
           </a:ln>
@@ -2663,7 +2757,7 @@
         <a:buFontTx/>
         <a:buChar char="•"/>
         <a:tabLst/>
-        <a:defRPr b="0" baseline="0" cap="none" i="0" spc="0" strike="noStrike" sz="3600" u="none">
+        <a:defRPr sz="3600" b="0" i="0" u="none" strike="noStrike" cap="none" spc="0" baseline="0">
           <a:ln>
             <a:noFill/>
           </a:ln>
@@ -2692,7 +2786,7 @@
         <a:buFontTx/>
         <a:buChar char="•"/>
         <a:tabLst/>
-        <a:defRPr b="0" baseline="0" cap="none" i="0" spc="0" strike="noStrike" sz="3600" u="none">
+        <a:defRPr sz="3600" b="0" i="0" u="none" strike="noStrike" cap="none" spc="0" baseline="0">
           <a:ln>
             <a:noFill/>
           </a:ln>
@@ -2721,7 +2815,7 @@
         <a:buFontTx/>
         <a:buChar char="•"/>
         <a:tabLst/>
-        <a:defRPr b="0" baseline="0" cap="none" i="0" spc="0" strike="noStrike" sz="3600" u="none">
+        <a:defRPr sz="3600" b="0" i="0" u="none" strike="noStrike" cap="none" spc="0" baseline="0">
           <a:ln>
             <a:noFill/>
           </a:ln>
@@ -2752,7 +2846,7 @@
         <a:buFontTx/>
         <a:buNone/>
         <a:tabLst/>
-        <a:defRPr b="0" baseline="0" cap="none" i="0" spc="0" strike="noStrike" sz="1800" u="none">
+        <a:defRPr sz="1800" b="0" i="0" u="none" strike="noStrike" cap="none" spc="0" baseline="0">
           <a:ln>
             <a:noFill/>
           </a:ln>
@@ -2781,7 +2875,7 @@
         <a:buFontTx/>
         <a:buNone/>
         <a:tabLst/>
-        <a:defRPr b="0" baseline="0" cap="none" i="0" spc="0" strike="noStrike" sz="1800" u="none">
+        <a:defRPr sz="1800" b="0" i="0" u="none" strike="noStrike" cap="none" spc="0" baseline="0">
           <a:ln>
             <a:noFill/>
           </a:ln>
@@ -2810,7 +2904,7 @@
         <a:buFontTx/>
         <a:buNone/>
         <a:tabLst/>
-        <a:defRPr b="0" baseline="0" cap="none" i="0" spc="0" strike="noStrike" sz="1800" u="none">
+        <a:defRPr sz="1800" b="0" i="0" u="none" strike="noStrike" cap="none" spc="0" baseline="0">
           <a:ln>
             <a:noFill/>
           </a:ln>
@@ -2839,7 +2933,7 @@
         <a:buFontTx/>
         <a:buNone/>
         <a:tabLst/>
-        <a:defRPr b="0" baseline="0" cap="none" i="0" spc="0" strike="noStrike" sz="1800" u="none">
+        <a:defRPr sz="1800" b="0" i="0" u="none" strike="noStrike" cap="none" spc="0" baseline="0">
           <a:ln>
             <a:noFill/>
           </a:ln>
@@ -2868,7 +2962,7 @@
         <a:buFontTx/>
         <a:buNone/>
         <a:tabLst/>
-        <a:defRPr b="0" baseline="0" cap="none" i="0" spc="0" strike="noStrike" sz="1800" u="none">
+        <a:defRPr sz="1800" b="0" i="0" u="none" strike="noStrike" cap="none" spc="0" baseline="0">
           <a:ln>
             <a:noFill/>
           </a:ln>
@@ -2897,7 +2991,7 @@
         <a:buFontTx/>
         <a:buNone/>
         <a:tabLst/>
-        <a:defRPr b="0" baseline="0" cap="none" i="0" spc="0" strike="noStrike" sz="1800" u="none">
+        <a:defRPr sz="1800" b="0" i="0" u="none" strike="noStrike" cap="none" spc="0" baseline="0">
           <a:ln>
             <a:noFill/>
           </a:ln>
@@ -2926,7 +3020,7 @@
         <a:buFontTx/>
         <a:buNone/>
         <a:tabLst/>
-        <a:defRPr b="0" baseline="0" cap="none" i="0" spc="0" strike="noStrike" sz="1800" u="none">
+        <a:defRPr sz="1800" b="0" i="0" u="none" strike="noStrike" cap="none" spc="0" baseline="0">
           <a:ln>
             <a:noFill/>
           </a:ln>
@@ -2955,7 +3049,7 @@
         <a:buFontTx/>
         <a:buNone/>
         <a:tabLst/>
-        <a:defRPr b="0" baseline="0" cap="none" i="0" spc="0" strike="noStrike" sz="1800" u="none">
+        <a:defRPr sz="1800" b="0" i="0" u="none" strike="noStrike" cap="none" spc="0" baseline="0">
           <a:ln>
             <a:noFill/>
           </a:ln>
@@ -2984,7 +3078,7 @@
         <a:buFontTx/>
         <a:buNone/>
         <a:tabLst/>
-        <a:defRPr b="0" baseline="0" cap="none" i="0" spc="0" strike="noStrike" sz="1800" u="none">
+        <a:defRPr sz="1800" b="0" i="0" u="none" strike="noStrike" cap="none" spc="0" baseline="0">
           <a:ln>
             <a:noFill/>
           </a:ln>
@@ -3004,7 +3098,7 @@
 </file>
 
 <file path=ppt/slides/slide1.xml><?xml version="1.0" encoding="utf-8"?>
-<p:sld xmlns:a="http://schemas.openxmlformats.org/drawingml/2006/main" xmlns:r="http://schemas.openxmlformats.org/officeDocument/2006/relationships" xmlns:p="http://schemas.openxmlformats.org/presentationml/2006/main" showMasterSp="1" showMasterPhAnim="1">
+<p:sld xmlns:a="http://schemas.openxmlformats.org/drawingml/2006/main" xmlns:r="http://schemas.openxmlformats.org/officeDocument/2006/relationships" xmlns:p="http://schemas.openxmlformats.org/presentationml/2006/main">
   <p:cSld>
     <p:spTree>
       <p:nvGrpSpPr>
@@ -3023,7 +3117,9 @@
       <p:sp>
         <p:nvSpPr>
           <p:cNvPr id="119" name="Shape 119"/>
-          <p:cNvSpPr/>
+          <p:cNvSpPr>
+            <a:spLocks noGrp="1"/>
+          </p:cNvSpPr>
           <p:nvPr>
             <p:ph type="ctrTitle"/>
           </p:nvPr>
@@ -3041,7 +3137,6 @@
             </a:lvl1pPr>
           </a:lstStyle>
           <a:p>
-            <a:pPr/>
             <a:r>
               <a:t>Data Management at the University of Waterloo</a:t>
             </a:r>
@@ -3051,7 +3146,9 @@
       <p:sp>
         <p:nvSpPr>
           <p:cNvPr id="120" name="Shape 120"/>
-          <p:cNvSpPr/>
+          <p:cNvSpPr>
+            <a:spLocks noGrp="1"/>
+          </p:cNvSpPr>
           <p:nvPr>
             <p:ph type="subTitle" sz="half" idx="1"/>
           </p:nvPr>
@@ -3096,6 +3193,7 @@
             <a:pPr defTabSz="432308">
               <a:defRPr sz="2368"/>
             </a:pPr>
+            <a:endParaRPr/>
           </a:p>
           <a:p>
             <a:pPr defTabSz="432308">
@@ -3103,7 +3201,7 @@
             </a:pPr>
             <a:r>
               <a:rPr u="sng">
-                <a:hlinkClick r:id="rId2" invalidUrl="" action="" tgtFrame="" tooltip="" history="1" highlightClick="0" endSnd="0"/>
+                <a:hlinkClick r:id="rId2"/>
               </a:rPr>
               <a:t>cpbell@uwaterloo.ca</a:t>
             </a:r>
@@ -3112,6 +3210,9 @@
             <a:pPr defTabSz="432308">
               <a:defRPr sz="2368"/>
             </a:pPr>
+            <a:endParaRPr u="sng">
+              <a:hlinkClick r:id="rId2"/>
+            </a:endParaRPr>
           </a:p>
           <a:p>
             <a:pPr defTabSz="432308">
@@ -3125,6 +3226,7 @@
             <a:pPr defTabSz="432308">
               <a:defRPr sz="2368"/>
             </a:pPr>
+            <a:endParaRPr/>
           </a:p>
           <a:p>
             <a:pPr defTabSz="432308">
@@ -3141,12 +3243,12 @@
   <p:clrMapOvr>
     <a:masterClrMapping/>
   </p:clrMapOvr>
-  <p:transition xmlns:p14="http://schemas.microsoft.com/office/powerpoint/2010/main" spd="med" advClick="1"/>
+  <p:transition spd="med"/>
 </p:sld>
 </file>
 
 <file path=ppt/slides/slide10.xml><?xml version="1.0" encoding="utf-8"?>
-<p:sld xmlns:a="http://schemas.openxmlformats.org/drawingml/2006/main" xmlns:r="http://schemas.openxmlformats.org/officeDocument/2006/relationships" xmlns:p="http://schemas.openxmlformats.org/presentationml/2006/main" showMasterSp="1" showMasterPhAnim="1">
+<p:sld xmlns:a="http://schemas.openxmlformats.org/drawingml/2006/main" xmlns:r="http://schemas.openxmlformats.org/officeDocument/2006/relationships" xmlns:p="http://schemas.openxmlformats.org/presentationml/2006/main">
   <p:cSld>
     <p:spTree>
       <p:nvGrpSpPr>
@@ -3165,7 +3267,9 @@
       <p:sp>
         <p:nvSpPr>
           <p:cNvPr id="166" name="Shape 166"/>
-          <p:cNvSpPr/>
+          <p:cNvSpPr>
+            <a:spLocks noGrp="1"/>
+          </p:cNvSpPr>
           <p:nvPr>
             <p:ph type="title"/>
           </p:nvPr>
@@ -3179,7 +3283,6 @@
           <a:bodyPr/>
           <a:lstStyle/>
           <a:p>
-            <a:pPr/>
             <a:r>
               <a:t>Routine Disclosure</a:t>
             </a:r>
@@ -3189,7 +3292,9 @@
       <p:sp>
         <p:nvSpPr>
           <p:cNvPr id="167" name="Shape 167"/>
-          <p:cNvSpPr/>
+          <p:cNvSpPr>
+            <a:spLocks noGrp="1"/>
+          </p:cNvSpPr>
           <p:nvPr>
             <p:ph type="body" idx="1"/>
           </p:nvPr>
@@ -3211,6 +3316,7 @@
               <a:buNone/>
               <a:defRPr sz="3384"/>
             </a:pPr>
+            <a:endParaRPr/>
           </a:p>
           <a:p>
             <a:pPr marL="0" indent="0" defTabSz="549148">
@@ -3234,6 +3340,7 @@
               <a:buNone/>
               <a:defRPr sz="3384"/>
             </a:pPr>
+            <a:endParaRPr/>
           </a:p>
           <a:p>
             <a:pPr marL="0" indent="0" algn="r" defTabSz="549148">
@@ -3255,12 +3362,12 @@
   <p:clrMapOvr>
     <a:masterClrMapping/>
   </p:clrMapOvr>
-  <p:transition xmlns:p14="http://schemas.microsoft.com/office/powerpoint/2010/main" spd="med" advClick="1" p14:dur="1000"/>
+  <p:transition spd="slow"/>
 </p:sld>
 </file>
 
 <file path=ppt/slides/slide11.xml><?xml version="1.0" encoding="utf-8"?>
-<p:sld xmlns:a="http://schemas.openxmlformats.org/drawingml/2006/main" xmlns:r="http://schemas.openxmlformats.org/officeDocument/2006/relationships" xmlns:p="http://schemas.openxmlformats.org/presentationml/2006/main" showMasterSp="1" showMasterPhAnim="1">
+<p:sld xmlns:a="http://schemas.openxmlformats.org/drawingml/2006/main" xmlns:r="http://schemas.openxmlformats.org/officeDocument/2006/relationships" xmlns:p="http://schemas.openxmlformats.org/presentationml/2006/main">
   <p:cSld>
     <p:spTree>
       <p:nvGrpSpPr>
@@ -3279,7 +3386,9 @@
       <p:sp>
         <p:nvSpPr>
           <p:cNvPr id="169" name="Shape 169"/>
-          <p:cNvSpPr/>
+          <p:cNvSpPr>
+            <a:spLocks noGrp="1"/>
+          </p:cNvSpPr>
           <p:nvPr>
             <p:ph type="title"/>
           </p:nvPr>
@@ -3348,7 +3457,7 @@
           <a:lstStyle>
             <a:lvl1pPr>
               <a:defRPr sz="1800" u="sng">
-                <a:hlinkClick r:id="rId2" invalidUrl="" action="" tgtFrame="" tooltip="" history="1" highlightClick="0" endSnd="0"/>
+                <a:hlinkClick r:id="rId2"/>
               </a:defRPr>
             </a:lvl1pPr>
           </a:lstStyle>
@@ -3358,7 +3467,7 @@
             </a:pPr>
             <a:r>
               <a:rPr u="sng">
-                <a:hlinkClick r:id="rId2" invalidUrl="" action="" tgtFrame="" tooltip="" history="1" highlightClick="0" endSnd="0"/>
+                <a:hlinkClick r:id="rId2"/>
               </a:rPr>
               <a:t>McDLT</a:t>
             </a:r>
@@ -3399,12 +3508,12 @@
   <p:clrMapOvr>
     <a:masterClrMapping/>
   </p:clrMapOvr>
-  <p:transition xmlns:p14="http://schemas.microsoft.com/office/powerpoint/2010/main" spd="med" advClick="1" p14:dur="1000"/>
+  <p:transition spd="slow"/>
 </p:sld>
 </file>
 
 <file path=ppt/slides/slide12.xml><?xml version="1.0" encoding="utf-8"?>
-<p:sld xmlns:a="http://schemas.openxmlformats.org/drawingml/2006/main" xmlns:r="http://schemas.openxmlformats.org/officeDocument/2006/relationships" xmlns:p="http://schemas.openxmlformats.org/presentationml/2006/main" showMasterSp="1" showMasterPhAnim="1">
+<p:sld xmlns:a="http://schemas.openxmlformats.org/drawingml/2006/main" xmlns:r="http://schemas.openxmlformats.org/officeDocument/2006/relationships" xmlns:p="http://schemas.openxmlformats.org/presentationml/2006/main">
   <p:cSld>
     <p:spTree>
       <p:nvGrpSpPr>
@@ -3423,7 +3532,9 @@
       <p:sp>
         <p:nvSpPr>
           <p:cNvPr id="173" name="Shape 173"/>
-          <p:cNvSpPr/>
+          <p:cNvSpPr>
+            <a:spLocks noGrp="1"/>
+          </p:cNvSpPr>
           <p:nvPr>
             <p:ph type="title"/>
           </p:nvPr>
@@ -3492,7 +3603,7 @@
           <a:lstStyle>
             <a:lvl1pPr>
               <a:defRPr sz="1800" u="sng">
-                <a:hlinkClick r:id="rId2" invalidUrl="" action="" tgtFrame="" tooltip="" history="1" highlightClick="0" endSnd="0"/>
+                <a:hlinkClick r:id="rId2"/>
               </a:defRPr>
             </a:lvl1pPr>
           </a:lstStyle>
@@ -3502,7 +3613,7 @@
             </a:pPr>
             <a:r>
               <a:rPr u="sng">
-                <a:hlinkClick r:id="rId2" invalidUrl="" action="" tgtFrame="" tooltip="" history="1" highlightClick="0" endSnd="0"/>
+                <a:hlinkClick r:id="rId2"/>
               </a:rPr>
               <a:t>McDLT</a:t>
             </a:r>
@@ -3567,7 +3678,6 @@
           </a:bodyPr>
           <a:lstStyle/>
           <a:p>
-            <a:pPr/>
             <a:r>
               <a:t>Confidential</a:t>
             </a:r>
@@ -3603,7 +3713,6 @@
           </a:bodyPr>
           <a:lstStyle/>
           <a:p>
-            <a:pPr/>
             <a:r>
               <a:t>Public</a:t>
             </a:r>
@@ -3673,12 +3782,12 @@
   <p:clrMapOvr>
     <a:masterClrMapping/>
   </p:clrMapOvr>
-  <p:transition xmlns:p14="http://schemas.microsoft.com/office/powerpoint/2010/main" spd="med" advClick="1" p14:dur="1000"/>
+  <p:transition spd="slow"/>
 </p:sld>
 </file>
 
 <file path=ppt/slides/slide13.xml><?xml version="1.0" encoding="utf-8"?>
-<p:sld xmlns:a="http://schemas.openxmlformats.org/drawingml/2006/main" xmlns:r="http://schemas.openxmlformats.org/officeDocument/2006/relationships" xmlns:p="http://schemas.openxmlformats.org/presentationml/2006/main" showMasterSp="1" showMasterPhAnim="1">
+<p:sld xmlns:a="http://schemas.openxmlformats.org/drawingml/2006/main" xmlns:r="http://schemas.openxmlformats.org/officeDocument/2006/relationships" xmlns:p="http://schemas.openxmlformats.org/presentationml/2006/main">
   <p:cSld>
     <p:spTree>
       <p:nvGrpSpPr>
@@ -3697,7 +3806,9 @@
       <p:sp>
         <p:nvSpPr>
           <p:cNvPr id="181" name="Shape 181"/>
-          <p:cNvSpPr/>
+          <p:cNvSpPr>
+            <a:spLocks noGrp="1"/>
+          </p:cNvSpPr>
           <p:nvPr>
             <p:ph type="title"/>
           </p:nvPr>
@@ -3715,7 +3826,6 @@
             </a:lvl1pPr>
           </a:lstStyle>
           <a:p>
-            <a:pPr/>
             <a:r>
               <a:t>IPC: Privacy by Design (PbD)</a:t>
             </a:r>
@@ -3725,7 +3835,9 @@
       <p:sp>
         <p:nvSpPr>
           <p:cNvPr id="182" name="Shape 182"/>
-          <p:cNvSpPr/>
+          <p:cNvSpPr>
+            <a:spLocks noGrp="1"/>
+          </p:cNvSpPr>
           <p:nvPr>
             <p:ph type="body" idx="1"/>
           </p:nvPr>
@@ -3744,11 +3856,11 @@
                 <a:spcPts val="3600"/>
               </a:spcBef>
               <a:buSzPct val="100000"/>
-              <a:buAutoNum type="arabicPeriod" startAt="1"/>
+              <a:buAutoNum type="arabicPeriod"/>
               <a:defRPr sz="3168"/>
             </a:pPr>
             <a:r>
-              <a:rPr b="1">
+              <a:rPr b="1" dirty="0">
                 <a:latin typeface="Helvetica"/>
                 <a:ea typeface="Helvetica"/>
                 <a:cs typeface="Helvetica"/>
@@ -3757,10 +3869,11 @@
               <a:t>Proactive</a:t>
             </a:r>
             <a:r>
+              <a:rPr dirty="0"/>
               <a:t> not Reactive; </a:t>
             </a:r>
             <a:r>
-              <a:rPr b="1">
+              <a:rPr b="1" dirty="0">
                 <a:latin typeface="Helvetica"/>
                 <a:ea typeface="Helvetica"/>
                 <a:cs typeface="Helvetica"/>
@@ -3769,6 +3882,7 @@
               <a:t>Preventative</a:t>
             </a:r>
             <a:r>
+              <a:rPr dirty="0"/>
               <a:t> not Remedial</a:t>
             </a:r>
           </a:p>
@@ -3778,14 +3892,15 @@
                 <a:spcPts val="3600"/>
               </a:spcBef>
               <a:buSzPct val="100000"/>
-              <a:buAutoNum type="arabicPeriod" startAt="1"/>
+              <a:buAutoNum type="arabicPeriod"/>
               <a:defRPr sz="3168"/>
             </a:pPr>
             <a:r>
+              <a:rPr dirty="0"/>
               <a:t>Privacy as the </a:t>
             </a:r>
             <a:r>
-              <a:rPr b="1">
+              <a:rPr b="1" dirty="0">
                 <a:latin typeface="Helvetica"/>
                 <a:ea typeface="Helvetica"/>
                 <a:cs typeface="Helvetica"/>
@@ -3800,14 +3915,15 @@
                 <a:spcPts val="3600"/>
               </a:spcBef>
               <a:buSzPct val="100000"/>
-              <a:buAutoNum type="arabicPeriod" startAt="1"/>
+              <a:buAutoNum type="arabicPeriod"/>
               <a:defRPr sz="3168"/>
             </a:pPr>
             <a:r>
+              <a:rPr dirty="0"/>
               <a:t>Privacy </a:t>
             </a:r>
             <a:r>
-              <a:rPr b="1">
+              <a:rPr b="1" dirty="0">
                 <a:latin typeface="Helvetica"/>
                 <a:ea typeface="Helvetica"/>
                 <a:cs typeface="Helvetica"/>
@@ -3816,6 +3932,7 @@
               <a:t>Embedded</a:t>
             </a:r>
             <a:r>
+              <a:rPr dirty="0"/>
               <a:t> into Design</a:t>
             </a:r>
           </a:p>
@@ -3825,14 +3942,15 @@
                 <a:spcPts val="3600"/>
               </a:spcBef>
               <a:buSzPct val="100000"/>
-              <a:buAutoNum type="arabicPeriod" startAt="1"/>
+              <a:buAutoNum type="arabicPeriod"/>
               <a:defRPr sz="3168"/>
             </a:pPr>
             <a:r>
+              <a:rPr dirty="0"/>
               <a:t>Full Functionality — </a:t>
             </a:r>
             <a:r>
-              <a:rPr b="1">
+              <a:rPr b="1" dirty="0">
                 <a:latin typeface="Helvetica"/>
                 <a:ea typeface="Helvetica"/>
                 <a:cs typeface="Helvetica"/>
@@ -3841,6 +3959,7 @@
               <a:t>Positive-Sum</a:t>
             </a:r>
             <a:r>
+              <a:rPr dirty="0"/>
               <a:t>, not Zero-Sum</a:t>
             </a:r>
           </a:p>
@@ -3850,14 +3969,15 @@
                 <a:spcPts val="3600"/>
               </a:spcBef>
               <a:buSzPct val="100000"/>
-              <a:buAutoNum type="arabicPeriod" startAt="1"/>
+              <a:buAutoNum type="arabicPeriod"/>
               <a:defRPr sz="3168"/>
             </a:pPr>
             <a:r>
+              <a:rPr dirty="0"/>
               <a:t>End-to-End Security — </a:t>
             </a:r>
             <a:r>
-              <a:rPr b="1">
+              <a:rPr b="1" dirty="0">
                 <a:latin typeface="Helvetica"/>
                 <a:ea typeface="Helvetica"/>
                 <a:cs typeface="Helvetica"/>
@@ -3872,11 +3992,11 @@
                 <a:spcPts val="3600"/>
               </a:spcBef>
               <a:buSzPct val="100000"/>
-              <a:buAutoNum type="arabicPeriod" startAt="1"/>
+              <a:buAutoNum type="arabicPeriod"/>
               <a:defRPr sz="3168"/>
             </a:pPr>
             <a:r>
-              <a:rPr b="1">
+              <a:rPr b="1" dirty="0">
                 <a:latin typeface="Helvetica"/>
                 <a:ea typeface="Helvetica"/>
                 <a:cs typeface="Helvetica"/>
@@ -3885,10 +4005,11 @@
               <a:t>Visibility</a:t>
             </a:r>
             <a:r>
+              <a:rPr dirty="0"/>
               <a:t> and </a:t>
             </a:r>
             <a:r>
-              <a:rPr b="1">
+              <a:rPr b="1" dirty="0">
                 <a:latin typeface="Helvetica"/>
                 <a:ea typeface="Helvetica"/>
                 <a:cs typeface="Helvetica"/>
@@ -3897,10 +4018,11 @@
               <a:t>Transparency</a:t>
             </a:r>
             <a:r>
+              <a:rPr dirty="0"/>
               <a:t> — Keep it </a:t>
             </a:r>
             <a:r>
-              <a:rPr b="1">
+              <a:rPr b="1" dirty="0">
                 <a:latin typeface="Helvetica"/>
                 <a:ea typeface="Helvetica"/>
                 <a:cs typeface="Helvetica"/>
@@ -3915,11 +4037,11 @@
                 <a:spcPts val="3600"/>
               </a:spcBef>
               <a:buSzPct val="100000"/>
-              <a:buAutoNum type="arabicPeriod" startAt="1"/>
+              <a:buAutoNum type="arabicPeriod"/>
               <a:defRPr sz="3168"/>
             </a:pPr>
             <a:r>
-              <a:rPr b="1">
+              <a:rPr b="1" dirty="0">
                 <a:latin typeface="Helvetica"/>
                 <a:ea typeface="Helvetica"/>
                 <a:cs typeface="Helvetica"/>
@@ -3928,10 +4050,11 @@
               <a:t>Respect</a:t>
             </a:r>
             <a:r>
+              <a:rPr dirty="0"/>
               <a:t> for User Privacy — Keep it </a:t>
             </a:r>
             <a:r>
-              <a:rPr b="1">
+              <a:rPr b="1" dirty="0">
                 <a:latin typeface="Helvetica"/>
                 <a:ea typeface="Helvetica"/>
                 <a:cs typeface="Helvetica"/>
@@ -3950,8 +4073,8 @@
         </p:nvSpPr>
         <p:spPr>
           <a:xfrm>
-            <a:off x="9156331" y="9042399"/>
-            <a:ext cx="2121638" cy="381001"/>
+            <a:off x="9127108" y="9043104"/>
+            <a:ext cx="2180084" cy="379591"/>
           </a:xfrm>
           <a:prstGeom prst="rect">
             <a:avLst/>
@@ -3972,7 +4095,7 @@
           <a:lstStyle>
             <a:lvl1pPr>
               <a:defRPr sz="1800" u="sng">
-                <a:hlinkClick r:id="rId2" invalidUrl="" action="" tgtFrame="" tooltip="" history="1" highlightClick="0" endSnd="0"/>
+                <a:hlinkClick r:id="rId2"/>
               </a:defRPr>
             </a:lvl1pPr>
           </a:lstStyle>
@@ -3981,11 +4104,20 @@
               <a:defRPr u="none"/>
             </a:pPr>
             <a:r>
-              <a:rPr u="sng">
-                <a:hlinkClick r:id="rId2" invalidUrl="" action="" tgtFrame="" tooltip="" history="1" highlightClick="0" endSnd="0"/>
-              </a:rPr>
-              <a:t>http://bit.ly/1OfkUTo</a:t>
-            </a:r>
+              <a:rPr lang="en-US" u="none" dirty="0"/>
+              <a:t>http://</a:t>
+            </a:r>
+            <a:r>
+              <a:rPr lang="en-US" u="none" dirty="0" err="1"/>
+              <a:t>bit.ly</a:t>
+            </a:r>
+            <a:r>
+              <a:rPr lang="en-US" u="none" dirty="0"/>
+              <a:t>/2cYsvwP</a:t>
+            </a:r>
+            <a:endParaRPr u="sng" dirty="0">
+              <a:hlinkClick r:id="rId2"/>
+            </a:endParaRPr>
           </a:p>
         </p:txBody>
       </p:sp>
@@ -4023,12 +4155,12 @@
   <p:clrMapOvr>
     <a:masterClrMapping/>
   </p:clrMapOvr>
-  <p:transition xmlns:p14="http://schemas.microsoft.com/office/powerpoint/2010/main" spd="med" advClick="1" p14:dur="1000"/>
+  <p:transition spd="slow"/>
 </p:sld>
 </file>
 
 <file path=ppt/slides/slide14.xml><?xml version="1.0" encoding="utf-8"?>
-<p:sld xmlns:a="http://schemas.openxmlformats.org/drawingml/2006/main" xmlns:r="http://schemas.openxmlformats.org/officeDocument/2006/relationships" xmlns:p="http://schemas.openxmlformats.org/presentationml/2006/main" showMasterSp="1" showMasterPhAnim="1">
+<p:sld xmlns:a="http://schemas.openxmlformats.org/drawingml/2006/main" xmlns:r="http://schemas.openxmlformats.org/officeDocument/2006/relationships" xmlns:p="http://schemas.openxmlformats.org/presentationml/2006/main">
   <p:cSld>
     <p:spTree>
       <p:nvGrpSpPr>
@@ -4047,7 +4179,9 @@
       <p:sp>
         <p:nvSpPr>
           <p:cNvPr id="186" name="Shape 186"/>
-          <p:cNvSpPr/>
+          <p:cNvSpPr>
+            <a:spLocks noGrp="1"/>
+          </p:cNvSpPr>
           <p:nvPr>
             <p:ph type="title"/>
           </p:nvPr>
@@ -4065,7 +4199,6 @@
             </a:lvl1pPr>
           </a:lstStyle>
           <a:p>
-            <a:pPr/>
             <a:r>
               <a:t>IPC: Access by Design (AbD)</a:t>
             </a:r>
@@ -4075,7 +4208,9 @@
       <p:sp>
         <p:nvSpPr>
           <p:cNvPr id="187" name="Shape 187"/>
-          <p:cNvSpPr/>
+          <p:cNvSpPr>
+            <a:spLocks noGrp="1"/>
+          </p:cNvSpPr>
           <p:nvPr>
             <p:ph type="body" idx="1"/>
           </p:nvPr>
@@ -4094,11 +4229,11 @@
                 <a:spcPts val="3600"/>
               </a:spcBef>
               <a:buSzPct val="100000"/>
-              <a:buAutoNum type="arabicPeriod" startAt="1"/>
+              <a:buAutoNum type="arabicPeriod"/>
               <a:defRPr sz="3168"/>
             </a:pPr>
             <a:r>
-              <a:rPr b="1">
+              <a:rPr b="1" dirty="0">
                 <a:latin typeface="Helvetica"/>
                 <a:ea typeface="Helvetica"/>
                 <a:cs typeface="Helvetica"/>
@@ -4107,6 +4242,7 @@
               <a:t>Proactive</a:t>
             </a:r>
             <a:r>
+              <a:rPr dirty="0"/>
               <a:t>, not Reactive</a:t>
             </a:r>
           </a:p>
@@ -4116,14 +4252,15 @@
                 <a:spcPts val="3600"/>
               </a:spcBef>
               <a:buSzPct val="100000"/>
-              <a:buAutoNum type="arabicPeriod" startAt="1"/>
+              <a:buAutoNum type="arabicPeriod"/>
               <a:defRPr sz="3168"/>
             </a:pPr>
             <a:r>
+              <a:rPr dirty="0"/>
               <a:t>Access </a:t>
             </a:r>
             <a:r>
-              <a:rPr b="1">
+              <a:rPr b="1" dirty="0">
                 <a:latin typeface="Helvetica"/>
                 <a:ea typeface="Helvetica"/>
                 <a:cs typeface="Helvetica"/>
@@ -4132,6 +4269,7 @@
               <a:t>Embedded</a:t>
             </a:r>
             <a:r>
+              <a:rPr dirty="0"/>
               <a:t> into Design</a:t>
             </a:r>
           </a:p>
@@ -4141,14 +4279,15 @@
                 <a:spcPts val="3600"/>
               </a:spcBef>
               <a:buSzPct val="100000"/>
-              <a:buAutoNum type="arabicPeriod" startAt="1"/>
+              <a:buAutoNum type="arabicPeriod"/>
               <a:defRPr sz="3168"/>
             </a:pPr>
             <a:r>
+              <a:rPr dirty="0"/>
               <a:t>Openness and Transparency = </a:t>
             </a:r>
             <a:r>
-              <a:rPr b="1">
+              <a:rPr b="1" dirty="0">
                 <a:latin typeface="Helvetica"/>
                 <a:ea typeface="Helvetica"/>
                 <a:cs typeface="Helvetica"/>
@@ -4163,14 +4302,15 @@
                 <a:spcPts val="3600"/>
               </a:spcBef>
               <a:buSzPct val="100000"/>
-              <a:buAutoNum type="arabicPeriod" startAt="1"/>
+              <a:buAutoNum type="arabicPeriod"/>
               <a:defRPr sz="3168"/>
             </a:pPr>
             <a:r>
+              <a:rPr dirty="0"/>
               <a:t>Fosters </a:t>
             </a:r>
             <a:r>
-              <a:rPr b="1">
+              <a:rPr b="1" dirty="0">
                 <a:latin typeface="Helvetica"/>
                 <a:ea typeface="Helvetica"/>
                 <a:cs typeface="Helvetica"/>
@@ -4185,14 +4325,15 @@
                 <a:spcPts val="3600"/>
               </a:spcBef>
               <a:buSzPct val="100000"/>
-              <a:buAutoNum type="arabicPeriod" startAt="1"/>
+              <a:buAutoNum type="arabicPeriod"/>
               <a:defRPr sz="3168"/>
             </a:pPr>
             <a:r>
+              <a:rPr dirty="0"/>
               <a:t>Enhances </a:t>
             </a:r>
             <a:r>
-              <a:rPr b="1">
+              <a:rPr b="1" dirty="0">
                 <a:latin typeface="Helvetica"/>
                 <a:ea typeface="Helvetica"/>
                 <a:cs typeface="Helvetica"/>
@@ -4207,14 +4348,15 @@
                 <a:spcPts val="3600"/>
               </a:spcBef>
               <a:buSzPct val="100000"/>
-              <a:buAutoNum type="arabicPeriod" startAt="1"/>
+              <a:buAutoNum type="arabicPeriod"/>
               <a:defRPr sz="3168"/>
             </a:pPr>
             <a:r>
+              <a:rPr dirty="0"/>
               <a:t>Makes Access Truly </a:t>
             </a:r>
             <a:r>
-              <a:rPr b="1">
+              <a:rPr b="1" dirty="0">
                 <a:latin typeface="Helvetica"/>
                 <a:ea typeface="Helvetica"/>
                 <a:cs typeface="Helvetica"/>
@@ -4229,14 +4371,15 @@
                 <a:spcPts val="3600"/>
               </a:spcBef>
               <a:buSzPct val="100000"/>
-              <a:buAutoNum type="arabicPeriod" startAt="1"/>
+              <a:buAutoNum type="arabicPeriod"/>
               <a:defRPr sz="3168"/>
             </a:pPr>
             <a:r>
+              <a:rPr dirty="0"/>
               <a:t>Increases </a:t>
             </a:r>
             <a:r>
-              <a:rPr b="1">
+              <a:rPr b="1" dirty="0">
                 <a:latin typeface="Helvetica"/>
                 <a:ea typeface="Helvetica"/>
                 <a:cs typeface="Helvetica"/>
@@ -4245,6 +4388,7 @@
               <a:t>Quality</a:t>
             </a:r>
             <a:r>
+              <a:rPr dirty="0"/>
               <a:t> of Information</a:t>
             </a:r>
           </a:p>
@@ -4258,8 +4402,8 @@
         </p:nvSpPr>
         <p:spPr>
           <a:xfrm>
-            <a:off x="9131071" y="9042399"/>
-            <a:ext cx="2172158" cy="381001"/>
+            <a:off x="9191228" y="9043104"/>
+            <a:ext cx="2051844" cy="379591"/>
           </a:xfrm>
           <a:prstGeom prst="rect">
             <a:avLst/>
@@ -4280,7 +4424,7 @@
           <a:lstStyle>
             <a:lvl1pPr>
               <a:defRPr sz="1800" u="sng">
-                <a:hlinkClick r:id="rId2" invalidUrl="" action="" tgtFrame="" tooltip="" history="1" highlightClick="0" endSnd="0"/>
+                <a:hlinkClick r:id="rId2"/>
               </a:defRPr>
             </a:lvl1pPr>
           </a:lstStyle>
@@ -4289,11 +4433,20 @@
               <a:defRPr u="none"/>
             </a:pPr>
             <a:r>
-              <a:rPr u="sng">
-                <a:hlinkClick r:id="rId2" invalidUrl="" action="" tgtFrame="" tooltip="" history="1" highlightClick="0" endSnd="0"/>
-              </a:rPr>
-              <a:t>http://bit.ly/1fYrWQq</a:t>
-            </a:r>
+              <a:rPr lang="en-US" u="none" dirty="0"/>
+              <a:t>http://</a:t>
+            </a:r>
+            <a:r>
+              <a:rPr lang="en-US" u="none" dirty="0" err="1"/>
+              <a:t>bit.ly</a:t>
+            </a:r>
+            <a:r>
+              <a:rPr lang="en-US" u="none" dirty="0"/>
+              <a:t>/2cDrycI</a:t>
+            </a:r>
+            <a:endParaRPr u="sng" dirty="0">
+              <a:hlinkClick r:id="rId2"/>
+            </a:endParaRPr>
           </a:p>
         </p:txBody>
       </p:sp>
@@ -4331,12 +4484,12 @@
   <p:clrMapOvr>
     <a:masterClrMapping/>
   </p:clrMapOvr>
-  <p:transition xmlns:p14="http://schemas.microsoft.com/office/powerpoint/2010/main" spd="med" advClick="1" p14:dur="1000"/>
+  <p:transition spd="slow"/>
 </p:sld>
 </file>
 
 <file path=ppt/slides/slide15.xml><?xml version="1.0" encoding="utf-8"?>
-<p:sld xmlns:a="http://schemas.openxmlformats.org/drawingml/2006/main" xmlns:r="http://schemas.openxmlformats.org/officeDocument/2006/relationships" xmlns:p="http://schemas.openxmlformats.org/presentationml/2006/main" showMasterSp="1" showMasterPhAnim="1">
+<p:sld xmlns:a="http://schemas.openxmlformats.org/drawingml/2006/main" xmlns:r="http://schemas.openxmlformats.org/officeDocument/2006/relationships" xmlns:p="http://schemas.openxmlformats.org/presentationml/2006/main">
   <p:cSld>
     <p:spTree>
       <p:nvGrpSpPr>
@@ -4355,7 +4508,9 @@
       <p:sp>
         <p:nvSpPr>
           <p:cNvPr id="191" name="Shape 191"/>
-          <p:cNvSpPr/>
+          <p:cNvSpPr>
+            <a:spLocks noGrp="1"/>
+          </p:cNvSpPr>
           <p:nvPr>
             <p:ph type="title"/>
           </p:nvPr>
@@ -4369,7 +4524,6 @@
           <a:bodyPr/>
           <a:lstStyle/>
           <a:p>
-            <a:pPr/>
             <a:r>
               <a:t>Summary</a:t>
             </a:r>
@@ -4379,7 +4533,9 @@
       <p:sp>
         <p:nvSpPr>
           <p:cNvPr id="192" name="Shape 192"/>
-          <p:cNvSpPr/>
+          <p:cNvSpPr>
+            <a:spLocks noGrp="1"/>
+          </p:cNvSpPr>
           <p:nvPr>
             <p:ph type="body" idx="1"/>
           </p:nvPr>
@@ -4454,12 +4610,12 @@
   <p:clrMapOvr>
     <a:masterClrMapping/>
   </p:clrMapOvr>
-  <p:transition xmlns:p14="http://schemas.microsoft.com/office/powerpoint/2010/main" spd="med" advClick="1" p14:dur="1000"/>
+  <p:transition spd="slow"/>
 </p:sld>
 </file>
 
 <file path=ppt/slides/slide16.xml><?xml version="1.0" encoding="utf-8"?>
-<p:sld xmlns:a="http://schemas.openxmlformats.org/drawingml/2006/main" xmlns:r="http://schemas.openxmlformats.org/officeDocument/2006/relationships" xmlns:p="http://schemas.openxmlformats.org/presentationml/2006/main" showMasterSp="1" showMasterPhAnim="1">
+<p:sld xmlns:a="http://schemas.openxmlformats.org/drawingml/2006/main" xmlns:r="http://schemas.openxmlformats.org/officeDocument/2006/relationships" xmlns:p="http://schemas.openxmlformats.org/presentationml/2006/main">
   <p:cSld>
     <p:spTree>
       <p:nvGrpSpPr>
@@ -4478,7 +4634,9 @@
       <p:sp>
         <p:nvSpPr>
           <p:cNvPr id="194" name="Shape 194"/>
-          <p:cNvSpPr/>
+          <p:cNvSpPr>
+            <a:spLocks noGrp="1"/>
+          </p:cNvSpPr>
           <p:nvPr>
             <p:ph type="title"/>
           </p:nvPr>
@@ -4493,7 +4651,7 @@
           <a:lstStyle/>
           <a:p>
             <a:pPr defTabSz="356362">
-              <a:defRPr b="1" sz="5978">
+              <a:defRPr sz="5978" b="1">
                 <a:latin typeface="Helvetica"/>
                 <a:ea typeface="Helvetica"/>
                 <a:cs typeface="Helvetica"/>
@@ -4517,7 +4675,9 @@
       <p:sp>
         <p:nvSpPr>
           <p:cNvPr id="195" name="Shape 195"/>
-          <p:cNvSpPr/>
+          <p:cNvSpPr>
+            <a:spLocks noGrp="1"/>
+          </p:cNvSpPr>
           <p:nvPr>
             <p:ph type="body" sz="half" idx="1"/>
           </p:nvPr>
@@ -4532,7 +4692,9 @@
           </a:prstGeom>
         </p:spPr>
         <p:txBody>
-          <a:bodyPr/>
+          <a:bodyPr>
+            <a:normAutofit lnSpcReduction="10000"/>
+          </a:bodyPr>
           <a:lstStyle/>
           <a:p>
             <a:pPr marL="342264" indent="-342264" defTabSz="449833">
@@ -4646,7 +4808,7 @@
           <a:lstStyle>
             <a:lvl1pPr>
               <a:defRPr sz="1800" u="sng">
-                <a:hlinkClick r:id="rId2" invalidUrl="" action="" tgtFrame="" tooltip="" history="1" highlightClick="0" endSnd="0"/>
+                <a:hlinkClick r:id="rId2"/>
               </a:defRPr>
             </a:lvl1pPr>
           </a:lstStyle>
@@ -4656,7 +4818,7 @@
             </a:pPr>
             <a:r>
               <a:rPr u="sng">
-                <a:hlinkClick r:id="rId2" invalidUrl="" action="" tgtFrame="" tooltip="" history="1" highlightClick="0" endSnd="0"/>
+                <a:hlinkClick r:id="rId2"/>
               </a:rPr>
               <a:t>http://bit.ly/1M9qaoC</a:t>
             </a:r>
@@ -4734,7 +4896,7 @@
             </a:pPr>
             <a:r>
               <a:rPr u="sng">
-                <a:hlinkClick r:id="rId4" invalidUrl="" action="" tgtFrame="" tooltip="" history="1" highlightClick="0" endSnd="0"/>
+                <a:hlinkClick r:id="rId4"/>
               </a:rPr>
               <a:t>https://commons.wikimedia.org/wiki/File:DIKW_Pyramid.svg#/media/File:DIKW_Pyramid.svg</a:t>
             </a:r>
@@ -4746,12 +4908,12 @@
   <p:clrMapOvr>
     <a:masterClrMapping/>
   </p:clrMapOvr>
-  <p:transition xmlns:p14="http://schemas.microsoft.com/office/powerpoint/2010/main" spd="med" advClick="1" p14:dur="1000"/>
+  <p:transition spd="slow"/>
 </p:sld>
 </file>
 
 <file path=ppt/slides/slide17.xml><?xml version="1.0" encoding="utf-8"?>
-<p:sld xmlns:a="http://schemas.openxmlformats.org/drawingml/2006/main" xmlns:r="http://schemas.openxmlformats.org/officeDocument/2006/relationships" xmlns:p="http://schemas.openxmlformats.org/presentationml/2006/main" showMasterSp="1" showMasterPhAnim="1">
+<p:sld xmlns:a="http://schemas.openxmlformats.org/drawingml/2006/main" xmlns:r="http://schemas.openxmlformats.org/officeDocument/2006/relationships" xmlns:p="http://schemas.openxmlformats.org/presentationml/2006/main">
   <p:cSld>
     <p:spTree>
       <p:nvGrpSpPr>
@@ -4770,7 +4932,9 @@
       <p:sp>
         <p:nvSpPr>
           <p:cNvPr id="200" name="Shape 200"/>
-          <p:cNvSpPr/>
+          <p:cNvSpPr>
+            <a:spLocks noGrp="1"/>
+          </p:cNvSpPr>
           <p:nvPr>
             <p:ph type="title"/>
           </p:nvPr>
@@ -4785,7 +4949,7 @@
           <a:lstStyle/>
           <a:p>
             <a:pPr defTabSz="356362">
-              <a:defRPr b="1" sz="5978">
+              <a:defRPr sz="5978" b="1">
                 <a:latin typeface="Helvetica"/>
                 <a:ea typeface="Helvetica"/>
                 <a:cs typeface="Helvetica"/>
@@ -4809,7 +4973,9 @@
       <p:sp>
         <p:nvSpPr>
           <p:cNvPr id="201" name="Shape 201"/>
-          <p:cNvSpPr/>
+          <p:cNvSpPr>
+            <a:spLocks noGrp="1"/>
+          </p:cNvSpPr>
           <p:nvPr>
             <p:ph type="body" sz="half" idx="1"/>
           </p:nvPr>
@@ -4824,7 +4990,9 @@
           </a:prstGeom>
         </p:spPr>
         <p:txBody>
-          <a:bodyPr/>
+          <a:bodyPr>
+            <a:normAutofit lnSpcReduction="10000"/>
+          </a:bodyPr>
           <a:lstStyle/>
           <a:p>
             <a:pPr marL="391159" indent="-391159" defTabSz="514095">
@@ -4938,7 +5106,7 @@
           <a:lstStyle>
             <a:lvl1pPr>
               <a:defRPr sz="1800" u="sng">
-                <a:hlinkClick r:id="rId2" invalidUrl="" action="" tgtFrame="" tooltip="" history="1" highlightClick="0" endSnd="0"/>
+                <a:hlinkClick r:id="rId2"/>
               </a:defRPr>
             </a:lvl1pPr>
           </a:lstStyle>
@@ -4948,7 +5116,7 @@
             </a:pPr>
             <a:r>
               <a:rPr u="sng">
-                <a:hlinkClick r:id="rId2" invalidUrl="" action="" tgtFrame="" tooltip="" history="1" highlightClick="0" endSnd="0"/>
+                <a:hlinkClick r:id="rId2"/>
               </a:rPr>
               <a:t>http://bit.ly/1M9qaoC</a:t>
             </a:r>
@@ -5026,7 +5194,7 @@
             </a:pPr>
             <a:r>
               <a:rPr u="sng">
-                <a:hlinkClick r:id="rId4" invalidUrl="" action="" tgtFrame="" tooltip="" history="1" highlightClick="0" endSnd="0"/>
+                <a:hlinkClick r:id="rId4"/>
               </a:rPr>
               <a:t>https://commons.wikimedia.org/wiki/File:DIKW_Pyramid.svg#/media/File:DIKW_Pyramid.svg</a:t>
             </a:r>
@@ -5038,12 +5206,12 @@
   <p:clrMapOvr>
     <a:masterClrMapping/>
   </p:clrMapOvr>
-  <p:transition xmlns:p14="http://schemas.microsoft.com/office/powerpoint/2010/main" spd="med" advClick="1" p14:dur="1000"/>
+  <p:transition spd="slow"/>
 </p:sld>
 </file>
 
 <file path=ppt/slides/slide18.xml><?xml version="1.0" encoding="utf-8"?>
-<p:sld xmlns:a="http://schemas.openxmlformats.org/drawingml/2006/main" xmlns:r="http://schemas.openxmlformats.org/officeDocument/2006/relationships" xmlns:p="http://schemas.openxmlformats.org/presentationml/2006/main" showMasterSp="1" showMasterPhAnim="1">
+<p:sld xmlns:a="http://schemas.openxmlformats.org/drawingml/2006/main" xmlns:r="http://schemas.openxmlformats.org/officeDocument/2006/relationships" xmlns:p="http://schemas.openxmlformats.org/presentationml/2006/main">
   <p:cSld>
     <p:spTree>
       <p:nvGrpSpPr>
@@ -5062,7 +5230,9 @@
       <p:sp>
         <p:nvSpPr>
           <p:cNvPr id="206" name="Shape 206"/>
-          <p:cNvSpPr/>
+          <p:cNvSpPr>
+            <a:spLocks noGrp="1"/>
+          </p:cNvSpPr>
           <p:nvPr>
             <p:ph type="title"/>
           </p:nvPr>
@@ -5076,7 +5246,6 @@
           <a:bodyPr/>
           <a:lstStyle/>
           <a:p>
-            <a:pPr/>
             <a:r>
               <a:t>Data Management</a:t>
             </a:r>
@@ -5086,7 +5255,9 @@
       <p:sp>
         <p:nvSpPr>
           <p:cNvPr id="207" name="Shape 207"/>
-          <p:cNvSpPr/>
+          <p:cNvSpPr>
+            <a:spLocks noGrp="1"/>
+          </p:cNvSpPr>
           <p:nvPr>
             <p:ph type="body" idx="1"/>
           </p:nvPr>
@@ -5111,7 +5282,7 @@
             </a:r>
           </a:p>
           <a:p>
-            <a:pPr lvl="1" marL="480060" indent="-240030" defTabSz="315468">
+            <a:pPr marL="480060" lvl="1" indent="-240030" defTabSz="315468">
               <a:spcBef>
                 <a:spcPts val="2200"/>
               </a:spcBef>
@@ -5122,7 +5293,7 @@
             </a:r>
           </a:p>
           <a:p>
-            <a:pPr lvl="1" marL="480060" indent="-240030" defTabSz="315468">
+            <a:pPr marL="480060" lvl="1" indent="-240030" defTabSz="315468">
               <a:spcBef>
                 <a:spcPts val="2200"/>
               </a:spcBef>
@@ -5133,7 +5304,7 @@
             </a:r>
           </a:p>
           <a:p>
-            <a:pPr lvl="1" marL="480060" indent="-240030" defTabSz="315468">
+            <a:pPr marL="480060" lvl="1" indent="-240030" defTabSz="315468">
               <a:spcBef>
                 <a:spcPts val="2200"/>
               </a:spcBef>
@@ -5144,7 +5315,7 @@
             </a:r>
           </a:p>
           <a:p>
-            <a:pPr lvl="1" marL="480060" indent="-240030" defTabSz="315468">
+            <a:pPr marL="480060" lvl="1" indent="-240030" defTabSz="315468">
               <a:spcBef>
                 <a:spcPts val="2200"/>
               </a:spcBef>
@@ -5155,7 +5326,7 @@
             </a:r>
           </a:p>
           <a:p>
-            <a:pPr lvl="1" marL="480060" indent="-240030" defTabSz="315468">
+            <a:pPr marL="480060" lvl="1" indent="-240030" defTabSz="315468">
               <a:spcBef>
                 <a:spcPts val="2200"/>
               </a:spcBef>
@@ -5166,7 +5337,7 @@
             </a:r>
           </a:p>
           <a:p>
-            <a:pPr lvl="1" marL="480060" indent="-240030" defTabSz="315468">
+            <a:pPr marL="480060" lvl="1" indent="-240030" defTabSz="315468">
               <a:spcBef>
                 <a:spcPts val="2200"/>
               </a:spcBef>
@@ -5177,7 +5348,7 @@
             </a:r>
           </a:p>
           <a:p>
-            <a:pPr lvl="1" marL="480060" indent="-240030" defTabSz="315468">
+            <a:pPr marL="480060" lvl="1" indent="-240030" defTabSz="315468">
               <a:spcBef>
                 <a:spcPts val="2200"/>
               </a:spcBef>
@@ -5188,7 +5359,7 @@
             </a:r>
           </a:p>
           <a:p>
-            <a:pPr lvl="1" marL="480060" indent="-240030" defTabSz="315468">
+            <a:pPr marL="480060" lvl="1" indent="-240030" defTabSz="315468">
               <a:spcBef>
                 <a:spcPts val="2200"/>
               </a:spcBef>
@@ -5199,7 +5370,7 @@
             </a:r>
           </a:p>
           <a:p>
-            <a:pPr lvl="1" marL="480060" indent="-240030" defTabSz="315468">
+            <a:pPr marL="480060" lvl="1" indent="-240030" defTabSz="315468">
               <a:spcBef>
                 <a:spcPts val="2200"/>
               </a:spcBef>
@@ -5210,7 +5381,7 @@
             </a:r>
           </a:p>
           <a:p>
-            <a:pPr lvl="1" marL="480060" indent="-240030" defTabSz="315468">
+            <a:pPr marL="480060" lvl="1" indent="-240030" defTabSz="315468">
               <a:spcBef>
                 <a:spcPts val="2200"/>
               </a:spcBef>
@@ -5252,7 +5423,7 @@
           <a:lstStyle>
             <a:lvl1pPr>
               <a:defRPr sz="1800" u="sng">
-                <a:hlinkClick r:id="rId2" invalidUrl="" action="" tgtFrame="" tooltip="" history="1" highlightClick="0" endSnd="0"/>
+                <a:hlinkClick r:id="rId2"/>
               </a:defRPr>
             </a:lvl1pPr>
           </a:lstStyle>
@@ -5262,7 +5433,7 @@
             </a:pPr>
             <a:r>
               <a:rPr u="sng">
-                <a:hlinkClick r:id="rId2" invalidUrl="" action="" tgtFrame="" tooltip="" history="1" highlightClick="0" endSnd="0"/>
+                <a:hlinkClick r:id="rId2"/>
               </a:rPr>
               <a:t>http://bit.ly/1KuHRV4</a:t>
             </a:r>
@@ -5303,12 +5474,12 @@
   <p:clrMapOvr>
     <a:masterClrMapping/>
   </p:clrMapOvr>
-  <p:transition xmlns:p14="http://schemas.microsoft.com/office/powerpoint/2010/main" spd="med" advClick="1" p14:dur="1000"/>
+  <p:transition spd="slow"/>
 </p:sld>
 </file>
 
 <file path=ppt/slides/slide19.xml><?xml version="1.0" encoding="utf-8"?>
-<p:sld xmlns:a="http://schemas.openxmlformats.org/drawingml/2006/main" xmlns:r="http://schemas.openxmlformats.org/officeDocument/2006/relationships" xmlns:p="http://schemas.openxmlformats.org/presentationml/2006/main" showMasterSp="1" showMasterPhAnim="1">
+<p:sld xmlns:a="http://schemas.openxmlformats.org/drawingml/2006/main" xmlns:r="http://schemas.openxmlformats.org/officeDocument/2006/relationships" xmlns:p="http://schemas.openxmlformats.org/presentationml/2006/main">
   <p:cSld>
     <p:spTree>
       <p:nvGrpSpPr>
@@ -5327,7 +5498,9 @@
       <p:sp>
         <p:nvSpPr>
           <p:cNvPr id="211" name="Shape 211"/>
-          <p:cNvSpPr/>
+          <p:cNvSpPr>
+            <a:spLocks noGrp="1"/>
+          </p:cNvSpPr>
           <p:nvPr>
             <p:ph type="title"/>
           </p:nvPr>
@@ -5341,7 +5514,6 @@
           <a:bodyPr/>
           <a:lstStyle/>
           <a:p>
-            <a:pPr/>
             <a:r>
               <a:t>Data Management</a:t>
             </a:r>
@@ -5351,7 +5523,9 @@
       <p:sp>
         <p:nvSpPr>
           <p:cNvPr id="212" name="Shape 212"/>
-          <p:cNvSpPr/>
+          <p:cNvSpPr>
+            <a:spLocks noGrp="1"/>
+          </p:cNvSpPr>
           <p:nvPr>
             <p:ph type="body" idx="1"/>
           </p:nvPr>
@@ -5496,7 +5670,7 @@
           <a:lstStyle>
             <a:lvl1pPr>
               <a:defRPr sz="1800" u="sng">
-                <a:hlinkClick r:id="rId2" invalidUrl="" action="" tgtFrame="" tooltip="" history="1" highlightClick="0" endSnd="0"/>
+                <a:hlinkClick r:id="rId2"/>
               </a:defRPr>
             </a:lvl1pPr>
           </a:lstStyle>
@@ -5506,7 +5680,7 @@
             </a:pPr>
             <a:r>
               <a:rPr u="sng">
-                <a:hlinkClick r:id="rId2" invalidUrl="" action="" tgtFrame="" tooltip="" history="1" highlightClick="0" endSnd="0"/>
+                <a:hlinkClick r:id="rId2"/>
               </a:rPr>
               <a:t>http://bit.ly/1KuHRV4</a:t>
             </a:r>
@@ -5518,12 +5692,12 @@
   <p:clrMapOvr>
     <a:masterClrMapping/>
   </p:clrMapOvr>
-  <p:transition xmlns:p14="http://schemas.microsoft.com/office/powerpoint/2010/main" spd="med" advClick="1" p14:dur="1000"/>
+  <p:transition spd="slow"/>
 </p:sld>
 </file>
 
 <file path=ppt/slides/slide2.xml><?xml version="1.0" encoding="utf-8"?>
-<p:sld xmlns:a="http://schemas.openxmlformats.org/drawingml/2006/main" xmlns:r="http://schemas.openxmlformats.org/officeDocument/2006/relationships" xmlns:p="http://schemas.openxmlformats.org/presentationml/2006/main" showMasterSp="1" showMasterPhAnim="1">
+<p:sld xmlns:a="http://schemas.openxmlformats.org/drawingml/2006/main" xmlns:r="http://schemas.openxmlformats.org/officeDocument/2006/relationships" xmlns:p="http://schemas.openxmlformats.org/presentationml/2006/main">
   <p:cSld>
     <p:spTree>
       <p:nvGrpSpPr>
@@ -5542,7 +5716,9 @@
       <p:sp>
         <p:nvSpPr>
           <p:cNvPr id="122" name="Shape 122"/>
-          <p:cNvSpPr/>
+          <p:cNvSpPr>
+            <a:spLocks noGrp="1"/>
+          </p:cNvSpPr>
           <p:nvPr>
             <p:ph type="title"/>
           </p:nvPr>
@@ -5556,7 +5732,6 @@
           <a:bodyPr/>
           <a:lstStyle/>
           <a:p>
-            <a:pPr/>
             <a:r>
               <a:t>Agenda</a:t>
             </a:r>
@@ -5566,7 +5741,9 @@
       <p:sp>
         <p:nvSpPr>
           <p:cNvPr id="123" name="Shape 123"/>
-          <p:cNvSpPr/>
+          <p:cNvSpPr>
+            <a:spLocks noGrp="1"/>
+          </p:cNvSpPr>
           <p:nvPr>
             <p:ph type="body" idx="1"/>
           </p:nvPr>
@@ -5580,25 +5757,21 @@
           <a:bodyPr/>
           <a:lstStyle/>
           <a:p>
-            <a:pPr/>
             <a:r>
               <a:t>Legislation</a:t>
             </a:r>
           </a:p>
           <a:p>
-            <a:pPr/>
             <a:r>
               <a:t>IPC Design Principles</a:t>
             </a:r>
           </a:p>
           <a:p>
-            <a:pPr/>
             <a:r>
               <a:t>Data Management Principles</a:t>
             </a:r>
           </a:p>
           <a:p>
-            <a:pPr/>
             <a:r>
               <a:t>Data Management at Waterloo</a:t>
             </a:r>
@@ -5610,12 +5783,12 @@
   <p:clrMapOvr>
     <a:masterClrMapping/>
   </p:clrMapOvr>
-  <p:transition xmlns:p14="http://schemas.microsoft.com/office/powerpoint/2010/main" spd="med" advClick="1" p14:dur="1000"/>
+  <p:transition spd="slow"/>
 </p:sld>
 </file>
 
 <file path=ppt/slides/slide20.xml><?xml version="1.0" encoding="utf-8"?>
-<p:sld xmlns:a="http://schemas.openxmlformats.org/drawingml/2006/main" xmlns:r="http://schemas.openxmlformats.org/officeDocument/2006/relationships" xmlns:p="http://schemas.openxmlformats.org/presentationml/2006/main" showMasterSp="1" showMasterPhAnim="1">
+<p:sld xmlns:a="http://schemas.openxmlformats.org/drawingml/2006/main" xmlns:r="http://schemas.openxmlformats.org/officeDocument/2006/relationships" xmlns:p="http://schemas.openxmlformats.org/presentationml/2006/main">
   <p:cSld>
     <p:spTree>
       <p:nvGrpSpPr>
@@ -5634,7 +5807,9 @@
       <p:sp>
         <p:nvSpPr>
           <p:cNvPr id="215" name="Shape 215"/>
-          <p:cNvSpPr/>
+          <p:cNvSpPr>
+            <a:spLocks noGrp="1"/>
+          </p:cNvSpPr>
           <p:nvPr>
             <p:ph type="title"/>
           </p:nvPr>
@@ -5648,7 +5823,6 @@
           <a:bodyPr/>
           <a:lstStyle/>
           <a:p>
-            <a:pPr/>
             <a:r>
               <a:t>Data Management</a:t>
             </a:r>
@@ -5658,7 +5832,9 @@
       <p:sp>
         <p:nvSpPr>
           <p:cNvPr id="216" name="Shape 216"/>
-          <p:cNvSpPr/>
+          <p:cNvSpPr>
+            <a:spLocks noGrp="1"/>
+          </p:cNvSpPr>
           <p:nvPr>
             <p:ph type="body" idx="1"/>
           </p:nvPr>
@@ -5669,7 +5845,9 @@
           </a:prstGeom>
         </p:spPr>
         <p:txBody>
-          <a:bodyPr/>
+          <a:bodyPr>
+            <a:normAutofit lnSpcReduction="10000"/>
+          </a:bodyPr>
           <a:lstStyle/>
           <a:p>
             <a:pPr marL="342264" indent="-342264" defTabSz="449833">
@@ -5803,7 +5981,7 @@
           <a:lstStyle>
             <a:lvl1pPr>
               <a:defRPr sz="1800" u="sng">
-                <a:hlinkClick r:id="rId2" invalidUrl="" action="" tgtFrame="" tooltip="" history="1" highlightClick="0" endSnd="0"/>
+                <a:hlinkClick r:id="rId2"/>
               </a:defRPr>
             </a:lvl1pPr>
           </a:lstStyle>
@@ -5813,7 +5991,7 @@
             </a:pPr>
             <a:r>
               <a:rPr u="sng">
-                <a:hlinkClick r:id="rId2" invalidUrl="" action="" tgtFrame="" tooltip="" history="1" highlightClick="0" endSnd="0"/>
+                <a:hlinkClick r:id="rId2"/>
               </a:rPr>
               <a:t>http://bit.ly/1KuHRV4</a:t>
             </a:r>
@@ -5825,12 +6003,12 @@
   <p:clrMapOvr>
     <a:masterClrMapping/>
   </p:clrMapOvr>
-  <p:transition xmlns:p14="http://schemas.microsoft.com/office/powerpoint/2010/main" spd="med" advClick="1" p14:dur="1000"/>
+  <p:transition spd="slow"/>
 </p:sld>
 </file>
 
 <file path=ppt/slides/slide21.xml><?xml version="1.0" encoding="utf-8"?>
-<p:sld xmlns:a="http://schemas.openxmlformats.org/drawingml/2006/main" xmlns:r="http://schemas.openxmlformats.org/officeDocument/2006/relationships" xmlns:p="http://schemas.openxmlformats.org/presentationml/2006/main" showMasterSp="1" showMasterPhAnim="1">
+<p:sld xmlns:a="http://schemas.openxmlformats.org/drawingml/2006/main" xmlns:r="http://schemas.openxmlformats.org/officeDocument/2006/relationships" xmlns:p="http://schemas.openxmlformats.org/presentationml/2006/main">
   <p:cSld>
     <p:spTree>
       <p:nvGrpSpPr>
@@ -5849,7 +6027,9 @@
       <p:sp>
         <p:nvSpPr>
           <p:cNvPr id="219" name="Shape 219"/>
-          <p:cNvSpPr/>
+          <p:cNvSpPr>
+            <a:spLocks noGrp="1"/>
+          </p:cNvSpPr>
           <p:nvPr>
             <p:ph type="title"/>
           </p:nvPr>
@@ -5863,7 +6043,6 @@
           <a:bodyPr/>
           <a:lstStyle/>
           <a:p>
-            <a:pPr/>
             <a:r>
               <a:t>5-Star Data</a:t>
             </a:r>
@@ -5873,7 +6052,9 @@
       <p:sp>
         <p:nvSpPr>
           <p:cNvPr id="220" name="Shape 220"/>
-          <p:cNvSpPr/>
+          <p:cNvSpPr>
+            <a:spLocks noGrp="1"/>
+          </p:cNvSpPr>
           <p:nvPr>
             <p:ph type="body" idx="1"/>
           </p:nvPr>
@@ -5887,7 +6068,6 @@
           <a:bodyPr anchor="t"/>
           <a:lstStyle/>
           <a:p>
-            <a:pPr/>
             <a:r>
               <a:t>Tim Berners-Lee Open Data Model</a:t>
             </a:r>
@@ -5953,7 +6133,7 @@
           <a:lstStyle>
             <a:lvl1pPr>
               <a:defRPr sz="1800" u="sng">
-                <a:hlinkClick r:id="rId3" invalidUrl="" action="" tgtFrame="" tooltip="" history="1" highlightClick="0" endSnd="0"/>
+                <a:hlinkClick r:id="rId3"/>
               </a:defRPr>
             </a:lvl1pPr>
           </a:lstStyle>
@@ -5963,7 +6143,7 @@
             </a:pPr>
             <a:r>
               <a:rPr u="sng">
-                <a:hlinkClick r:id="rId3" invalidUrl="" action="" tgtFrame="" tooltip="" history="1" highlightClick="0" endSnd="0"/>
+                <a:hlinkClick r:id="rId3"/>
               </a:rPr>
               <a:t>http://5stardata.info/en/</a:t>
             </a:r>
@@ -5975,12 +6155,12 @@
   <p:clrMapOvr>
     <a:masterClrMapping/>
   </p:clrMapOvr>
-  <p:transition xmlns:p14="http://schemas.microsoft.com/office/powerpoint/2010/main" spd="med" advClick="1" p14:dur="1000"/>
+  <p:transition spd="slow"/>
 </p:sld>
 </file>
 
 <file path=ppt/slides/slide22.xml><?xml version="1.0" encoding="utf-8"?>
-<p:sld xmlns:a="http://schemas.openxmlformats.org/drawingml/2006/main" xmlns:r="http://schemas.openxmlformats.org/officeDocument/2006/relationships" xmlns:p="http://schemas.openxmlformats.org/presentationml/2006/main" showMasterSp="1" showMasterPhAnim="1">
+<p:sld xmlns:a="http://schemas.openxmlformats.org/drawingml/2006/main" xmlns:r="http://schemas.openxmlformats.org/officeDocument/2006/relationships" xmlns:p="http://schemas.openxmlformats.org/presentationml/2006/main">
   <p:cSld>
     <p:spTree>
       <p:nvGrpSpPr>
@@ -5999,7 +6179,9 @@
       <p:sp>
         <p:nvSpPr>
           <p:cNvPr id="224" name="Shape 224"/>
-          <p:cNvSpPr/>
+          <p:cNvSpPr>
+            <a:spLocks noGrp="1"/>
+          </p:cNvSpPr>
           <p:nvPr>
             <p:ph type="title"/>
           </p:nvPr>
@@ -6013,7 +6195,6 @@
           <a:bodyPr/>
           <a:lstStyle/>
           <a:p>
-            <a:pPr/>
             <a:r>
               <a:t>5-Star Data</a:t>
             </a:r>
@@ -6028,12 +6209,12 @@
         </p:nvGraphicFramePr>
         <p:xfrm>
           <a:off x="737553" y="2901950"/>
-          <a:ext cx="11542394" cy="5715000"/>
+          <a:ext cx="11529692" cy="6604000"/>
         </p:xfrm>
-        <a:graphic xmlns:a="http://schemas.openxmlformats.org/drawingml/2006/main">
+        <a:graphic>
           <a:graphicData uri="http://schemas.openxmlformats.org/drawingml/2006/table">
             <a:tbl>
-              <a:tblPr firstCol="0" firstRow="0" lastCol="0" lastRow="0" bandCol="0" bandRow="0" rtl="0">
+              <a:tblPr>
                 <a:tableStyleId>{C7B018BB-80A7-4F77-B60F-C8B233D01FF8}</a:tableStyleId>
               </a:tblPr>
               <a:tblGrid>
@@ -6065,7 +6246,7 @@
                       </a:r>
                     </a:p>
                   </a:txBody>
-                  <a:tcPr marL="304800" marR="304800" marT="304800" marB="304800" anchor="ctr" anchorCtr="0" horzOverflow="overflow">
+                  <a:tcPr marL="304800" marR="304800" marT="304800" marB="304800" anchor="ctr" horzOverflow="overflow">
                     <a:lnL w="12700">
                       <a:solidFill>
                         <a:srgbClr val="606060"/>
@@ -6092,7 +6273,7 @@
                         <a:lnSpc>
                           <a:spcPts val="3800"/>
                         </a:lnSpc>
-                        <a:defRPr i="1" sz="2000">
+                        <a:defRPr sz="2000" i="1">
                           <a:latin typeface="Helvetica"/>
                           <a:ea typeface="Helvetica"/>
                           <a:cs typeface="Helvetica"/>
@@ -6108,7 +6289,7 @@
                       </a:r>
                     </a:p>
                   </a:txBody>
-                  <a:tcPr marL="152400" marR="152400" marT="152400" marB="152400" anchor="ctr" anchorCtr="0" horzOverflow="overflow">
+                  <a:tcPr marL="152400" marR="152400" marT="152400" marB="152400" anchor="ctr" horzOverflow="overflow">
                     <a:lnR w="12700">
                       <a:solidFill>
                         <a:srgbClr val="606060"/>
@@ -6152,7 +6333,7 @@
                       </a:r>
                     </a:p>
                   </a:txBody>
-                  <a:tcPr marL="304800" marR="304800" marT="304800" marB="304800" anchor="ctr" anchorCtr="0" horzOverflow="overflow">
+                  <a:tcPr marL="304800" marR="304800" marT="304800" marB="304800" anchor="ctr" horzOverflow="overflow">
                     <a:lnL w="12700">
                       <a:solidFill>
                         <a:srgbClr val="606060"/>
@@ -6185,7 +6366,7 @@
                       </a:r>
                     </a:p>
                   </a:txBody>
-                  <a:tcPr marL="152400" marR="152400" marT="152400" marB="152400" anchor="ctr" anchorCtr="0" horzOverflow="overflow">
+                  <a:tcPr marL="152400" marR="152400" marT="152400" marB="152400" anchor="ctr" horzOverflow="overflow">
                     <a:lnR w="12700">
                       <a:solidFill>
                         <a:srgbClr val="606060"/>
@@ -6223,7 +6404,7 @@
                       </a:r>
                     </a:p>
                   </a:txBody>
-                  <a:tcPr marL="304800" marR="304800" marT="304800" marB="304800" anchor="ctr" anchorCtr="0" horzOverflow="overflow">
+                  <a:tcPr marL="304800" marR="304800" marT="304800" marB="304800" anchor="ctr" horzOverflow="overflow">
                     <a:lnL w="12700">
                       <a:solidFill>
                         <a:srgbClr val="606060"/>
@@ -6256,7 +6437,7 @@
                       </a:r>
                     </a:p>
                   </a:txBody>
-                  <a:tcPr marL="152400" marR="152400" marT="152400" marB="152400" anchor="ctr" anchorCtr="0" horzOverflow="overflow">
+                  <a:tcPr marL="152400" marR="152400" marT="152400" marB="152400" anchor="ctr" horzOverflow="overflow">
                     <a:lnR w="12700">
                       <a:solidFill>
                         <a:srgbClr val="606060"/>
@@ -6294,7 +6475,7 @@
                       </a:r>
                     </a:p>
                   </a:txBody>
-                  <a:tcPr marL="304800" marR="304800" marT="304800" marB="304800" anchor="ctr" anchorCtr="0" horzOverflow="overflow">
+                  <a:tcPr marL="304800" marR="304800" marT="304800" marB="304800" anchor="ctr" horzOverflow="overflow">
                     <a:lnL w="12700">
                       <a:solidFill>
                         <a:srgbClr val="606060"/>
@@ -6327,7 +6508,7 @@
                       </a:r>
                     </a:p>
                   </a:txBody>
-                  <a:tcPr marL="152400" marR="152400" marT="152400" marB="152400" anchor="ctr" anchorCtr="0" horzOverflow="overflow">
+                  <a:tcPr marL="152400" marR="152400" marT="152400" marB="152400" anchor="ctr" horzOverflow="overflow">
                     <a:lnR w="12700">
                       <a:solidFill>
                         <a:srgbClr val="606060"/>
@@ -6365,7 +6546,7 @@
                       </a:r>
                     </a:p>
                   </a:txBody>
-                  <a:tcPr marL="304800" marR="304800" marT="304800" marB="304800" anchor="ctr" anchorCtr="0" horzOverflow="overflow">
+                  <a:tcPr marL="304800" marR="304800" marT="304800" marB="304800" anchor="ctr" horzOverflow="overflow">
                     <a:lnL w="12700">
                       <a:solidFill>
                         <a:srgbClr val="606060"/>
@@ -6404,7 +6585,7 @@
                       </a:r>
                     </a:p>
                   </a:txBody>
-                  <a:tcPr marL="152400" marR="152400" marT="152400" marB="152400" anchor="ctr" anchorCtr="0" horzOverflow="overflow">
+                  <a:tcPr marL="152400" marR="152400" marT="152400" marB="152400" anchor="ctr" horzOverflow="overflow">
                     <a:lnR w="12700">
                       <a:solidFill>
                         <a:srgbClr val="606060"/>
@@ -6457,7 +6638,7 @@
           <a:lstStyle>
             <a:lvl1pPr>
               <a:defRPr sz="1800" u="sng">
-                <a:hlinkClick r:id="rId2" invalidUrl="" action="" tgtFrame="" tooltip="" history="1" highlightClick="0" endSnd="0"/>
+                <a:hlinkClick r:id="rId2"/>
               </a:defRPr>
             </a:lvl1pPr>
           </a:lstStyle>
@@ -6467,7 +6648,7 @@
             </a:pPr>
             <a:r>
               <a:rPr u="sng">
-                <a:hlinkClick r:id="rId2" invalidUrl="" action="" tgtFrame="" tooltip="" history="1" highlightClick="0" endSnd="0"/>
+                <a:hlinkClick r:id="rId2"/>
               </a:rPr>
               <a:t>http://bit.ly/21MR3Zt</a:t>
             </a:r>
@@ -6479,12 +6660,12 @@
   <p:clrMapOvr>
     <a:masterClrMapping/>
   </p:clrMapOvr>
-  <p:transition xmlns:p14="http://schemas.microsoft.com/office/powerpoint/2010/main" spd="med" advClick="1" p14:dur="1000"/>
+  <p:transition spd="slow"/>
 </p:sld>
 </file>
 
 <file path=ppt/slides/slide23.xml><?xml version="1.0" encoding="utf-8"?>
-<p:sld xmlns:a="http://schemas.openxmlformats.org/drawingml/2006/main" xmlns:r="http://schemas.openxmlformats.org/officeDocument/2006/relationships" xmlns:p="http://schemas.openxmlformats.org/presentationml/2006/main" showMasterSp="1" showMasterPhAnim="1">
+<p:sld xmlns:a="http://schemas.openxmlformats.org/drawingml/2006/main" xmlns:r="http://schemas.openxmlformats.org/officeDocument/2006/relationships" xmlns:p="http://schemas.openxmlformats.org/presentationml/2006/main">
   <p:cSld>
     <p:spTree>
       <p:nvGrpSpPr>
@@ -6503,7 +6684,9 @@
       <p:sp>
         <p:nvSpPr>
           <p:cNvPr id="228" name="Shape 228"/>
-          <p:cNvSpPr/>
+          <p:cNvSpPr>
+            <a:spLocks noGrp="1"/>
+          </p:cNvSpPr>
           <p:nvPr>
             <p:ph type="title"/>
           </p:nvPr>
@@ -6517,7 +6700,6 @@
           <a:bodyPr/>
           <a:lstStyle/>
           <a:p>
-            <a:pPr/>
             <a:r>
               <a:t>Example: Student Portal</a:t>
             </a:r>
@@ -6527,7 +6709,9 @@
       <p:sp>
         <p:nvSpPr>
           <p:cNvPr id="229" name="Shape 229"/>
-          <p:cNvSpPr/>
+          <p:cNvSpPr>
+            <a:spLocks noGrp="1"/>
+          </p:cNvSpPr>
           <p:nvPr>
             <p:ph type="body" idx="1"/>
           </p:nvPr>
@@ -6544,7 +6728,7 @@
               <a:buSzTx/>
               <a:buNone/>
               <a:defRPr u="sng">
-                <a:hlinkClick r:id="rId2" invalidUrl="" action="" tgtFrame="" tooltip="" history="1" highlightClick="0" endSnd="0"/>
+                <a:hlinkClick r:id="rId2"/>
               </a:defRPr>
             </a:lvl1pPr>
           </a:lstStyle>
@@ -6554,7 +6738,7 @@
             </a:pPr>
             <a:r>
               <a:rPr u="sng">
-                <a:hlinkClick r:id="rId2" invalidUrl="" action="" tgtFrame="" tooltip="" history="1" highlightClick="0" endSnd="0"/>
+                <a:hlinkClick r:id="rId2"/>
               </a:rPr>
               <a:t>https://uwaterloo.ca/student-portal/</a:t>
             </a:r>
@@ -6595,12 +6779,12 @@
   <p:clrMapOvr>
     <a:masterClrMapping/>
   </p:clrMapOvr>
-  <p:transition xmlns:p14="http://schemas.microsoft.com/office/powerpoint/2010/main" spd="med" advClick="1" p14:dur="1000"/>
+  <p:transition spd="slow"/>
 </p:sld>
 </file>
 
 <file path=ppt/slides/slide24.xml><?xml version="1.0" encoding="utf-8"?>
-<p:sld xmlns:a="http://schemas.openxmlformats.org/drawingml/2006/main" xmlns:r="http://schemas.openxmlformats.org/officeDocument/2006/relationships" xmlns:p="http://schemas.openxmlformats.org/presentationml/2006/main" showMasterSp="1" showMasterPhAnim="1">
+<p:sld xmlns:a="http://schemas.openxmlformats.org/drawingml/2006/main" xmlns:r="http://schemas.openxmlformats.org/officeDocument/2006/relationships" xmlns:p="http://schemas.openxmlformats.org/presentationml/2006/main">
   <p:cSld>
     <p:spTree>
       <p:nvGrpSpPr>
@@ -6650,12 +6834,12 @@
   <p:clrMapOvr>
     <a:masterClrMapping/>
   </p:clrMapOvr>
-  <p:transition xmlns:p14="http://schemas.microsoft.com/office/powerpoint/2010/main" spd="med" advClick="1" p14:dur="1000"/>
+  <p:transition spd="slow"/>
 </p:sld>
 </file>
 
 <file path=ppt/slides/slide25.xml><?xml version="1.0" encoding="utf-8"?>
-<p:sld xmlns:a="http://schemas.openxmlformats.org/drawingml/2006/main" xmlns:r="http://schemas.openxmlformats.org/officeDocument/2006/relationships" xmlns:p="http://schemas.openxmlformats.org/presentationml/2006/main" showMasterSp="1" showMasterPhAnim="1">
+<p:sld xmlns:a="http://schemas.openxmlformats.org/drawingml/2006/main" xmlns:r="http://schemas.openxmlformats.org/officeDocument/2006/relationships" xmlns:p="http://schemas.openxmlformats.org/presentationml/2006/main">
   <p:cSld>
     <p:spTree>
       <p:nvGrpSpPr>
@@ -6674,7 +6858,9 @@
       <p:sp>
         <p:nvSpPr>
           <p:cNvPr id="234" name="Shape 234"/>
-          <p:cNvSpPr/>
+          <p:cNvSpPr>
+            <a:spLocks noGrp="1"/>
+          </p:cNvSpPr>
           <p:nvPr>
             <p:ph type="title"/>
           </p:nvPr>
@@ -6688,7 +6874,6 @@
           <a:bodyPr/>
           <a:lstStyle/>
           <a:p>
-            <a:pPr/>
             <a:r>
               <a:t>Governance</a:t>
             </a:r>
@@ -6700,12 +6885,12 @@
   <p:clrMapOvr>
     <a:masterClrMapping/>
   </p:clrMapOvr>
-  <p:transition xmlns:p14="http://schemas.microsoft.com/office/powerpoint/2010/main" spd="med" advClick="1" p14:dur="1000"/>
+  <p:transition spd="slow"/>
 </p:sld>
 </file>
 
 <file path=ppt/slides/slide26.xml><?xml version="1.0" encoding="utf-8"?>
-<p:sld xmlns:a="http://schemas.openxmlformats.org/drawingml/2006/main" xmlns:r="http://schemas.openxmlformats.org/officeDocument/2006/relationships" xmlns:p="http://schemas.openxmlformats.org/presentationml/2006/main" showMasterSp="1" showMasterPhAnim="1">
+<p:sld xmlns:a="http://schemas.openxmlformats.org/drawingml/2006/main" xmlns:r="http://schemas.openxmlformats.org/officeDocument/2006/relationships" xmlns:p="http://schemas.openxmlformats.org/presentationml/2006/main">
   <p:cSld>
     <p:spTree>
       <p:nvGrpSpPr>
@@ -6780,7 +6965,7 @@
           <a:lstStyle>
             <a:lvl1pPr>
               <a:defRPr sz="1800" u="sng">
-                <a:hlinkClick r:id="rId3" invalidUrl="" action="" tgtFrame="" tooltip="" history="1" highlightClick="0" endSnd="0"/>
+                <a:hlinkClick r:id="rId3"/>
               </a:defRPr>
             </a:lvl1pPr>
           </a:lstStyle>
@@ -6790,7 +6975,7 @@
             </a:pPr>
             <a:r>
               <a:rPr u="sng">
-                <a:hlinkClick r:id="rId3" invalidUrl="" action="" tgtFrame="" tooltip="" history="1" highlightClick="0" endSnd="0"/>
+                <a:hlinkClick r:id="rId3"/>
               </a:rPr>
               <a:t>http://bit.ly/1jDqgia</a:t>
             </a:r>
@@ -6802,12 +6987,12 @@
   <p:clrMapOvr>
     <a:masterClrMapping/>
   </p:clrMapOvr>
-  <p:transition xmlns:p14="http://schemas.microsoft.com/office/powerpoint/2010/main" spd="med" advClick="1" p14:dur="1000"/>
+  <p:transition spd="slow"/>
 </p:sld>
 </file>
 
 <file path=ppt/slides/slide27.xml><?xml version="1.0" encoding="utf-8"?>
-<p:sld xmlns:a="http://schemas.openxmlformats.org/drawingml/2006/main" xmlns:r="http://schemas.openxmlformats.org/officeDocument/2006/relationships" xmlns:p="http://schemas.openxmlformats.org/presentationml/2006/main" showMasterSp="1" showMasterPhAnim="1">
+<p:sld xmlns:a="http://schemas.openxmlformats.org/drawingml/2006/main" xmlns:r="http://schemas.openxmlformats.org/officeDocument/2006/relationships" xmlns:p="http://schemas.openxmlformats.org/presentationml/2006/main">
   <p:cSld>
     <p:spTree>
       <p:nvGrpSpPr>
@@ -6826,7 +7011,9 @@
       <p:sp>
         <p:nvSpPr>
           <p:cNvPr id="239" name="Shape 239"/>
-          <p:cNvSpPr/>
+          <p:cNvSpPr>
+            <a:spLocks noGrp="1"/>
+          </p:cNvSpPr>
           <p:nvPr>
             <p:ph type="title"/>
           </p:nvPr>
@@ -6844,7 +7031,6 @@
             </a:lvl1pPr>
           </a:lstStyle>
           <a:p>
-            <a:pPr/>
             <a:r>
               <a:t>Data Management at Waterloo</a:t>
             </a:r>
@@ -6854,7 +7040,9 @@
       <p:sp>
         <p:nvSpPr>
           <p:cNvPr id="240" name="Shape 240"/>
-          <p:cNvSpPr/>
+          <p:cNvSpPr>
+            <a:spLocks noGrp="1"/>
+          </p:cNvSpPr>
           <p:nvPr>
             <p:ph type="body" idx="1"/>
           </p:nvPr>
@@ -6868,7 +7056,6 @@
           <a:bodyPr numCol="2" spcCol="554990"/>
           <a:lstStyle/>
           <a:p>
-            <a:pPr/>
             <a:r>
               <a:t>Core “Business” Data</a:t>
             </a:r>
@@ -6904,12 +7091,12 @@
   <p:clrMapOvr>
     <a:masterClrMapping/>
   </p:clrMapOvr>
-  <p:transition xmlns:p14="http://schemas.microsoft.com/office/powerpoint/2010/main" spd="med" advClick="1" p14:dur="1000"/>
+  <p:transition spd="slow"/>
 </p:sld>
 </file>
 
 <file path=ppt/slides/slide28.xml><?xml version="1.0" encoding="utf-8"?>
-<p:sld xmlns:a="http://schemas.openxmlformats.org/drawingml/2006/main" xmlns:r="http://schemas.openxmlformats.org/officeDocument/2006/relationships" xmlns:p="http://schemas.openxmlformats.org/presentationml/2006/main" showMasterSp="1" showMasterPhAnim="1">
+<p:sld xmlns:a="http://schemas.openxmlformats.org/drawingml/2006/main" xmlns:r="http://schemas.openxmlformats.org/officeDocument/2006/relationships" xmlns:p="http://schemas.openxmlformats.org/presentationml/2006/main">
   <p:cSld>
     <p:spTree>
       <p:nvGrpSpPr>
@@ -6928,7 +7115,9 @@
       <p:sp>
         <p:nvSpPr>
           <p:cNvPr id="242" name="Shape 242"/>
-          <p:cNvSpPr/>
+          <p:cNvSpPr>
+            <a:spLocks noGrp="1"/>
+          </p:cNvSpPr>
           <p:nvPr>
             <p:ph type="title"/>
           </p:nvPr>
@@ -6946,7 +7135,6 @@
             </a:lvl1pPr>
           </a:lstStyle>
           <a:p>
-            <a:pPr/>
             <a:r>
               <a:t>Data Management at Waterloo</a:t>
             </a:r>
@@ -6956,7 +7144,9 @@
       <p:sp>
         <p:nvSpPr>
           <p:cNvPr id="243" name="Shape 243"/>
-          <p:cNvSpPr/>
+          <p:cNvSpPr>
+            <a:spLocks noGrp="1"/>
+          </p:cNvSpPr>
           <p:nvPr>
             <p:ph type="body" idx="1"/>
           </p:nvPr>
@@ -6970,7 +7160,6 @@
           <a:bodyPr numCol="2" spcCol="554990"/>
           <a:lstStyle/>
           <a:p>
-            <a:pPr/>
             <a:r>
               <a:t>Core “Business” Data</a:t>
             </a:r>
@@ -7036,12 +7225,12 @@
   <p:clrMapOvr>
     <a:masterClrMapping/>
   </p:clrMapOvr>
-  <p:transition xmlns:p14="http://schemas.microsoft.com/office/powerpoint/2010/main" spd="med" advClick="1" p14:dur="1000"/>
+  <p:transition spd="slow"/>
 </p:sld>
 </file>
 
 <file path=ppt/slides/slide29.xml><?xml version="1.0" encoding="utf-8"?>
-<p:sld xmlns:a="http://schemas.openxmlformats.org/drawingml/2006/main" xmlns:r="http://schemas.openxmlformats.org/officeDocument/2006/relationships" xmlns:p="http://schemas.openxmlformats.org/presentationml/2006/main" showMasterSp="1" showMasterPhAnim="1">
+<p:sld xmlns:a="http://schemas.openxmlformats.org/drawingml/2006/main" xmlns:r="http://schemas.openxmlformats.org/officeDocument/2006/relationships" xmlns:p="http://schemas.openxmlformats.org/presentationml/2006/main">
   <p:cSld>
     <p:spTree>
       <p:nvGrpSpPr>
@@ -7060,7 +7249,9 @@
       <p:sp>
         <p:nvSpPr>
           <p:cNvPr id="245" name="Shape 245"/>
-          <p:cNvSpPr/>
+          <p:cNvSpPr>
+            <a:spLocks noGrp="1"/>
+          </p:cNvSpPr>
           <p:nvPr>
             <p:ph type="title"/>
           </p:nvPr>
@@ -7078,7 +7269,6 @@
             </a:lvl1pPr>
           </a:lstStyle>
           <a:p>
-            <a:pPr/>
             <a:r>
               <a:t>Data Management at Waterloo</a:t>
             </a:r>
@@ -7088,7 +7278,9 @@
       <p:sp>
         <p:nvSpPr>
           <p:cNvPr id="246" name="Shape 246"/>
-          <p:cNvSpPr/>
+          <p:cNvSpPr>
+            <a:spLocks noGrp="1"/>
+          </p:cNvSpPr>
           <p:nvPr>
             <p:ph type="body" idx="1"/>
           </p:nvPr>
@@ -7102,7 +7294,6 @@
           <a:bodyPr numCol="2" spcCol="554990"/>
           <a:lstStyle/>
           <a:p>
-            <a:pPr/>
             <a:r>
               <a:t>Core “Business” Data</a:t>
             </a:r>
@@ -7198,12 +7389,12 @@
   <p:clrMapOvr>
     <a:masterClrMapping/>
   </p:clrMapOvr>
-  <p:transition xmlns:p14="http://schemas.microsoft.com/office/powerpoint/2010/main" spd="med" advClick="1" p14:dur="1000"/>
+  <p:transition spd="slow"/>
 </p:sld>
 </file>
 
 <file path=ppt/slides/slide3.xml><?xml version="1.0" encoding="utf-8"?>
-<p:sld xmlns:a="http://schemas.openxmlformats.org/drawingml/2006/main" xmlns:r="http://schemas.openxmlformats.org/officeDocument/2006/relationships" xmlns:p="http://schemas.openxmlformats.org/presentationml/2006/main" showMasterSp="1" showMasterPhAnim="1">
+<p:sld xmlns:a="http://schemas.openxmlformats.org/drawingml/2006/main" xmlns:r="http://schemas.openxmlformats.org/officeDocument/2006/relationships" xmlns:p="http://schemas.openxmlformats.org/presentationml/2006/main">
   <p:cSld>
     <p:spTree>
       <p:nvGrpSpPr>
@@ -7222,7 +7413,9 @@
       <p:sp>
         <p:nvSpPr>
           <p:cNvPr id="125" name="Shape 125"/>
-          <p:cNvSpPr/>
+          <p:cNvSpPr>
+            <a:spLocks noGrp="1"/>
+          </p:cNvSpPr>
           <p:nvPr>
             <p:ph type="title"/>
           </p:nvPr>
@@ -7240,7 +7433,6 @@
             </a:lvl1pPr>
           </a:lstStyle>
           <a:p>
-            <a:pPr/>
             <a:r>
               <a:t>Data Management in Ontario Higher Education</a:t>
             </a:r>
@@ -7250,7 +7442,9 @@
       <p:sp>
         <p:nvSpPr>
           <p:cNvPr id="126" name="Shape 126"/>
-          <p:cNvSpPr/>
+          <p:cNvSpPr>
+            <a:spLocks noGrp="1"/>
+          </p:cNvSpPr>
           <p:nvPr>
             <p:ph type="body" idx="1"/>
           </p:nvPr>
@@ -7264,19 +7458,17 @@
           <a:bodyPr/>
           <a:lstStyle/>
           <a:p>
-            <a:pPr/>
             <a:r>
               <a:t>The Office of the Information and Privacy Commissioner (IPC) is responsible for ensuring compliance with Ontario’s access and privacy laws. </a:t>
             </a:r>
             <a:r>
               <a:rPr u="sng">
-                <a:hlinkClick r:id="rId2" invalidUrl="" action="" tgtFrame="" tooltip="" history="1" highlightClick="0" endSnd="0"/>
+                <a:hlinkClick r:id="rId2"/>
               </a:rPr>
               <a:t>https://www.ipc.on.ca</a:t>
             </a:r>
           </a:p>
           <a:p>
-            <a:pPr/>
             <a:r>
               <a:t>Freedom of Information and Protection of Privacy Act (FIPPA), R.S.O. 1990, c. F.31</a:t>
             </a:r>
@@ -7313,7 +7505,7 @@
           <a:lstStyle>
             <a:lvl1pPr>
               <a:defRPr sz="1800" u="sng">
-                <a:hlinkClick r:id="rId3" invalidUrl="" action="" tgtFrame="" tooltip="" history="1" highlightClick="0" endSnd="0"/>
+                <a:hlinkClick r:id="rId3"/>
               </a:defRPr>
             </a:lvl1pPr>
           </a:lstStyle>
@@ -7323,7 +7515,7 @@
             </a:pPr>
             <a:r>
               <a:rPr u="sng">
-                <a:hlinkClick r:id="rId3" invalidUrl="" action="" tgtFrame="" tooltip="" history="1" highlightClick="0" endSnd="0"/>
+                <a:hlinkClick r:id="rId3"/>
               </a:rPr>
               <a:t>http://bit.ly/1FmppGD</a:t>
             </a:r>
@@ -7335,12 +7527,12 @@
   <p:clrMapOvr>
     <a:masterClrMapping/>
   </p:clrMapOvr>
-  <p:transition xmlns:p14="http://schemas.microsoft.com/office/powerpoint/2010/main" spd="med" advClick="1" p14:dur="1000"/>
+  <p:transition spd="slow"/>
 </p:sld>
 </file>
 
 <file path=ppt/slides/slide30.xml><?xml version="1.0" encoding="utf-8"?>
-<p:sld xmlns:a="http://schemas.openxmlformats.org/drawingml/2006/main" xmlns:r="http://schemas.openxmlformats.org/officeDocument/2006/relationships" xmlns:p="http://schemas.openxmlformats.org/presentationml/2006/main" showMasterSp="1" showMasterPhAnim="1">
+<p:sld xmlns:a="http://schemas.openxmlformats.org/drawingml/2006/main" xmlns:r="http://schemas.openxmlformats.org/officeDocument/2006/relationships" xmlns:p="http://schemas.openxmlformats.org/presentationml/2006/main">
   <p:cSld>
     <p:spTree>
       <p:nvGrpSpPr>
@@ -7359,7 +7551,9 @@
       <p:sp>
         <p:nvSpPr>
           <p:cNvPr id="248" name="Shape 248"/>
-          <p:cNvSpPr/>
+          <p:cNvSpPr>
+            <a:spLocks noGrp="1"/>
+          </p:cNvSpPr>
           <p:nvPr>
             <p:ph type="title"/>
           </p:nvPr>
@@ -7377,7 +7571,6 @@
             </a:lvl1pPr>
           </a:lstStyle>
           <a:p>
-            <a:pPr/>
             <a:r>
               <a:t>Data Management at Waterloo</a:t>
             </a:r>
@@ -7405,7 +7598,7 @@
             <a:miter lim="400000"/>
           </a:ln>
           <a:effectLst>
-            <a:outerShdw sx="100000" sy="100000" kx="0" ky="0" algn="b" rotWithShape="0" blurRad="38100" dist="25400" dir="5400000">
+            <a:outerShdw blurRad="38100" dist="25400" dir="5400000" rotWithShape="0">
               <a:srgbClr val="000000">
                 <a:alpha val="50000"/>
               </a:srgbClr>
@@ -7425,7 +7618,6 @@
             </a:lvl1pPr>
           </a:lstStyle>
           <a:p>
-            <a:pPr/>
             <a:r>
               <a:t>Business Data</a:t>
             </a:r>
@@ -7463,7 +7655,7 @@
             <a:miter lim="400000"/>
           </a:ln>
           <a:effectLst>
-            <a:outerShdw sx="100000" sy="100000" kx="0" ky="0" algn="b" rotWithShape="0" blurRad="38100" dist="25400" dir="5400000">
+            <a:outerShdw blurRad="38100" dist="25400" dir="5400000" rotWithShape="0">
               <a:srgbClr val="000000">
                 <a:alpha val="50000"/>
               </a:srgbClr>
@@ -7483,7 +7675,6 @@
             </a:lvl1pPr>
           </a:lstStyle>
           <a:p>
-            <a:pPr/>
             <a:r>
               <a:t>OLTP</a:t>
             </a:r>
@@ -7519,13 +7710,11 @@
           </a:bodyPr>
           <a:lstStyle/>
           <a:p>
-            <a:pPr/>
             <a:r>
               <a:t>Online Transaction</a:t>
             </a:r>
           </a:p>
           <a:p>
-            <a:pPr/>
             <a:r>
               <a:t>Processing</a:t>
             </a:r>
@@ -7563,7 +7752,7 @@
             <a:miter lim="400000"/>
           </a:ln>
           <a:effectLst>
-            <a:outerShdw sx="100000" sy="100000" kx="0" ky="0" algn="b" rotWithShape="0" blurRad="38100" dist="25400" dir="5400000">
+            <a:outerShdw blurRad="38100" dist="25400" dir="5400000" rotWithShape="0">
               <a:srgbClr val="000000">
                 <a:alpha val="50000"/>
               </a:srgbClr>
@@ -7625,7 +7814,6 @@
           </a:bodyPr>
           <a:lstStyle/>
           <a:p>
-            <a:pPr/>
             <a:r>
               <a:t>Anonymized* OLAP</a:t>
             </a:r>
@@ -7663,7 +7851,7 @@
             <a:miter lim="400000"/>
           </a:ln>
           <a:effectLst>
-            <a:outerShdw sx="100000" sy="100000" kx="0" ky="0" algn="b" rotWithShape="0" blurRad="38100" dist="25400" dir="5400000">
+            <a:outerShdw blurRad="38100" dist="25400" dir="5400000" rotWithShape="0">
               <a:srgbClr val="000000">
                 <a:alpha val="50000"/>
               </a:srgbClr>
@@ -7683,7 +7871,6 @@
             </a:lvl1pPr>
           </a:lstStyle>
           <a:p>
-            <a:pPr/>
             <a:r>
               <a:t>ODS</a:t>
             </a:r>
@@ -7719,13 +7906,11 @@
           </a:bodyPr>
           <a:lstStyle/>
           <a:p>
-            <a:pPr/>
             <a:r>
               <a:t>Operational Data</a:t>
             </a:r>
           </a:p>
           <a:p>
-            <a:pPr/>
             <a:r>
               <a:t>Stores</a:t>
             </a:r>
@@ -7761,7 +7946,6 @@
           </a:bodyPr>
           <a:lstStyle/>
           <a:p>
-            <a:pPr/>
             <a:r>
               <a:t>Confidential</a:t>
             </a:r>
@@ -7797,7 +7981,6 @@
           </a:bodyPr>
           <a:lstStyle/>
           <a:p>
-            <a:pPr/>
             <a:r>
               <a:t>Public</a:t>
             </a:r>
@@ -7806,9 +7989,9 @@
       </p:sp>
       <p:pic>
         <p:nvPicPr>
-          <p:cNvPr id="258" name=""/>
+          <p:cNvPr id="258" name="Picture 257"/>
           <p:cNvPicPr>
-            <a:picLocks noChangeAspect="0"/>
+            <a:picLocks/>
           </p:cNvPicPr>
           <p:nvPr/>
         </p:nvPicPr>
@@ -7861,7 +8044,7 @@
             <a:miter lim="400000"/>
           </a:ln>
           <a:effectLst>
-            <a:outerShdw sx="100000" sy="100000" kx="0" ky="0" algn="b" rotWithShape="0" blurRad="38100" dist="25400" dir="5400000">
+            <a:outerShdw blurRad="38100" dist="25400" dir="5400000" rotWithShape="0">
               <a:srgbClr val="000000">
                 <a:alpha val="50000"/>
               </a:srgbClr>
@@ -7881,7 +8064,6 @@
             </a:lvl1pPr>
           </a:lstStyle>
           <a:p>
-            <a:pPr/>
             <a:r>
               <a:t>OLAP</a:t>
             </a:r>
@@ -7917,13 +8099,11 @@
           </a:bodyPr>
           <a:lstStyle/>
           <a:p>
-            <a:pPr/>
             <a:r>
               <a:t>Online Analytical</a:t>
             </a:r>
           </a:p>
           <a:p>
-            <a:pPr/>
             <a:r>
               <a:t>Processing</a:t>
             </a:r>
@@ -7967,7 +8147,7 @@
             </a:r>
             <a:r>
               <a:rPr u="sng">
-                <a:hlinkClick r:id="rId3" invalidUrl="" action="" tgtFrame="" tooltip="" history="1" highlightClick="0" endSnd="0"/>
+                <a:hlinkClick r:id="rId3"/>
               </a:rPr>
               <a:t>http://nvlpubs.nist.gov/nistpubs/ir/2015/NIST.IR.8053.pdf</a:t>
             </a:r>
@@ -7979,12 +8159,12 @@
   <p:clrMapOvr>
     <a:masterClrMapping/>
   </p:clrMapOvr>
-  <p:transition xmlns:p14="http://schemas.microsoft.com/office/powerpoint/2010/main" spd="med" advClick="1" p14:dur="1000"/>
+  <p:transition spd="slow"/>
 </p:sld>
 </file>
 
 <file path=ppt/slides/slide31.xml><?xml version="1.0" encoding="utf-8"?>
-<p:sld xmlns:a="http://schemas.openxmlformats.org/drawingml/2006/main" xmlns:r="http://schemas.openxmlformats.org/officeDocument/2006/relationships" xmlns:p="http://schemas.openxmlformats.org/presentationml/2006/main" showMasterSp="1" showMasterPhAnim="1">
+<p:sld xmlns:a="http://schemas.openxmlformats.org/drawingml/2006/main" xmlns:r="http://schemas.openxmlformats.org/officeDocument/2006/relationships" xmlns:p="http://schemas.openxmlformats.org/presentationml/2006/main">
   <p:cSld>
     <p:spTree>
       <p:nvGrpSpPr>
@@ -8003,7 +8183,9 @@
       <p:sp>
         <p:nvSpPr>
           <p:cNvPr id="264" name="Shape 264"/>
-          <p:cNvSpPr/>
+          <p:cNvSpPr>
+            <a:spLocks noGrp="1"/>
+          </p:cNvSpPr>
           <p:nvPr>
             <p:ph type="title"/>
           </p:nvPr>
@@ -8021,7 +8203,6 @@
             </a:lvl1pPr>
           </a:lstStyle>
           <a:p>
-            <a:pPr/>
             <a:r>
               <a:t>Data Management at Waterloo</a:t>
             </a:r>
@@ -8031,7 +8212,9 @@
       <p:sp>
         <p:nvSpPr>
           <p:cNvPr id="265" name="Shape 265"/>
-          <p:cNvSpPr/>
+          <p:cNvSpPr>
+            <a:spLocks noGrp="1"/>
+          </p:cNvSpPr>
           <p:nvPr>
             <p:ph type="body" idx="1"/>
           </p:nvPr>
@@ -8045,25 +8228,21 @@
           <a:bodyPr/>
           <a:lstStyle/>
           <a:p>
-            <a:pPr/>
             <a:r>
               <a:t>Strengths</a:t>
             </a:r>
           </a:p>
           <a:p>
-            <a:pPr/>
             <a:r>
               <a:t>Weaknesses</a:t>
             </a:r>
           </a:p>
           <a:p>
-            <a:pPr/>
             <a:r>
               <a:t>Opportunities</a:t>
             </a:r>
           </a:p>
           <a:p>
-            <a:pPr/>
             <a:r>
               <a:t>Threats</a:t>
             </a:r>
@@ -8075,12 +8254,12 @@
   <p:clrMapOvr>
     <a:masterClrMapping/>
   </p:clrMapOvr>
-  <p:transition xmlns:p14="http://schemas.microsoft.com/office/powerpoint/2010/main" spd="med" advClick="1" p14:dur="1000"/>
+  <p:transition spd="slow"/>
 </p:sld>
 </file>
 
 <file path=ppt/slides/slide32.xml><?xml version="1.0" encoding="utf-8"?>
-<p:sld xmlns:a="http://schemas.openxmlformats.org/drawingml/2006/main" xmlns:r="http://schemas.openxmlformats.org/officeDocument/2006/relationships" xmlns:p="http://schemas.openxmlformats.org/presentationml/2006/main" showMasterSp="1" showMasterPhAnim="1">
+<p:sld xmlns:a="http://schemas.openxmlformats.org/drawingml/2006/main" xmlns:r="http://schemas.openxmlformats.org/officeDocument/2006/relationships" xmlns:p="http://schemas.openxmlformats.org/presentationml/2006/main">
   <p:cSld>
     <p:spTree>
       <p:nvGrpSpPr>
@@ -8099,7 +8278,9 @@
       <p:sp>
         <p:nvSpPr>
           <p:cNvPr id="267" name="Shape 267"/>
-          <p:cNvSpPr/>
+          <p:cNvSpPr>
+            <a:spLocks noGrp="1"/>
+          </p:cNvSpPr>
           <p:nvPr>
             <p:ph type="title"/>
           </p:nvPr>
@@ -8113,8 +8294,8 @@
           <a:bodyPr/>
           <a:lstStyle/>
           <a:p>
-            <a:pPr/>
-            <a:r>
+            <a:r>
+              <a:rPr dirty="0"/>
               <a:t>Waterloo Strengths</a:t>
             </a:r>
           </a:p>
@@ -8123,7 +8304,9 @@
       <p:sp>
         <p:nvSpPr>
           <p:cNvPr id="268" name="Shape 268"/>
-          <p:cNvSpPr/>
+          <p:cNvSpPr>
+            <a:spLocks noGrp="1"/>
+          </p:cNvSpPr>
           <p:nvPr>
             <p:ph type="body" idx="1"/>
           </p:nvPr>
@@ -8144,28 +8327,31 @@
               <a:defRPr sz="2772"/>
             </a:pPr>
             <a:r>
+              <a:rPr dirty="0"/>
               <a:t>Policy 8 - Information Security</a:t>
             </a:r>
           </a:p>
           <a:p>
-            <a:pPr lvl="1" marL="684529" indent="-342264" defTabSz="449833">
+            <a:pPr marL="684529" lvl="1" indent="-342264" defTabSz="449833">
               <a:spcBef>
                 <a:spcPts val="3200"/>
               </a:spcBef>
               <a:defRPr sz="2772"/>
             </a:pPr>
             <a:r>
+              <a:rPr dirty="0"/>
               <a:t>Roles + Responsibilities (Steward  &gt;&gt;  Custodian  &gt;&gt;  User)</a:t>
             </a:r>
           </a:p>
           <a:p>
-            <a:pPr lvl="1" marL="684529" indent="-342264" defTabSz="449833">
+            <a:pPr marL="684529" lvl="1" indent="-342264" defTabSz="449833">
               <a:spcBef>
                 <a:spcPts val="3200"/>
               </a:spcBef>
               <a:defRPr sz="2772"/>
             </a:pPr>
             <a:r>
+              <a:rPr dirty="0"/>
               <a:t>Information Security Classifications</a:t>
             </a:r>
           </a:p>
@@ -8176,6 +8362,7 @@
               </a:spcBef>
               <a:defRPr sz="2772"/>
             </a:pPr>
+            <a:endParaRPr dirty="0"/>
           </a:p>
           <a:p>
             <a:pPr marL="342264" indent="-342264" defTabSz="449833">
@@ -8184,6 +8371,7 @@
               </a:spcBef>
               <a:defRPr sz="2772"/>
             </a:pPr>
+            <a:endParaRPr dirty="0"/>
           </a:p>
           <a:p>
             <a:pPr marL="342264" indent="-342264" defTabSz="449833">
@@ -8192,6 +8380,7 @@
               </a:spcBef>
               <a:defRPr sz="2772"/>
             </a:pPr>
+            <a:endParaRPr dirty="0"/>
           </a:p>
           <a:p>
             <a:pPr marL="342264" indent="-342264" defTabSz="449833">
@@ -8200,6 +8389,7 @@
               </a:spcBef>
               <a:defRPr sz="2772"/>
             </a:pPr>
+            <a:endParaRPr dirty="0"/>
           </a:p>
         </p:txBody>
       </p:sp>
@@ -8221,8 +8411,8 @@
         </p:blipFill>
         <p:spPr>
           <a:xfrm>
-            <a:off x="2501900" y="4870450"/>
-            <a:ext cx="7797800" cy="3962400"/>
+            <a:off x="2519829" y="5140771"/>
+            <a:ext cx="7628217" cy="3876228"/>
           </a:xfrm>
           <a:prstGeom prst="rect">
             <a:avLst/>
@@ -8262,7 +8452,7 @@
           <a:lstStyle>
             <a:lvl1pPr>
               <a:defRPr sz="1800" u="sng">
-                <a:hlinkClick r:id="rId3" invalidUrl="" action="" tgtFrame="" tooltip="" history="1" highlightClick="0" endSnd="0"/>
+                <a:hlinkClick r:id="rId3"/>
               </a:defRPr>
             </a:lvl1pPr>
           </a:lstStyle>
@@ -8272,7 +8462,7 @@
             </a:pPr>
             <a:r>
               <a:rPr u="sng">
-                <a:hlinkClick r:id="rId3" invalidUrl="" action="" tgtFrame="" tooltip="" history="1" highlightClick="0" endSnd="0"/>
+                <a:hlinkClick r:id="rId3"/>
               </a:rPr>
               <a:t>https://uwaterloo.ca/secretariat-general-counsel/policies-procedures-guidelines/policy-8</a:t>
             </a:r>
@@ -8284,12 +8474,12 @@
   <p:clrMapOvr>
     <a:masterClrMapping/>
   </p:clrMapOvr>
-  <p:transition xmlns:p14="http://schemas.microsoft.com/office/powerpoint/2010/main" spd="med" advClick="1" p14:dur="1000"/>
+  <p:transition spd="slow"/>
 </p:sld>
 </file>
 
 <file path=ppt/slides/slide33.xml><?xml version="1.0" encoding="utf-8"?>
-<p:sld xmlns:a="http://schemas.openxmlformats.org/drawingml/2006/main" xmlns:r="http://schemas.openxmlformats.org/officeDocument/2006/relationships" xmlns:p="http://schemas.openxmlformats.org/presentationml/2006/main" showMasterSp="1" showMasterPhAnim="1">
+<p:sld xmlns:a="http://schemas.openxmlformats.org/drawingml/2006/main" xmlns:r="http://schemas.openxmlformats.org/officeDocument/2006/relationships" xmlns:p="http://schemas.openxmlformats.org/presentationml/2006/main">
   <p:cSld>
     <p:spTree>
       <p:nvGrpSpPr>
@@ -8308,7 +8498,9 @@
       <p:sp>
         <p:nvSpPr>
           <p:cNvPr id="272" name="Shape 272"/>
-          <p:cNvSpPr/>
+          <p:cNvSpPr>
+            <a:spLocks noGrp="1"/>
+          </p:cNvSpPr>
           <p:nvPr>
             <p:ph type="title"/>
           </p:nvPr>
@@ -8322,7 +8514,6 @@
           <a:bodyPr/>
           <a:lstStyle/>
           <a:p>
-            <a:pPr/>
             <a:r>
               <a:t>Waterloo Strengths</a:t>
             </a:r>
@@ -8332,7 +8523,9 @@
       <p:sp>
         <p:nvSpPr>
           <p:cNvPr id="273" name="Shape 273"/>
-          <p:cNvSpPr/>
+          <p:cNvSpPr>
+            <a:spLocks noGrp="1"/>
+          </p:cNvSpPr>
           <p:nvPr>
             <p:ph type="body" idx="1"/>
           </p:nvPr>
@@ -8346,13 +8539,11 @@
           <a:bodyPr/>
           <a:lstStyle/>
           <a:p>
-            <a:pPr/>
             <a:r>
               <a:t>Decentralized</a:t>
             </a:r>
           </a:p>
           <a:p>
-            <a:pPr/>
             <a:r>
               <a:t>Federated Organization</a:t>
             </a:r>
@@ -8393,12 +8584,12 @@
   <p:clrMapOvr>
     <a:masterClrMapping/>
   </p:clrMapOvr>
-  <p:transition xmlns:p14="http://schemas.microsoft.com/office/powerpoint/2010/main" spd="med" advClick="1" p14:dur="1000"/>
+  <p:transition spd="slow"/>
 </p:sld>
 </file>
 
 <file path=ppt/slides/slide34.xml><?xml version="1.0" encoding="utf-8"?>
-<p:sld xmlns:a="http://schemas.openxmlformats.org/drawingml/2006/main" xmlns:r="http://schemas.openxmlformats.org/officeDocument/2006/relationships" xmlns:p="http://schemas.openxmlformats.org/presentationml/2006/main" showMasterSp="1" showMasterPhAnim="1">
+<p:sld xmlns:a="http://schemas.openxmlformats.org/drawingml/2006/main" xmlns:r="http://schemas.openxmlformats.org/officeDocument/2006/relationships" xmlns:p="http://schemas.openxmlformats.org/presentationml/2006/main">
   <p:cSld>
     <p:spTree>
       <p:nvGrpSpPr>
@@ -8417,7 +8608,9 @@
       <p:sp>
         <p:nvSpPr>
           <p:cNvPr id="276" name="Shape 276"/>
-          <p:cNvSpPr/>
+          <p:cNvSpPr>
+            <a:spLocks noGrp="1"/>
+          </p:cNvSpPr>
           <p:nvPr>
             <p:ph type="title"/>
           </p:nvPr>
@@ -8431,7 +8624,6 @@
           <a:bodyPr/>
           <a:lstStyle/>
           <a:p>
-            <a:pPr/>
             <a:r>
               <a:t>Waterloo Strengths</a:t>
             </a:r>
@@ -8441,7 +8633,9 @@
       <p:sp>
         <p:nvSpPr>
           <p:cNvPr id="277" name="Shape 277"/>
-          <p:cNvSpPr/>
+          <p:cNvSpPr>
+            <a:spLocks noGrp="1"/>
+          </p:cNvSpPr>
           <p:nvPr>
             <p:ph type="body" idx="1"/>
           </p:nvPr>
@@ -8455,7 +8649,6 @@
           <a:bodyPr/>
           <a:lstStyle/>
           <a:p>
-            <a:pPr/>
             <a:r>
               <a:t>Statement on Information Management</a:t>
             </a:r>
@@ -8479,12 +8672,12 @@
   <p:clrMapOvr>
     <a:masterClrMapping/>
   </p:clrMapOvr>
-  <p:transition xmlns:p14="http://schemas.microsoft.com/office/powerpoint/2010/main" spd="med" advClick="1" p14:dur="1000"/>
+  <p:transition spd="slow"/>
 </p:sld>
 </file>
 
 <file path=ppt/slides/slide35.xml><?xml version="1.0" encoding="utf-8"?>
-<p:sld xmlns:a="http://schemas.openxmlformats.org/drawingml/2006/main" xmlns:r="http://schemas.openxmlformats.org/officeDocument/2006/relationships" xmlns:p="http://schemas.openxmlformats.org/presentationml/2006/main" showMasterSp="1" showMasterPhAnim="1">
+<p:sld xmlns:a="http://schemas.openxmlformats.org/drawingml/2006/main" xmlns:r="http://schemas.openxmlformats.org/officeDocument/2006/relationships" xmlns:p="http://schemas.openxmlformats.org/presentationml/2006/main">
   <p:cSld>
     <p:spTree>
       <p:nvGrpSpPr>
@@ -8503,7 +8696,9 @@
       <p:sp>
         <p:nvSpPr>
           <p:cNvPr id="279" name="Shape 279"/>
-          <p:cNvSpPr/>
+          <p:cNvSpPr>
+            <a:spLocks noGrp="1"/>
+          </p:cNvSpPr>
           <p:nvPr>
             <p:ph type="title"/>
           </p:nvPr>
@@ -8517,7 +8712,6 @@
           <a:bodyPr/>
           <a:lstStyle/>
           <a:p>
-            <a:pPr/>
             <a:r>
               <a:t>Waterloo Strengths</a:t>
             </a:r>
@@ -8527,7 +8721,9 @@
       <p:sp>
         <p:nvSpPr>
           <p:cNvPr id="280" name="Shape 280"/>
-          <p:cNvSpPr/>
+          <p:cNvSpPr>
+            <a:spLocks noGrp="1"/>
+          </p:cNvSpPr>
           <p:nvPr>
             <p:ph type="body" idx="1"/>
           </p:nvPr>
@@ -8541,7 +8737,6 @@
           <a:bodyPr/>
           <a:lstStyle/>
           <a:p>
-            <a:pPr/>
             <a:r>
               <a:t>Open Data is well established and growing.</a:t>
             </a:r>
@@ -8550,19 +8745,17 @@
             <a:pPr lvl="1"/>
             <a:r>
               <a:rPr u="sng">
-                <a:hlinkClick r:id="rId2" invalidUrl="" action="" tgtFrame="" tooltip="" history="1" highlightClick="0" endSnd="0"/>
+                <a:hlinkClick r:id="rId2"/>
               </a:rPr>
               <a:t>https://api.uwaterloo.ca</a:t>
             </a:r>
           </a:p>
           <a:p>
-            <a:pPr/>
             <a:r>
               <a:t>Shift to Confidential Data is underway.</a:t>
             </a:r>
           </a:p>
           <a:p>
-            <a:pPr/>
             <a:r>
               <a:t>Moving up the 5-Star Data Model.</a:t>
             </a:r>
@@ -8574,12 +8767,12 @@
   <p:clrMapOvr>
     <a:masterClrMapping/>
   </p:clrMapOvr>
-  <p:transition xmlns:p14="http://schemas.microsoft.com/office/powerpoint/2010/main" spd="med" advClick="1" p14:dur="1000"/>
+  <p:transition spd="slow"/>
 </p:sld>
 </file>
 
 <file path=ppt/slides/slide36.xml><?xml version="1.0" encoding="utf-8"?>
-<p:sld xmlns:a="http://schemas.openxmlformats.org/drawingml/2006/main" xmlns:r="http://schemas.openxmlformats.org/officeDocument/2006/relationships" xmlns:p="http://schemas.openxmlformats.org/presentationml/2006/main" showMasterSp="1" showMasterPhAnim="1">
+<p:sld xmlns:a="http://schemas.openxmlformats.org/drawingml/2006/main" xmlns:r="http://schemas.openxmlformats.org/officeDocument/2006/relationships" xmlns:p="http://schemas.openxmlformats.org/presentationml/2006/main">
   <p:cSld>
     <p:spTree>
       <p:nvGrpSpPr>
@@ -8598,7 +8791,9 @@
       <p:sp>
         <p:nvSpPr>
           <p:cNvPr id="282" name="Shape 282"/>
-          <p:cNvSpPr/>
+          <p:cNvSpPr>
+            <a:spLocks noGrp="1"/>
+          </p:cNvSpPr>
           <p:nvPr>
             <p:ph type="title"/>
           </p:nvPr>
@@ -8612,7 +8807,6 @@
           <a:bodyPr/>
           <a:lstStyle/>
           <a:p>
-            <a:pPr/>
             <a:r>
               <a:t>Waterloo Weaknesses</a:t>
             </a:r>
@@ -8622,7 +8816,9 @@
       <p:sp>
         <p:nvSpPr>
           <p:cNvPr id="283" name="Shape 283"/>
-          <p:cNvSpPr/>
+          <p:cNvSpPr>
+            <a:spLocks noGrp="1"/>
+          </p:cNvSpPr>
           <p:nvPr>
             <p:ph type="body" idx="1"/>
           </p:nvPr>
@@ -8658,7 +8854,7 @@
             </a:r>
           </a:p>
           <a:p>
-            <a:pPr lvl="1" marL="773430" indent="-386715" defTabSz="508254">
+            <a:pPr marL="773430" lvl="1" indent="-386715" defTabSz="508254">
               <a:spcBef>
                 <a:spcPts val="3600"/>
               </a:spcBef>
@@ -8669,7 +8865,7 @@
             </a:r>
           </a:p>
           <a:p>
-            <a:pPr lvl="1" marL="773430" indent="-386715" defTabSz="508254">
+            <a:pPr marL="773430" lvl="1" indent="-386715" defTabSz="508254">
               <a:spcBef>
                 <a:spcPts val="3600"/>
               </a:spcBef>
@@ -8680,7 +8876,7 @@
             </a:r>
           </a:p>
           <a:p>
-            <a:pPr lvl="1" marL="773430" indent="-386715" defTabSz="508254">
+            <a:pPr marL="773430" lvl="1" indent="-386715" defTabSz="508254">
               <a:spcBef>
                 <a:spcPts val="3600"/>
               </a:spcBef>
@@ -8691,7 +8887,7 @@
             </a:r>
           </a:p>
           <a:p>
-            <a:pPr lvl="1" marL="773430" indent="-386715" defTabSz="508254">
+            <a:pPr marL="773430" lvl="1" indent="-386715" defTabSz="508254">
               <a:spcBef>
                 <a:spcPts val="3600"/>
               </a:spcBef>
@@ -8702,7 +8898,7 @@
             </a:r>
           </a:p>
           <a:p>
-            <a:pPr lvl="1" marL="773430" indent="-386715" defTabSz="508254">
+            <a:pPr marL="773430" lvl="1" indent="-386715" defTabSz="508254">
               <a:spcBef>
                 <a:spcPts val="3600"/>
               </a:spcBef>
@@ -8719,12 +8915,12 @@
   <p:clrMapOvr>
     <a:masterClrMapping/>
   </p:clrMapOvr>
-  <p:transition xmlns:p14="http://schemas.microsoft.com/office/powerpoint/2010/main" spd="med" advClick="1" p14:dur="1000"/>
+  <p:transition spd="slow"/>
 </p:sld>
 </file>
 
 <file path=ppt/slides/slide37.xml><?xml version="1.0" encoding="utf-8"?>
-<p:sld xmlns:a="http://schemas.openxmlformats.org/drawingml/2006/main" xmlns:r="http://schemas.openxmlformats.org/officeDocument/2006/relationships" xmlns:p="http://schemas.openxmlformats.org/presentationml/2006/main" showMasterSp="1" showMasterPhAnim="1">
+<p:sld xmlns:a="http://schemas.openxmlformats.org/drawingml/2006/main" xmlns:r="http://schemas.openxmlformats.org/officeDocument/2006/relationships" xmlns:p="http://schemas.openxmlformats.org/presentationml/2006/main">
   <p:cSld>
     <p:spTree>
       <p:nvGrpSpPr>
@@ -8743,7 +8939,9 @@
       <p:sp>
         <p:nvSpPr>
           <p:cNvPr id="285" name="Shape 285"/>
-          <p:cNvSpPr/>
+          <p:cNvSpPr>
+            <a:spLocks noGrp="1"/>
+          </p:cNvSpPr>
           <p:nvPr>
             <p:ph type="title"/>
           </p:nvPr>
@@ -8757,7 +8955,6 @@
           <a:bodyPr/>
           <a:lstStyle/>
           <a:p>
-            <a:pPr/>
             <a:r>
               <a:t>Waterloo Weaknesses</a:t>
             </a:r>
@@ -8767,7 +8964,9 @@
       <p:sp>
         <p:nvSpPr>
           <p:cNvPr id="286" name="Shape 286"/>
-          <p:cNvSpPr/>
+          <p:cNvSpPr>
+            <a:spLocks noGrp="1"/>
+          </p:cNvSpPr>
           <p:nvPr>
             <p:ph type="body" idx="1"/>
           </p:nvPr>
@@ -8781,13 +8980,11 @@
           <a:bodyPr/>
           <a:lstStyle/>
           <a:p>
-            <a:pPr/>
             <a:r>
               <a:t>Decentralized</a:t>
             </a:r>
           </a:p>
           <a:p>
-            <a:pPr/>
             <a:r>
               <a:t>Federated Organization</a:t>
             </a:r>
@@ -8828,12 +9025,12 @@
   <p:clrMapOvr>
     <a:masterClrMapping/>
   </p:clrMapOvr>
-  <p:transition xmlns:p14="http://schemas.microsoft.com/office/powerpoint/2010/main" spd="med" advClick="1" p14:dur="1000"/>
+  <p:transition spd="slow"/>
 </p:sld>
 </file>
 
 <file path=ppt/slides/slide38.xml><?xml version="1.0" encoding="utf-8"?>
-<p:sld xmlns:a="http://schemas.openxmlformats.org/drawingml/2006/main" xmlns:r="http://schemas.openxmlformats.org/officeDocument/2006/relationships" xmlns:p="http://schemas.openxmlformats.org/presentationml/2006/main" showMasterSp="1" showMasterPhAnim="1">
+<p:sld xmlns:a="http://schemas.openxmlformats.org/drawingml/2006/main" xmlns:r="http://schemas.openxmlformats.org/officeDocument/2006/relationships" xmlns:p="http://schemas.openxmlformats.org/presentationml/2006/main">
   <p:cSld>
     <p:spTree>
       <p:nvGrpSpPr>
@@ -8852,7 +9049,9 @@
       <p:sp>
         <p:nvSpPr>
           <p:cNvPr id="289" name="Shape 289"/>
-          <p:cNvSpPr/>
+          <p:cNvSpPr>
+            <a:spLocks noGrp="1"/>
+          </p:cNvSpPr>
           <p:nvPr>
             <p:ph type="title"/>
           </p:nvPr>
@@ -8866,7 +9065,6 @@
           <a:bodyPr/>
           <a:lstStyle/>
           <a:p>
-            <a:pPr/>
             <a:r>
               <a:t>Waterloo Opportunities</a:t>
             </a:r>
@@ -8876,7 +9074,9 @@
       <p:sp>
         <p:nvSpPr>
           <p:cNvPr id="290" name="Shape 290"/>
-          <p:cNvSpPr/>
+          <p:cNvSpPr>
+            <a:spLocks noGrp="1"/>
+          </p:cNvSpPr>
           <p:nvPr>
             <p:ph type="body" idx="1"/>
           </p:nvPr>
@@ -8890,13 +9090,12 @@
           <a:bodyPr/>
           <a:lstStyle/>
           <a:p>
-            <a:pPr/>
             <a:r>
               <a:t>EDM Council (</a:t>
             </a:r>
             <a:r>
               <a:rPr u="sng">
-                <a:hlinkClick r:id="rId2" invalidUrl="" action="" tgtFrame="" tooltip="" history="1" highlightClick="0" endSnd="0"/>
+                <a:hlinkClick r:id="rId2"/>
               </a:rPr>
               <a:t>http://edmcouncil.org</a:t>
             </a:r>
@@ -8956,7 +9155,7 @@
       <p:pic>
         <p:nvPicPr>
           <p:cNvPr id="292" name="pasted-image.png">
-            <a:hlinkClick r:id="rId2" invalidUrl="" action="" tgtFrame="" tooltip="" history="1" highlightClick="0" endSnd="0"/>
+            <a:hlinkClick r:id="rId2"/>
           </p:cNvPr>
           <p:cNvPicPr>
             <a:picLocks noChangeAspect="1"/>
@@ -8989,12 +9188,12 @@
   <p:clrMapOvr>
     <a:masterClrMapping/>
   </p:clrMapOvr>
-  <p:transition xmlns:p14="http://schemas.microsoft.com/office/powerpoint/2010/main" spd="med" advClick="1" p14:dur="1000"/>
+  <p:transition spd="slow"/>
 </p:sld>
 </file>
 
 <file path=ppt/slides/slide39.xml><?xml version="1.0" encoding="utf-8"?>
-<p:sld xmlns:a="http://schemas.openxmlformats.org/drawingml/2006/main" xmlns:r="http://schemas.openxmlformats.org/officeDocument/2006/relationships" xmlns:p="http://schemas.openxmlformats.org/presentationml/2006/main" showMasterSp="1" showMasterPhAnim="1">
+<p:sld xmlns:a="http://schemas.openxmlformats.org/drawingml/2006/main" xmlns:r="http://schemas.openxmlformats.org/officeDocument/2006/relationships" xmlns:p="http://schemas.openxmlformats.org/presentationml/2006/main">
   <p:cSld>
     <p:spTree>
       <p:nvGrpSpPr>
@@ -9042,7 +9241,9 @@
       <p:sp>
         <p:nvSpPr>
           <p:cNvPr id="295" name="Shape 295"/>
-          <p:cNvSpPr/>
+          <p:cNvSpPr>
+            <a:spLocks noGrp="1"/>
+          </p:cNvSpPr>
           <p:nvPr>
             <p:ph type="title"/>
           </p:nvPr>
@@ -9056,7 +9257,6 @@
           <a:bodyPr/>
           <a:lstStyle/>
           <a:p>
-            <a:pPr/>
             <a:r>
               <a:t>Waterloo Opportunities</a:t>
             </a:r>
@@ -9095,7 +9295,7 @@
       <p:pic>
         <p:nvPicPr>
           <p:cNvPr id="297" name="pasted-image.png">
-            <a:hlinkClick r:id="rId4" invalidUrl="" action="" tgtFrame="" tooltip="" history="1" highlightClick="0" endSnd="0"/>
+            <a:hlinkClick r:id="rId4"/>
           </p:cNvPr>
           <p:cNvPicPr>
             <a:picLocks noChangeAspect="1"/>
@@ -9128,12 +9328,12 @@
   <p:clrMapOvr>
     <a:masterClrMapping/>
   </p:clrMapOvr>
-  <p:transition xmlns:p14="http://schemas.microsoft.com/office/powerpoint/2010/main" spd="med" advClick="1" p14:dur="1000"/>
+  <p:transition spd="slow"/>
 </p:sld>
 </file>
 
 <file path=ppt/slides/slide4.xml><?xml version="1.0" encoding="utf-8"?>
-<p:sld xmlns:a="http://schemas.openxmlformats.org/drawingml/2006/main" xmlns:r="http://schemas.openxmlformats.org/officeDocument/2006/relationships" xmlns:p="http://schemas.openxmlformats.org/presentationml/2006/main" showMasterSp="1" showMasterPhAnim="1">
+<p:sld xmlns:a="http://schemas.openxmlformats.org/drawingml/2006/main" xmlns:r="http://schemas.openxmlformats.org/officeDocument/2006/relationships" xmlns:p="http://schemas.openxmlformats.org/presentationml/2006/main">
   <p:cSld>
     <p:spTree>
       <p:nvGrpSpPr>
@@ -9152,7 +9352,9 @@
       <p:sp>
         <p:nvSpPr>
           <p:cNvPr id="129" name="Shape 129"/>
-          <p:cNvSpPr/>
+          <p:cNvSpPr>
+            <a:spLocks noGrp="1"/>
+          </p:cNvSpPr>
           <p:nvPr>
             <p:ph type="title"/>
           </p:nvPr>
@@ -9166,7 +9368,6 @@
           <a:bodyPr/>
           <a:lstStyle/>
           <a:p>
-            <a:pPr/>
             <a:r>
               <a:t>Privacy 101</a:t>
             </a:r>
@@ -9176,7 +9377,9 @@
       <p:sp>
         <p:nvSpPr>
           <p:cNvPr id="130" name="Shape 130"/>
-          <p:cNvSpPr/>
+          <p:cNvSpPr>
+            <a:spLocks noGrp="1"/>
+          </p:cNvSpPr>
           <p:nvPr>
             <p:ph type="body" idx="1"/>
           </p:nvPr>
@@ -9190,25 +9393,21 @@
           <a:bodyPr/>
           <a:lstStyle/>
           <a:p>
-            <a:pPr/>
             <a:r>
               <a:t>Information Privacy is the right of an individual to exercise control over the collection, use, disclosure and retention of his or her personal information, including his or her student records. </a:t>
             </a:r>
           </a:p>
           <a:p>
-            <a:pPr/>
             <a:r>
               <a:t>It is a legal matter.</a:t>
             </a:r>
           </a:p>
           <a:p>
-            <a:pPr/>
             <a:r>
               <a:t>It is not an IT matter.</a:t>
             </a:r>
           </a:p>
           <a:p>
-            <a:pPr/>
             <a:r>
               <a:t>Privacy ≠ Secrecy</a:t>
             </a:r>
@@ -9249,12 +9448,12 @@
   <p:clrMapOvr>
     <a:masterClrMapping/>
   </p:clrMapOvr>
-  <p:transition xmlns:p14="http://schemas.microsoft.com/office/powerpoint/2010/main" spd="med" advClick="1" p14:dur="1000"/>
+  <p:transition spd="slow"/>
 </p:sld>
 </file>
 
 <file path=ppt/slides/slide40.xml><?xml version="1.0" encoding="utf-8"?>
-<p:sld xmlns:a="http://schemas.openxmlformats.org/drawingml/2006/main" xmlns:r="http://schemas.openxmlformats.org/officeDocument/2006/relationships" xmlns:p="http://schemas.openxmlformats.org/presentationml/2006/main" showMasterSp="1" showMasterPhAnim="1">
+<p:sld xmlns:a="http://schemas.openxmlformats.org/drawingml/2006/main" xmlns:r="http://schemas.openxmlformats.org/officeDocument/2006/relationships" xmlns:p="http://schemas.openxmlformats.org/presentationml/2006/main">
   <p:cSld>
     <p:spTree>
       <p:nvGrpSpPr>
@@ -9273,7 +9472,9 @@
       <p:sp>
         <p:nvSpPr>
           <p:cNvPr id="299" name="Shape 299"/>
-          <p:cNvSpPr/>
+          <p:cNvSpPr>
+            <a:spLocks noGrp="1"/>
+          </p:cNvSpPr>
           <p:nvPr>
             <p:ph type="title"/>
           </p:nvPr>
@@ -9287,7 +9488,6 @@
           <a:bodyPr/>
           <a:lstStyle/>
           <a:p>
-            <a:pPr/>
             <a:r>
               <a:t>Waterloo Opportunities</a:t>
             </a:r>
@@ -9297,7 +9497,9 @@
       <p:sp>
         <p:nvSpPr>
           <p:cNvPr id="300" name="Shape 300"/>
-          <p:cNvSpPr/>
+          <p:cNvSpPr>
+            <a:spLocks noGrp="1"/>
+          </p:cNvSpPr>
           <p:nvPr>
             <p:ph type="body" idx="1"/>
           </p:nvPr>
@@ -9311,35 +9513,76 @@
           <a:bodyPr/>
           <a:lstStyle/>
           <a:p>
-            <a:pPr/>
-            <a:r>
+            <a:r>
+              <a:rPr dirty="0"/>
               <a:t>Learning from EDM Council (</a:t>
             </a:r>
             <a:r>
-              <a:rPr u="sng">
-                <a:hlinkClick r:id="rId2" invalidUrl="" action="" tgtFrame="" tooltip="" history="1" highlightClick="0" endSnd="0"/>
+              <a:rPr u="sng" dirty="0">
+                <a:hlinkClick r:id="rId2"/>
               </a:rPr>
               <a:t>http://edmcouncil.org</a:t>
             </a:r>
             <a:r>
+              <a:rPr dirty="0"/>
               <a:t>)</a:t>
             </a:r>
           </a:p>
           <a:p>
             <a:pPr lvl="1"/>
             <a:r>
-              <a:t>“Big Data” data quality and integration problems are being solved with Web 3.0 “Semantic Web” technologies.</a:t>
+              <a:rPr lang="en-US" dirty="0"/>
+              <a:t>D</a:t>
+            </a:r>
+            <a:r>
+              <a:rPr dirty="0" smtClean="0"/>
+              <a:t>ata</a:t>
+            </a:r>
+            <a:r>
+              <a:rPr lang="en-US" dirty="0" smtClean="0"/>
+              <a:t> meaning,</a:t>
+            </a:r>
+            <a:r>
+              <a:rPr dirty="0" smtClean="0"/>
+              <a:t> quality</a:t>
+            </a:r>
+            <a:r>
+              <a:rPr lang="en-US" dirty="0" smtClean="0"/>
+              <a:t>,</a:t>
+            </a:r>
+            <a:r>
+              <a:rPr dirty="0" smtClean="0"/>
+              <a:t> </a:t>
+            </a:r>
+            <a:r>
+              <a:rPr dirty="0"/>
+              <a:t>and integration </a:t>
+            </a:r>
+            <a:r>
+              <a:rPr lang="en-US" dirty="0" smtClean="0"/>
+              <a:t>issues</a:t>
+            </a:r>
+            <a:r>
+              <a:rPr dirty="0" smtClean="0"/>
+              <a:t> </a:t>
+            </a:r>
+            <a:r>
+              <a:rPr dirty="0"/>
+              <a:t>are being solved with Web 3.0 “Semantic Web” technologies.</a:t>
             </a:r>
           </a:p>
           <a:p>
             <a:pPr lvl="1"/>
+            <a:endParaRPr dirty="0"/>
           </a:p>
           <a:p>
             <a:pPr lvl="1"/>
+            <a:endParaRPr dirty="0"/>
           </a:p>
           <a:p>
             <a:pPr lvl="1"/>
             <a:r>
+              <a:rPr dirty="0"/>
               <a:t>d</a:t>
             </a:r>
           </a:p>
@@ -9377,7 +9620,7 @@
       <p:pic>
         <p:nvPicPr>
           <p:cNvPr id="302" name="pasted-image.png">
-            <a:hlinkClick r:id="rId2" invalidUrl="" action="" tgtFrame="" tooltip="" history="1" highlightClick="0" endSnd="0"/>
+            <a:hlinkClick r:id="rId2"/>
           </p:cNvPr>
           <p:cNvPicPr>
             <a:picLocks noChangeAspect="1"/>
@@ -9492,6 +9735,7 @@
             <a:pPr>
               <a:defRPr sz="2400"/>
             </a:pPr>
+            <a:endParaRPr/>
           </a:p>
         </p:txBody>
       </p:sp>
@@ -9523,14 +9767,15 @@
             <a:pPr>
               <a:defRPr sz="2400"/>
             </a:pPr>
+            <a:endParaRPr/>
           </a:p>
         </p:txBody>
       </p:sp>
       <p:pic>
         <p:nvPicPr>
-          <p:cNvPr id="307" name=""/>
+          <p:cNvPr id="307" name="Picture 306"/>
           <p:cNvPicPr>
-            <a:picLocks noChangeAspect="0"/>
+            <a:picLocks/>
           </p:cNvPicPr>
           <p:nvPr/>
         </p:nvPicPr>
@@ -9557,12 +9802,12 @@
   <p:clrMapOvr>
     <a:masterClrMapping/>
   </p:clrMapOvr>
-  <p:transition xmlns:p14="http://schemas.microsoft.com/office/powerpoint/2010/main" spd="med" advClick="1" p14:dur="1000"/>
+  <p:transition spd="slow"/>
 </p:sld>
 </file>
 
 <file path=ppt/slides/slide41.xml><?xml version="1.0" encoding="utf-8"?>
-<p:sld xmlns:a="http://schemas.openxmlformats.org/drawingml/2006/main" xmlns:r="http://schemas.openxmlformats.org/officeDocument/2006/relationships" xmlns:p="http://schemas.openxmlformats.org/presentationml/2006/main" showMasterSp="1" showMasterPhAnim="1">
+<p:sld xmlns:a="http://schemas.openxmlformats.org/drawingml/2006/main" xmlns:r="http://schemas.openxmlformats.org/officeDocument/2006/relationships" xmlns:p="http://schemas.openxmlformats.org/presentationml/2006/main">
   <p:cSld>
     <p:spTree>
       <p:nvGrpSpPr>
@@ -9581,7 +9826,9 @@
       <p:sp>
         <p:nvSpPr>
           <p:cNvPr id="310" name="Shape 310"/>
-          <p:cNvSpPr/>
+          <p:cNvSpPr>
+            <a:spLocks noGrp="1"/>
+          </p:cNvSpPr>
           <p:nvPr>
             <p:ph type="title"/>
           </p:nvPr>
@@ -9595,8 +9842,8 @@
           <a:bodyPr/>
           <a:lstStyle/>
           <a:p>
-            <a:pPr/>
-            <a:r>
+            <a:r>
+              <a:rPr dirty="0"/>
               <a:t>Waterloo Opportunities</a:t>
             </a:r>
           </a:p>
@@ -9605,7 +9852,9 @@
       <p:sp>
         <p:nvSpPr>
           <p:cNvPr id="311" name="Shape 311"/>
-          <p:cNvSpPr/>
+          <p:cNvSpPr>
+            <a:spLocks noGrp="1"/>
+          </p:cNvSpPr>
           <p:nvPr>
             <p:ph type="body" idx="1"/>
           </p:nvPr>
@@ -9626,6 +9875,7 @@
               <a:defRPr sz="3420"/>
             </a:pPr>
             <a:r>
+              <a:rPr dirty="0"/>
               <a:t>Innovation in the decentralized areas brings multiple tools onto campus.</a:t>
             </a:r>
           </a:p>
@@ -9636,6 +9886,7 @@
               </a:spcBef>
               <a:defRPr sz="3420"/>
             </a:pPr>
+            <a:endParaRPr dirty="0"/>
           </a:p>
           <a:p>
             <a:pPr marL="422275" indent="-422275" defTabSz="554990">
@@ -9644,6 +9895,7 @@
               </a:spcBef>
               <a:defRPr sz="3420"/>
             </a:pPr>
+            <a:endParaRPr dirty="0"/>
           </a:p>
           <a:p>
             <a:pPr marL="422275" indent="-422275" defTabSz="554990">
@@ -9652,6 +9904,7 @@
               </a:spcBef>
               <a:defRPr sz="3420"/>
             </a:pPr>
+            <a:endParaRPr dirty="0"/>
           </a:p>
           <a:p>
             <a:pPr marL="422275" indent="-422275" defTabSz="554990">
@@ -9660,6 +9913,7 @@
               </a:spcBef>
               <a:defRPr sz="3420"/>
             </a:pPr>
+            <a:endParaRPr dirty="0"/>
           </a:p>
         </p:txBody>
       </p:sp>
@@ -9739,7 +9993,7 @@
         </p:blipFill>
         <p:spPr>
           <a:xfrm>
-            <a:off x="1427261" y="4013200"/>
+            <a:off x="1427261" y="4177729"/>
             <a:ext cx="4626075" cy="2590602"/>
           </a:xfrm>
           <a:prstGeom prst="rect">
@@ -9813,12 +10067,12 @@
   <p:clrMapOvr>
     <a:masterClrMapping/>
   </p:clrMapOvr>
-  <p:transition xmlns:p14="http://schemas.microsoft.com/office/powerpoint/2010/main" spd="med" advClick="1" p14:dur="1000"/>
+  <p:transition spd="slow"/>
 </p:sld>
 </file>
 
 <file path=ppt/slides/slide42.xml><?xml version="1.0" encoding="utf-8"?>
-<p:sld xmlns:a="http://schemas.openxmlformats.org/drawingml/2006/main" xmlns:r="http://schemas.openxmlformats.org/officeDocument/2006/relationships" xmlns:p="http://schemas.openxmlformats.org/presentationml/2006/main" showMasterSp="1" showMasterPhAnim="1">
+<p:sld xmlns:a="http://schemas.openxmlformats.org/drawingml/2006/main" xmlns:r="http://schemas.openxmlformats.org/officeDocument/2006/relationships" xmlns:p="http://schemas.openxmlformats.org/presentationml/2006/main">
   <p:cSld>
     <p:spTree>
       <p:nvGrpSpPr>
@@ -9837,7 +10091,9 @@
       <p:sp>
         <p:nvSpPr>
           <p:cNvPr id="318" name="Shape 318"/>
-          <p:cNvSpPr/>
+          <p:cNvSpPr>
+            <a:spLocks noGrp="1"/>
+          </p:cNvSpPr>
           <p:nvPr>
             <p:ph type="title"/>
           </p:nvPr>
@@ -9851,7 +10107,6 @@
           <a:bodyPr/>
           <a:lstStyle/>
           <a:p>
-            <a:pPr/>
             <a:r>
               <a:t>Waterloo Threats</a:t>
             </a:r>
@@ -9861,7 +10116,9 @@
       <p:sp>
         <p:nvSpPr>
           <p:cNvPr id="319" name="Shape 319"/>
-          <p:cNvSpPr/>
+          <p:cNvSpPr>
+            <a:spLocks noGrp="1"/>
+          </p:cNvSpPr>
           <p:nvPr>
             <p:ph type="body" idx="1"/>
           </p:nvPr>
@@ -9872,35 +10129,64 @@
           </a:prstGeom>
         </p:spPr>
         <p:txBody>
-          <a:bodyPr/>
+          <a:bodyPr>
+            <a:normAutofit lnSpcReduction="10000"/>
+          </a:bodyPr>
           <a:lstStyle/>
           <a:p>
-            <a:pPr/>
-            <a:r>
+            <a:r>
+              <a:rPr dirty="0"/>
               <a:t>Multiple tools in distributed use lead to non-standard results.</a:t>
             </a:r>
           </a:p>
           <a:p>
             <a:pPr lvl="1"/>
             <a:r>
+              <a:rPr dirty="0"/>
               <a:t>NEED: Accepted and shared data warehousing.</a:t>
             </a:r>
           </a:p>
           <a:p>
             <a:pPr lvl="1"/>
             <a:r>
-              <a:t>NEED: Documented metadata + taxonomies.</a:t>
-            </a:r>
-          </a:p>
-          <a:p>
-            <a:pPr/>
-            <a:r>
+              <a:rPr dirty="0"/>
+              <a:t>NEED: </a:t>
+            </a:r>
+            <a:r>
+              <a:rPr dirty="0" smtClean="0"/>
+              <a:t>Documented</a:t>
+            </a:r>
+            <a:r>
+              <a:rPr lang="en-US" dirty="0" smtClean="0"/>
+              <a:t> meaning,</a:t>
+            </a:r>
+            <a:r>
+              <a:rPr dirty="0" smtClean="0"/>
+              <a:t> </a:t>
+            </a:r>
+            <a:r>
+              <a:rPr dirty="0"/>
+              <a:t>metadata + taxonomies</a:t>
+            </a:r>
+            <a:r>
+              <a:rPr dirty="0" smtClean="0"/>
+              <a:t>.</a:t>
+            </a:r>
+            <a:r>
+              <a:rPr lang="en-US" dirty="0" smtClean="0"/>
+              <a:t>  (ontology?)</a:t>
+            </a:r>
+            <a:endParaRPr dirty="0"/>
+          </a:p>
+          <a:p>
+            <a:r>
+              <a:rPr dirty="0"/>
               <a:t>More often than not data is ‘copied’ into local spreadsheets.  “It’s easier.”</a:t>
             </a:r>
           </a:p>
           <a:p>
-            <a:pPr/>
-            <a:r>
+            <a:r>
+              <a:rPr dirty="0"/>
               <a:t>We need rock solid data to make decisions.</a:t>
             </a:r>
           </a:p>
@@ -9911,12 +10197,12 @@
   <p:clrMapOvr>
     <a:masterClrMapping/>
   </p:clrMapOvr>
-  <p:transition xmlns:p14="http://schemas.microsoft.com/office/powerpoint/2010/main" spd="med" advClick="1" p14:dur="1000"/>
+  <p:transition spd="slow"/>
 </p:sld>
 </file>
 
 <file path=ppt/slides/slide43.xml><?xml version="1.0" encoding="utf-8"?>
-<p:sld xmlns:a="http://schemas.openxmlformats.org/drawingml/2006/main" xmlns:r="http://schemas.openxmlformats.org/officeDocument/2006/relationships" xmlns:p="http://schemas.openxmlformats.org/presentationml/2006/main" showMasterSp="1" showMasterPhAnim="1">
+<p:sld xmlns:a="http://schemas.openxmlformats.org/drawingml/2006/main" xmlns:r="http://schemas.openxmlformats.org/officeDocument/2006/relationships" xmlns:p="http://schemas.openxmlformats.org/presentationml/2006/main">
   <p:cSld>
     <p:spTree>
       <p:nvGrpSpPr>
@@ -9935,7 +10221,9 @@
       <p:sp>
         <p:nvSpPr>
           <p:cNvPr id="321" name="Shape 321"/>
-          <p:cNvSpPr/>
+          <p:cNvSpPr>
+            <a:spLocks noGrp="1"/>
+          </p:cNvSpPr>
           <p:nvPr>
             <p:ph type="title"/>
           </p:nvPr>
@@ -9949,7 +10237,6 @@
           <a:bodyPr/>
           <a:lstStyle/>
           <a:p>
-            <a:pPr/>
             <a:r>
               <a:t>Questions + Answers</a:t>
             </a:r>
@@ -9959,7 +10246,9 @@
       <p:sp>
         <p:nvSpPr>
           <p:cNvPr id="322" name="Shape 322"/>
-          <p:cNvSpPr/>
+          <p:cNvSpPr>
+            <a:spLocks noGrp="1"/>
+          </p:cNvSpPr>
           <p:nvPr>
             <p:ph type="body" idx="1"/>
           </p:nvPr>
@@ -9973,7 +10262,6 @@
           <a:bodyPr/>
           <a:lstStyle/>
           <a:p>
-            <a:pPr/>
             <a:r>
               <a:t>Or comments… how do your organizations deal with data management?</a:t>
             </a:r>
@@ -9985,12 +10273,12 @@
   <p:clrMapOvr>
     <a:masterClrMapping/>
   </p:clrMapOvr>
-  <p:transition xmlns:p14="http://schemas.microsoft.com/office/powerpoint/2010/main" spd="med" advClick="1" p14:dur="1000"/>
+  <p:transition spd="slow"/>
 </p:sld>
 </file>
 
 <file path=ppt/slides/slide44.xml><?xml version="1.0" encoding="utf-8"?>
-<p:sld xmlns:a="http://schemas.openxmlformats.org/drawingml/2006/main" xmlns:r="http://schemas.openxmlformats.org/officeDocument/2006/relationships" xmlns:p="http://schemas.openxmlformats.org/presentationml/2006/main" showMasterSp="1" showMasterPhAnim="1">
+<p:sld xmlns:a="http://schemas.openxmlformats.org/drawingml/2006/main" xmlns:r="http://schemas.openxmlformats.org/officeDocument/2006/relationships" xmlns:p="http://schemas.openxmlformats.org/presentationml/2006/main">
   <p:cSld>
     <p:spTree>
       <p:nvGrpSpPr>
@@ -10009,7 +10297,9 @@
       <p:sp>
         <p:nvSpPr>
           <p:cNvPr id="324" name="Shape 324"/>
-          <p:cNvSpPr/>
+          <p:cNvSpPr>
+            <a:spLocks noGrp="1"/>
+          </p:cNvSpPr>
           <p:nvPr>
             <p:ph type="title"/>
           </p:nvPr>
@@ -10023,7 +10313,6 @@
           <a:bodyPr/>
           <a:lstStyle/>
           <a:p>
-            <a:pPr/>
             <a:r>
               <a:t>Thank you!</a:t>
             </a:r>
@@ -10035,12 +10324,12 @@
   <p:clrMapOvr>
     <a:masterClrMapping/>
   </p:clrMapOvr>
-  <p:transition xmlns:p14="http://schemas.microsoft.com/office/powerpoint/2010/main" spd="med" advClick="1" p14:dur="1000"/>
+  <p:transition spd="slow"/>
 </p:sld>
 </file>
 
 <file path=ppt/slides/slide45.xml><?xml version="1.0" encoding="utf-8"?>
-<p:sld xmlns:a="http://schemas.openxmlformats.org/drawingml/2006/main" xmlns:r="http://schemas.openxmlformats.org/officeDocument/2006/relationships" xmlns:p="http://schemas.openxmlformats.org/presentationml/2006/main" showMasterSp="1" showMasterPhAnim="1">
+<p:sld xmlns:a="http://schemas.openxmlformats.org/drawingml/2006/main" xmlns:r="http://schemas.openxmlformats.org/officeDocument/2006/relationships" xmlns:p="http://schemas.openxmlformats.org/presentationml/2006/main">
   <p:cSld>
     <p:spTree>
       <p:nvGrpSpPr>
@@ -10059,7 +10348,9 @@
       <p:sp>
         <p:nvSpPr>
           <p:cNvPr id="326" name="Shape 326"/>
-          <p:cNvSpPr/>
+          <p:cNvSpPr>
+            <a:spLocks noGrp="1"/>
+          </p:cNvSpPr>
           <p:nvPr>
             <p:ph type="title"/>
           </p:nvPr>
@@ -10124,12 +10415,12 @@
   <p:clrMapOvr>
     <a:masterClrMapping/>
   </p:clrMapOvr>
-  <p:transition xmlns:p14="http://schemas.microsoft.com/office/powerpoint/2010/main" spd="med" advClick="1" p14:dur="1000"/>
+  <p:transition spd="slow"/>
 </p:sld>
 </file>
 
 <file path=ppt/slides/slide5.xml><?xml version="1.0" encoding="utf-8"?>
-<p:sld xmlns:a="http://schemas.openxmlformats.org/drawingml/2006/main" xmlns:r="http://schemas.openxmlformats.org/officeDocument/2006/relationships" xmlns:p="http://schemas.openxmlformats.org/presentationml/2006/main" showMasterSp="1" showMasterPhAnim="1">
+<p:sld xmlns:a="http://schemas.openxmlformats.org/drawingml/2006/main" xmlns:r="http://schemas.openxmlformats.org/officeDocument/2006/relationships" xmlns:p="http://schemas.openxmlformats.org/presentationml/2006/main">
   <p:cSld>
     <p:spTree>
       <p:nvGrpSpPr>
@@ -10148,7 +10439,9 @@
       <p:sp>
         <p:nvSpPr>
           <p:cNvPr id="133" name="Shape 133"/>
-          <p:cNvSpPr/>
+          <p:cNvSpPr>
+            <a:spLocks noGrp="1"/>
+          </p:cNvSpPr>
           <p:nvPr>
             <p:ph type="title"/>
           </p:nvPr>
@@ -10162,7 +10455,6 @@
           <a:bodyPr/>
           <a:lstStyle/>
           <a:p>
-            <a:pPr/>
             <a:r>
               <a:t>Privacy Principles</a:t>
             </a:r>
@@ -10206,12 +10498,12 @@
         </p:nvGraphicFramePr>
         <p:xfrm>
           <a:off x="3058554" y="2633389"/>
-          <a:ext cx="6887692" cy="6239422"/>
+          <a:ext cx="6887690" cy="6239420"/>
         </p:xfrm>
-        <a:graphic xmlns:a="http://schemas.openxmlformats.org/drawingml/2006/main">
+        <a:graphic>
           <a:graphicData uri="http://schemas.openxmlformats.org/drawingml/2006/table">
             <a:tbl>
-              <a:tblPr firstCol="0" firstRow="0" lastCol="0" lastRow="0" bandCol="0" bandRow="1" rtl="0">
+              <a:tblPr bandRow="1">
                 <a:tableStyleId>{4C3C2611-4C71-4FC5-86AE-919BDF0F9419}</a:tableStyleId>
               </a:tblPr>
               <a:tblGrid>
@@ -10226,7 +10518,7 @@
                     <a:p>
                       <a:pPr defTabSz="914400"/>
                       <a:r>
-                        <a:rPr b="1" sz="2000">
+                        <a:rPr sz="2000" b="1">
                           <a:latin typeface="Arial"/>
                           <a:ea typeface="Arial"/>
                           <a:cs typeface="Arial"/>
@@ -10236,7 +10528,7 @@
                       </a:r>
                     </a:p>
                   </a:txBody>
-                  <a:tcPr marL="63500" marR="63500" marT="0" marB="0" anchor="ctr" anchorCtr="0" horzOverflow="overflow"/>
+                  <a:tcPr marL="63500" marR="63500" marT="0" marB="0" anchor="ctr" horzOverflow="overflow"/>
                 </a:tc>
                 <a:tc>
                   <a:txBody>
@@ -10245,7 +10537,7 @@
                     <a:p>
                       <a:pPr algn="l" defTabSz="914400"/>
                       <a:r>
-                        <a:rPr b="1" sz="2000">
+                        <a:rPr sz="2000" b="1">
                           <a:latin typeface="Arial"/>
                           <a:ea typeface="Arial"/>
                           <a:cs typeface="Arial"/>
@@ -10255,7 +10547,7 @@
                       </a:r>
                     </a:p>
                   </a:txBody>
-                  <a:tcPr marL="63500" marR="63500" marT="0" marB="0" anchor="ctr" anchorCtr="0" horzOverflow="overflow"/>
+                  <a:tcPr marL="63500" marR="63500" marT="0" marB="0" anchor="ctr" horzOverflow="overflow"/>
                 </a:tc>
               </a:tr>
               <a:tr h="623942">
@@ -10266,7 +10558,7 @@
                     <a:p>
                       <a:pPr defTabSz="914400"/>
                       <a:r>
-                        <a:rPr b="1" sz="2000">
+                        <a:rPr sz="2000" b="1">
                           <a:latin typeface="Arial"/>
                           <a:ea typeface="Arial"/>
                           <a:cs typeface="Arial"/>
@@ -10276,7 +10568,7 @@
                       </a:r>
                     </a:p>
                   </a:txBody>
-                  <a:tcPr marL="63500" marR="63500" marT="0" marB="0" anchor="ctr" anchorCtr="0" horzOverflow="overflow"/>
+                  <a:tcPr marL="63500" marR="63500" marT="0" marB="0" anchor="ctr" horzOverflow="overflow"/>
                 </a:tc>
                 <a:tc>
                   <a:txBody>
@@ -10285,7 +10577,7 @@
                     <a:p>
                       <a:pPr algn="l" defTabSz="914400"/>
                       <a:r>
-                        <a:rPr b="1" sz="2000">
+                        <a:rPr sz="2000" b="1">
                           <a:latin typeface="Arial"/>
                           <a:ea typeface="Arial"/>
                           <a:cs typeface="Arial"/>
@@ -10295,7 +10587,7 @@
                       </a:r>
                     </a:p>
                   </a:txBody>
-                  <a:tcPr marL="63500" marR="63500" marT="0" marB="0" anchor="ctr" anchorCtr="0" horzOverflow="overflow"/>
+                  <a:tcPr marL="63500" marR="63500" marT="0" marB="0" anchor="ctr" horzOverflow="overflow"/>
                 </a:tc>
               </a:tr>
               <a:tr h="623942">
@@ -10306,7 +10598,7 @@
                     <a:p>
                       <a:pPr defTabSz="914400"/>
                       <a:r>
-                        <a:rPr b="1" sz="2000">
+                        <a:rPr sz="2000" b="1">
                           <a:latin typeface="Arial"/>
                           <a:ea typeface="Arial"/>
                           <a:cs typeface="Arial"/>
@@ -10316,7 +10608,7 @@
                       </a:r>
                     </a:p>
                   </a:txBody>
-                  <a:tcPr marL="63500" marR="63500" marT="0" marB="0" anchor="ctr" anchorCtr="0" horzOverflow="overflow"/>
+                  <a:tcPr marL="63500" marR="63500" marT="0" marB="0" anchor="ctr" horzOverflow="overflow"/>
                 </a:tc>
                 <a:tc>
                   <a:txBody>
@@ -10325,7 +10617,7 @@
                     <a:p>
                       <a:pPr algn="l" defTabSz="914400"/>
                       <a:r>
-                        <a:rPr b="1" sz="2000">
+                        <a:rPr sz="2000" b="1">
                           <a:latin typeface="Arial"/>
                           <a:ea typeface="Arial"/>
                           <a:cs typeface="Arial"/>
@@ -10335,7 +10627,7 @@
                       </a:r>
                     </a:p>
                   </a:txBody>
-                  <a:tcPr marL="63500" marR="63500" marT="0" marB="0" anchor="ctr" anchorCtr="0" horzOverflow="overflow"/>
+                  <a:tcPr marL="63500" marR="63500" marT="0" marB="0" anchor="ctr" horzOverflow="overflow"/>
                 </a:tc>
               </a:tr>
               <a:tr h="623942">
@@ -10346,7 +10638,7 @@
                     <a:p>
                       <a:pPr defTabSz="914400"/>
                       <a:r>
-                        <a:rPr b="1" sz="2000">
+                        <a:rPr sz="2000" b="1">
                           <a:latin typeface="Arial"/>
                           <a:ea typeface="Arial"/>
                           <a:cs typeface="Arial"/>
@@ -10356,7 +10648,7 @@
                       </a:r>
                     </a:p>
                   </a:txBody>
-                  <a:tcPr marL="63500" marR="63500" marT="0" marB="0" anchor="ctr" anchorCtr="0" horzOverflow="overflow"/>
+                  <a:tcPr marL="63500" marR="63500" marT="0" marB="0" anchor="ctr" horzOverflow="overflow"/>
                 </a:tc>
                 <a:tc>
                   <a:txBody>
@@ -10365,7 +10657,7 @@
                     <a:p>
                       <a:pPr algn="l" defTabSz="914400"/>
                       <a:r>
-                        <a:rPr b="1" sz="2000">
+                        <a:rPr sz="2000" b="1">
                           <a:latin typeface="Arial"/>
                           <a:ea typeface="Arial"/>
                           <a:cs typeface="Arial"/>
@@ -10375,7 +10667,7 @@
                       </a:r>
                     </a:p>
                   </a:txBody>
-                  <a:tcPr marL="63500" marR="63500" marT="0" marB="0" anchor="ctr" anchorCtr="0" horzOverflow="overflow"/>
+                  <a:tcPr marL="63500" marR="63500" marT="0" marB="0" anchor="ctr" horzOverflow="overflow"/>
                 </a:tc>
               </a:tr>
               <a:tr h="623942">
@@ -10386,7 +10678,7 @@
                     <a:p>
                       <a:pPr defTabSz="914400"/>
                       <a:r>
-                        <a:rPr b="1" sz="2000">
+                        <a:rPr sz="2000" b="1">
                           <a:latin typeface="Arial"/>
                           <a:ea typeface="Arial"/>
                           <a:cs typeface="Arial"/>
@@ -10396,7 +10688,7 @@
                       </a:r>
                     </a:p>
                   </a:txBody>
-                  <a:tcPr marL="63500" marR="63500" marT="0" marB="0" anchor="ctr" anchorCtr="0" horzOverflow="overflow"/>
+                  <a:tcPr marL="63500" marR="63500" marT="0" marB="0" anchor="ctr" horzOverflow="overflow"/>
                 </a:tc>
                 <a:tc>
                   <a:txBody>
@@ -10405,7 +10697,7 @@
                     <a:p>
                       <a:pPr algn="l" defTabSz="914400"/>
                       <a:r>
-                        <a:rPr b="1" sz="2000">
+                        <a:rPr sz="2000" b="1">
                           <a:latin typeface="Arial"/>
                           <a:ea typeface="Arial"/>
                           <a:cs typeface="Arial"/>
@@ -10415,7 +10707,7 @@
                       </a:r>
                     </a:p>
                   </a:txBody>
-                  <a:tcPr marL="63500" marR="63500" marT="0" marB="0" anchor="ctr" anchorCtr="0" horzOverflow="overflow"/>
+                  <a:tcPr marL="63500" marR="63500" marT="0" marB="0" anchor="ctr" horzOverflow="overflow"/>
                 </a:tc>
               </a:tr>
               <a:tr h="623942">
@@ -10426,7 +10718,7 @@
                     <a:p>
                       <a:pPr defTabSz="914400"/>
                       <a:r>
-                        <a:rPr b="1" sz="2000">
+                        <a:rPr sz="2000" b="1">
                           <a:latin typeface="Arial"/>
                           <a:ea typeface="Arial"/>
                           <a:cs typeface="Arial"/>
@@ -10436,7 +10728,7 @@
                       </a:r>
                     </a:p>
                   </a:txBody>
-                  <a:tcPr marL="63500" marR="63500" marT="0" marB="0" anchor="ctr" anchorCtr="0" horzOverflow="overflow"/>
+                  <a:tcPr marL="63500" marR="63500" marT="0" marB="0" anchor="ctr" horzOverflow="overflow"/>
                 </a:tc>
                 <a:tc>
                   <a:txBody>
@@ -10445,7 +10737,7 @@
                     <a:p>
                       <a:pPr algn="l" defTabSz="914400"/>
                       <a:r>
-                        <a:rPr b="1" sz="2000">
+                        <a:rPr sz="2000" b="1">
                           <a:latin typeface="Arial"/>
                           <a:ea typeface="Arial"/>
                           <a:cs typeface="Arial"/>
@@ -10455,7 +10747,7 @@
                       </a:r>
                     </a:p>
                   </a:txBody>
-                  <a:tcPr marL="63500" marR="63500" marT="0" marB="0" anchor="ctr" anchorCtr="0" horzOverflow="overflow"/>
+                  <a:tcPr marL="63500" marR="63500" marT="0" marB="0" anchor="ctr" horzOverflow="overflow"/>
                 </a:tc>
               </a:tr>
               <a:tr h="623942">
@@ -10466,7 +10758,7 @@
                     <a:p>
                       <a:pPr defTabSz="914400"/>
                       <a:r>
-                        <a:rPr b="1" sz="2000">
+                        <a:rPr sz="2000" b="1">
                           <a:latin typeface="Arial"/>
                           <a:ea typeface="Arial"/>
                           <a:cs typeface="Arial"/>
@@ -10476,7 +10768,7 @@
                       </a:r>
                     </a:p>
                   </a:txBody>
-                  <a:tcPr marL="63500" marR="63500" marT="0" marB="0" anchor="ctr" anchorCtr="0" horzOverflow="overflow"/>
+                  <a:tcPr marL="63500" marR="63500" marT="0" marB="0" anchor="ctr" horzOverflow="overflow"/>
                 </a:tc>
                 <a:tc>
                   <a:txBody>
@@ -10485,7 +10777,7 @@
                     <a:p>
                       <a:pPr algn="l" defTabSz="914400"/>
                       <a:r>
-                        <a:rPr b="1" sz="2000">
+                        <a:rPr sz="2000" b="1">
                           <a:latin typeface="Arial"/>
                           <a:ea typeface="Arial"/>
                           <a:cs typeface="Arial"/>
@@ -10495,7 +10787,7 @@
                       </a:r>
                     </a:p>
                   </a:txBody>
-                  <a:tcPr marL="63500" marR="63500" marT="0" marB="0" anchor="ctr" anchorCtr="0" horzOverflow="overflow"/>
+                  <a:tcPr marL="63500" marR="63500" marT="0" marB="0" anchor="ctr" horzOverflow="overflow"/>
                 </a:tc>
               </a:tr>
               <a:tr h="623942">
@@ -10506,7 +10798,7 @@
                     <a:p>
                       <a:pPr defTabSz="914400"/>
                       <a:r>
-                        <a:rPr b="1" sz="2000">
+                        <a:rPr sz="2000" b="1">
                           <a:latin typeface="Arial"/>
                           <a:ea typeface="Arial"/>
                           <a:cs typeface="Arial"/>
@@ -10516,7 +10808,7 @@
                       </a:r>
                     </a:p>
                   </a:txBody>
-                  <a:tcPr marL="63500" marR="63500" marT="0" marB="0" anchor="ctr" anchorCtr="0" horzOverflow="overflow"/>
+                  <a:tcPr marL="63500" marR="63500" marT="0" marB="0" anchor="ctr" horzOverflow="overflow"/>
                 </a:tc>
                 <a:tc>
                   <a:txBody>
@@ -10525,7 +10817,7 @@
                     <a:p>
                       <a:pPr algn="l" defTabSz="914400"/>
                       <a:r>
-                        <a:rPr b="1" sz="2000">
+                        <a:rPr sz="2000" b="1">
                           <a:latin typeface="Arial"/>
                           <a:ea typeface="Arial"/>
                           <a:cs typeface="Arial"/>
@@ -10535,7 +10827,7 @@
                       </a:r>
                     </a:p>
                   </a:txBody>
-                  <a:tcPr marL="63500" marR="63500" marT="0" marB="0" anchor="ctr" anchorCtr="0" horzOverflow="overflow"/>
+                  <a:tcPr marL="63500" marR="63500" marT="0" marB="0" anchor="ctr" horzOverflow="overflow"/>
                 </a:tc>
               </a:tr>
               <a:tr h="623942">
@@ -10546,7 +10838,7 @@
                     <a:p>
                       <a:pPr defTabSz="914400"/>
                       <a:r>
-                        <a:rPr b="1" sz="2000">
+                        <a:rPr sz="2000" b="1">
                           <a:latin typeface="Arial"/>
                           <a:ea typeface="Arial"/>
                           <a:cs typeface="Arial"/>
@@ -10556,7 +10848,7 @@
                       </a:r>
                     </a:p>
                   </a:txBody>
-                  <a:tcPr marL="63500" marR="63500" marT="0" marB="0" anchor="ctr" anchorCtr="0" horzOverflow="overflow"/>
+                  <a:tcPr marL="63500" marR="63500" marT="0" marB="0" anchor="ctr" horzOverflow="overflow"/>
                 </a:tc>
                 <a:tc>
                   <a:txBody>
@@ -10565,7 +10857,7 @@
                     <a:p>
                       <a:pPr algn="l" defTabSz="914400"/>
                       <a:r>
-                        <a:rPr b="1" sz="2000">
+                        <a:rPr sz="2000" b="1">
                           <a:latin typeface="Arial"/>
                           <a:ea typeface="Arial"/>
                           <a:cs typeface="Arial"/>
@@ -10575,7 +10867,7 @@
                       </a:r>
                     </a:p>
                   </a:txBody>
-                  <a:tcPr marL="63500" marR="63500" marT="0" marB="0" anchor="ctr" anchorCtr="0" horzOverflow="overflow"/>
+                  <a:tcPr marL="63500" marR="63500" marT="0" marB="0" anchor="ctr" horzOverflow="overflow"/>
                 </a:tc>
               </a:tr>
               <a:tr h="623942">
@@ -10586,7 +10878,7 @@
                     <a:p>
                       <a:pPr defTabSz="914400"/>
                       <a:r>
-                        <a:rPr b="1" sz="2000">
+                        <a:rPr sz="2000" b="1">
                           <a:latin typeface="Arial"/>
                           <a:ea typeface="Arial"/>
                           <a:cs typeface="Arial"/>
@@ -10596,7 +10888,7 @@
                       </a:r>
                     </a:p>
                   </a:txBody>
-                  <a:tcPr marL="63500" marR="63500" marT="0" marB="0" anchor="ctr" anchorCtr="0" horzOverflow="overflow"/>
+                  <a:tcPr marL="63500" marR="63500" marT="0" marB="0" anchor="ctr" horzOverflow="overflow"/>
                 </a:tc>
                 <a:tc>
                   <a:txBody>
@@ -10605,7 +10897,7 @@
                     <a:p>
                       <a:pPr algn="l" defTabSz="914400"/>
                       <a:r>
-                        <a:rPr b="1" sz="2000">
+                        <a:rPr sz="2000" b="1">
                           <a:latin typeface="Arial"/>
                           <a:ea typeface="Arial"/>
                           <a:cs typeface="Arial"/>
@@ -10615,7 +10907,7 @@
                       </a:r>
                     </a:p>
                   </a:txBody>
-                  <a:tcPr marL="63500" marR="63500" marT="0" marB="0" anchor="ctr" anchorCtr="0" horzOverflow="overflow"/>
+                  <a:tcPr marL="63500" marR="63500" marT="0" marB="0" anchor="ctr" horzOverflow="overflow"/>
                 </a:tc>
               </a:tr>
             </a:tbl>
@@ -10627,12 +10919,12 @@
   <p:clrMapOvr>
     <a:masterClrMapping/>
   </p:clrMapOvr>
-  <p:transition xmlns:p14="http://schemas.microsoft.com/office/powerpoint/2010/main" spd="med" advClick="1" p14:dur="1000"/>
+  <p:transition spd="slow"/>
 </p:sld>
 </file>
 
 <file path=ppt/slides/slide6.xml><?xml version="1.0" encoding="utf-8"?>
-<p:sld xmlns:a="http://schemas.openxmlformats.org/drawingml/2006/main" xmlns:r="http://schemas.openxmlformats.org/officeDocument/2006/relationships" xmlns:p="http://schemas.openxmlformats.org/presentationml/2006/main" showMasterSp="1" showMasterPhAnim="1">
+<p:sld xmlns:a="http://schemas.openxmlformats.org/drawingml/2006/main" xmlns:r="http://schemas.openxmlformats.org/officeDocument/2006/relationships" xmlns:p="http://schemas.openxmlformats.org/presentationml/2006/main">
   <p:cSld>
     <p:spTree>
       <p:nvGrpSpPr>
@@ -10651,7 +10943,9 @@
       <p:sp>
         <p:nvSpPr>
           <p:cNvPr id="137" name="Shape 137"/>
-          <p:cNvSpPr/>
+          <p:cNvSpPr>
+            <a:spLocks noGrp="1"/>
+          </p:cNvSpPr>
           <p:nvPr>
             <p:ph type="title"/>
           </p:nvPr>
@@ -10669,7 +10963,6 @@
             </a:lvl1pPr>
           </a:lstStyle>
           <a:p>
-            <a:pPr/>
             <a:r>
               <a:t>No Privacy without Security</a:t>
             </a:r>
@@ -10679,7 +10972,9 @@
       <p:sp>
         <p:nvSpPr>
           <p:cNvPr id="138" name="Shape 138"/>
-          <p:cNvSpPr/>
+          <p:cNvSpPr>
+            <a:spLocks noGrp="1"/>
+          </p:cNvSpPr>
           <p:nvPr>
             <p:ph type="body" idx="1"/>
           </p:nvPr>
@@ -10693,7 +10988,6 @@
           <a:bodyPr/>
           <a:lstStyle/>
           <a:p>
-            <a:pPr/>
             <a:r>
               <a:t>Information Security - CIA Triad:</a:t>
             </a:r>
@@ -10809,7 +11103,7 @@
                 <a:bevel/>
               </a:ln>
               <a:effectLst>
-                <a:outerShdw sx="100000" sy="100000" kx="0" ky="0" algn="b" rotWithShape="0" blurRad="50800" dist="25400" dir="5400000">
+                <a:outerShdw blurRad="50800" dist="25400" dir="5400000" rotWithShape="0">
                   <a:srgbClr val="000000">
                     <a:alpha val="35000"/>
                   </a:srgbClr>
@@ -10836,6 +11130,7 @@
                     <a:sym typeface="Calibri"/>
                   </a:defRPr>
                 </a:pPr>
+                <a:endParaRPr/>
               </a:p>
             </p:txBody>
           </p:sp>
@@ -10886,7 +11181,6 @@
                 </a:lvl1pPr>
               </a:lstStyle>
               <a:p>
-                <a:pPr/>
                 <a:r>
                   <a:t>C</a:t>
                 </a:r>
@@ -10944,7 +11238,7 @@
                 <a:bevel/>
               </a:ln>
               <a:effectLst>
-                <a:outerShdw sx="100000" sy="100000" kx="0" ky="0" algn="b" rotWithShape="0" blurRad="50800" dist="25400" dir="5400000">
+                <a:outerShdw blurRad="50800" dist="25400" dir="5400000" rotWithShape="0">
                   <a:srgbClr val="000000">
                     <a:alpha val="35000"/>
                   </a:srgbClr>
@@ -10971,6 +11265,7 @@
                     <a:sym typeface="Calibri"/>
                   </a:defRPr>
                 </a:pPr>
+                <a:endParaRPr/>
               </a:p>
             </p:txBody>
           </p:sp>
@@ -11021,7 +11316,6 @@
                 </a:lvl1pPr>
               </a:lstStyle>
               <a:p>
-                <a:pPr/>
                 <a:r>
                   <a:t>I</a:t>
                 </a:r>
@@ -11079,7 +11373,7 @@
                 <a:bevel/>
               </a:ln>
               <a:effectLst>
-                <a:outerShdw sx="100000" sy="100000" kx="0" ky="0" algn="b" rotWithShape="0" blurRad="50800" dist="25400" dir="5400000">
+                <a:outerShdw blurRad="50800" dist="25400" dir="5400000" rotWithShape="0">
                   <a:srgbClr val="000000">
                     <a:alpha val="35000"/>
                   </a:srgbClr>
@@ -11106,6 +11400,7 @@
                     <a:sym typeface="Calibri"/>
                   </a:defRPr>
                 </a:pPr>
+                <a:endParaRPr/>
               </a:p>
             </p:txBody>
           </p:sp>
@@ -11156,7 +11451,6 @@
                 </a:lvl1pPr>
               </a:lstStyle>
               <a:p>
-                <a:pPr/>
                 <a:r>
                   <a:t>A</a:t>
                 </a:r>
@@ -11197,7 +11491,7 @@
               <a:miter lim="400000"/>
             </a:ln>
             <a:effectLst>
-              <a:outerShdw sx="100000" sy="100000" kx="0" ky="0" algn="b" rotWithShape="0" blurRad="50800" dist="25400" dir="5400000">
+              <a:outerShdw blurRad="50800" dist="25400" dir="5400000" rotWithShape="0">
                 <a:srgbClr val="000000">
                   <a:alpha val="35000"/>
                 </a:srgbClr>
@@ -11221,6 +11515,7 @@
                   <a:sym typeface="Calibri"/>
                 </a:defRPr>
               </a:pPr>
+              <a:endParaRPr/>
             </a:p>
           </p:txBody>
         </p:sp>
@@ -11289,12 +11584,12 @@
   <p:clrMapOvr>
     <a:masterClrMapping/>
   </p:clrMapOvr>
-  <p:transition xmlns:p14="http://schemas.microsoft.com/office/powerpoint/2010/main" spd="med" advClick="1" p14:dur="1000"/>
+  <p:transition spd="slow"/>
 </p:sld>
 </file>
 
 <file path=ppt/slides/slide7.xml><?xml version="1.0" encoding="utf-8"?>
-<p:sld xmlns:a="http://schemas.openxmlformats.org/drawingml/2006/main" xmlns:r="http://schemas.openxmlformats.org/officeDocument/2006/relationships" xmlns:p="http://schemas.openxmlformats.org/presentationml/2006/main" showMasterSp="1" showMasterPhAnim="1">
+<p:sld xmlns:a="http://schemas.openxmlformats.org/drawingml/2006/main" xmlns:r="http://schemas.openxmlformats.org/officeDocument/2006/relationships" xmlns:p="http://schemas.openxmlformats.org/presentationml/2006/main">
   <p:cSld>
     <p:spTree>
       <p:nvGrpSpPr>
@@ -11313,7 +11608,9 @@
       <p:sp>
         <p:nvSpPr>
           <p:cNvPr id="152" name="Shape 152"/>
-          <p:cNvSpPr/>
+          <p:cNvSpPr>
+            <a:spLocks noGrp="1"/>
+          </p:cNvSpPr>
           <p:nvPr>
             <p:ph type="title"/>
           </p:nvPr>
@@ -11327,7 +11624,6 @@
           <a:bodyPr/>
           <a:lstStyle/>
           <a:p>
-            <a:pPr/>
             <a:r>
               <a:t>Access 101</a:t>
             </a:r>
@@ -11337,7 +11633,9 @@
       <p:sp>
         <p:nvSpPr>
           <p:cNvPr id="153" name="Shape 153"/>
-          <p:cNvSpPr/>
+          <p:cNvSpPr>
+            <a:spLocks noGrp="1"/>
+          </p:cNvSpPr>
           <p:nvPr>
             <p:ph type="body" idx="1"/>
           </p:nvPr>
@@ -11351,7 +11649,6 @@
           <a:bodyPr/>
           <a:lstStyle/>
           <a:p>
-            <a:pPr/>
             <a:r>
               <a:t>Underlying Concept:</a:t>
             </a:r>
@@ -11410,12 +11707,12 @@
   <p:clrMapOvr>
     <a:masterClrMapping/>
   </p:clrMapOvr>
-  <p:transition xmlns:p14="http://schemas.microsoft.com/office/powerpoint/2010/main" spd="med" advClick="1" p14:dur="1000"/>
+  <p:transition spd="slow"/>
 </p:sld>
 </file>
 
 <file path=ppt/slides/slide8.xml><?xml version="1.0" encoding="utf-8"?>
-<p:sld xmlns:a="http://schemas.openxmlformats.org/drawingml/2006/main" xmlns:r="http://schemas.openxmlformats.org/officeDocument/2006/relationships" xmlns:p="http://schemas.openxmlformats.org/presentationml/2006/main" showMasterSp="1" showMasterPhAnim="1">
+<p:sld xmlns:a="http://schemas.openxmlformats.org/drawingml/2006/main" xmlns:r="http://schemas.openxmlformats.org/officeDocument/2006/relationships" xmlns:p="http://schemas.openxmlformats.org/presentationml/2006/main">
   <p:cSld>
     <p:spTree>
       <p:nvGrpSpPr>
@@ -11434,7 +11731,9 @@
       <p:sp>
         <p:nvSpPr>
           <p:cNvPr id="156" name="Shape 156"/>
-          <p:cNvSpPr/>
+          <p:cNvSpPr>
+            <a:spLocks noGrp="1"/>
+          </p:cNvSpPr>
           <p:nvPr>
             <p:ph type="title"/>
           </p:nvPr>
@@ -11448,7 +11747,6 @@
           <a:bodyPr/>
           <a:lstStyle/>
           <a:p>
-            <a:pPr/>
             <a:r>
               <a:t>Access 101</a:t>
             </a:r>
@@ -11458,7 +11756,9 @@
       <p:sp>
         <p:nvSpPr>
           <p:cNvPr id="157" name="Shape 157"/>
-          <p:cNvSpPr/>
+          <p:cNvSpPr>
+            <a:spLocks noGrp="1"/>
+          </p:cNvSpPr>
           <p:nvPr>
             <p:ph type="body" idx="1"/>
           </p:nvPr>
@@ -11472,7 +11772,6 @@
           <a:bodyPr/>
           <a:lstStyle/>
           <a:p>
-            <a:pPr/>
             <a:r>
               <a:t>Through Freedom of Information (FOI) Requests, the public has a right to access records in an institution’s custody or control unless:</a:t>
             </a:r>
@@ -11555,7 +11854,6 @@
           </a:bodyPr>
           <a:lstStyle/>
           <a:p>
-            <a:pPr/>
             <a:r>
               <a:t>(cont’d)</a:t>
             </a:r>
@@ -11567,12 +11865,12 @@
   <p:clrMapOvr>
     <a:masterClrMapping/>
   </p:clrMapOvr>
-  <p:transition xmlns:p14="http://schemas.microsoft.com/office/powerpoint/2010/main" spd="med" advClick="1" p14:dur="1000"/>
+  <p:transition spd="slow"/>
 </p:sld>
 </file>
 
 <file path=ppt/slides/slide9.xml><?xml version="1.0" encoding="utf-8"?>
-<p:sld xmlns:a="http://schemas.openxmlformats.org/drawingml/2006/main" xmlns:r="http://schemas.openxmlformats.org/officeDocument/2006/relationships" xmlns:p="http://schemas.openxmlformats.org/presentationml/2006/main" showMasterSp="1" showMasterPhAnim="1">
+<p:sld xmlns:a="http://schemas.openxmlformats.org/drawingml/2006/main" xmlns:r="http://schemas.openxmlformats.org/officeDocument/2006/relationships" xmlns:p="http://schemas.openxmlformats.org/presentationml/2006/main">
   <p:cSld>
     <p:spTree>
       <p:nvGrpSpPr>
@@ -11591,7 +11889,9 @@
       <p:sp>
         <p:nvSpPr>
           <p:cNvPr id="161" name="Shape 161"/>
-          <p:cNvSpPr/>
+          <p:cNvSpPr>
+            <a:spLocks noGrp="1"/>
+          </p:cNvSpPr>
           <p:nvPr>
             <p:ph type="title"/>
           </p:nvPr>
@@ -11605,7 +11905,6 @@
           <a:bodyPr/>
           <a:lstStyle/>
           <a:p>
-            <a:pPr/>
             <a:r>
               <a:t>Access 101</a:t>
             </a:r>
@@ -11615,7 +11914,9 @@
       <p:sp>
         <p:nvSpPr>
           <p:cNvPr id="162" name="Shape 162"/>
-          <p:cNvSpPr/>
+          <p:cNvSpPr>
+            <a:spLocks noGrp="1"/>
+          </p:cNvSpPr>
           <p:nvPr>
             <p:ph type="body" idx="1"/>
           </p:nvPr>
@@ -11629,19 +11930,16 @@
           <a:bodyPr/>
           <a:lstStyle/>
           <a:p>
-            <a:pPr/>
             <a:r>
               <a:t>Must sever and release non-exempt portions and provide reasons for exemption.</a:t>
             </a:r>
           </a:p>
           <a:p>
-            <a:pPr/>
             <a:r>
               <a:t>Directory of Records required to list all available records and personal information banks.</a:t>
             </a:r>
           </a:p>
           <a:p>
-            <a:pPr/>
             <a:r>
               <a:t>All decisions made can be reviewed by the Information &amp; Privacy Commissioner (IPC).</a:t>
             </a:r>
@@ -11706,7 +12004,6 @@
           </a:bodyPr>
           <a:lstStyle/>
           <a:p>
-            <a:pPr/>
             <a:r>
               <a:t>(cont’d)</a:t>
             </a:r>
@@ -11718,12 +12015,12 @@
   <p:clrMapOvr>
     <a:masterClrMapping/>
   </p:clrMapOvr>
-  <p:transition xmlns:p14="http://schemas.microsoft.com/office/powerpoint/2010/main" spd="med" advClick="1" p14:dur="1000"/>
+  <p:transition spd="slow"/>
 </p:sld>
 </file>
 
 <file path=ppt/theme/theme1.xml><?xml version="1.0" encoding="utf-8"?>
-<a:theme xmlns:a="http://schemas.openxmlformats.org/drawingml/2006/main" xmlns:r="http://schemas.openxmlformats.org/officeDocument/2006/relationships" name="White">
+<a:theme xmlns:a="http://schemas.openxmlformats.org/drawingml/2006/main" name="White">
   <a:themeElements>
     <a:clrScheme name="White">
       <a:dk1>
@@ -11849,7 +12146,7 @@
       <a:effectStyleLst>
         <a:effectStyle>
           <a:effectLst>
-            <a:outerShdw sx="100000" sy="100000" kx="0" ky="0" algn="b" rotWithShape="0" blurRad="38100" dist="25400" dir="5400000">
+            <a:outerShdw blurRad="38100" dist="25400" dir="5400000" rotWithShape="0">
               <a:srgbClr val="000000">
                 <a:alpha val="50000"/>
               </a:srgbClr>
@@ -11858,7 +12155,7 @@
         </a:effectStyle>
         <a:effectStyle>
           <a:effectLst>
-            <a:outerShdw sx="100000" sy="100000" kx="0" ky="0" algn="b" rotWithShape="0" blurRad="50800" dist="12700" dir="0">
+            <a:outerShdw blurRad="50800" dist="12700" rotWithShape="0">
               <a:srgbClr val="000000">
                 <a:alpha val="50000"/>
               </a:srgbClr>
@@ -11867,7 +12164,7 @@
         </a:effectStyle>
         <a:effectStyle>
           <a:effectLst>
-            <a:outerShdw sx="100000" sy="100000" kx="0" ky="0" algn="b" rotWithShape="0" blurRad="38100" dist="25400" dir="5400000">
+            <a:outerShdw blurRad="38100" dist="25400" dir="5400000" rotWithShape="0">
               <a:srgbClr val="000000">
                 <a:alpha val="50000"/>
               </a:srgbClr>
@@ -11931,8 +12228,8 @@
     <a:spDef>
       <a:spPr>
         <a:blipFill rotWithShape="1">
-          <a:blip r:embed="rId1"/>
-          <a:srcRect l="0" t="0" r="0" b="0"/>
+          <a:blip xmlns:r="http://schemas.openxmlformats.org/officeDocument/2006/relationships" r:embed="rId1"/>
+          <a:srcRect/>
           <a:tile tx="0" ty="0" sx="100000" sy="100000" flip="none" algn="tl"/>
         </a:blipFill>
         <a:ln w="12700" cap="flat">
@@ -11940,7 +12237,7 @@
           <a:miter lim="400000"/>
         </a:ln>
         <a:effectLst>
-          <a:outerShdw sx="100000" sy="100000" kx="0" ky="0" algn="b" rotWithShape="0" blurRad="38100" dist="25400" dir="5400000">
+          <a:outerShdw blurRad="38100" dist="25400" dir="5400000" rotWithShape="0">
             <a:srgbClr val="000000">
               <a:alpha val="50000"/>
             </a:srgbClr>
@@ -11948,7 +12245,7 @@
         </a:effectLst>
         <a:sp3d/>
       </a:spPr>
-      <a:bodyPr rot="0" spcFirstLastPara="1" vertOverflow="overflow" horzOverflow="overflow" vert="horz" wrap="square" lIns="50800" tIns="50800" rIns="50800" bIns="50800" numCol="1" spcCol="38100" rtlCol="0" anchor="ctr" upright="0">
+      <a:bodyPr rot="0" spcFirstLastPara="1" vertOverflow="overflow" horzOverflow="overflow" vert="horz" wrap="square" lIns="50800" tIns="50800" rIns="50800" bIns="50800" numCol="1" spcCol="38100" rtlCol="0" anchor="ctr">
         <a:spAutoFit/>
       </a:bodyPr>
       <a:lstStyle>
@@ -11967,7 +12264,7 @@
           <a:buFontTx/>
           <a:buNone/>
           <a:tabLst/>
-          <a:defRPr b="0" baseline="0" cap="none" i="0" spc="0" strike="noStrike" sz="2400" u="none" kumimoji="0" normalizeH="0">
+          <a:defRPr kumimoji="0" sz="2400" b="0" i="0" u="none" strike="noStrike" cap="none" spc="0" normalizeH="0" baseline="0">
             <a:ln>
               <a:noFill/>
             </a:ln>
@@ -11997,7 +12294,7 @@
           <a:buFontTx/>
           <a:buNone/>
           <a:tabLst/>
-          <a:defRPr b="0" baseline="0" cap="none" i="0" spc="0" strike="noStrike" sz="1800" u="none" kumimoji="0" normalizeH="0">
+          <a:defRPr kumimoji="0" sz="1800" b="0" i="0" u="none" strike="noStrike" cap="none" spc="0" normalizeH="0" baseline="0">
             <a:ln>
               <a:noFill/>
             </a:ln>
@@ -12023,7 +12320,7 @@
           <a:buFontTx/>
           <a:buNone/>
           <a:tabLst/>
-          <a:defRPr b="0" baseline="0" cap="none" i="0" spc="0" strike="noStrike" sz="1800" u="none" kumimoji="0" normalizeH="0">
+          <a:defRPr kumimoji="0" sz="1800" b="0" i="0" u="none" strike="noStrike" cap="none" spc="0" normalizeH="0" baseline="0">
             <a:ln>
               <a:noFill/>
             </a:ln>
@@ -12049,7 +12346,7 @@
           <a:buFontTx/>
           <a:buNone/>
           <a:tabLst/>
-          <a:defRPr b="0" baseline="0" cap="none" i="0" spc="0" strike="noStrike" sz="1800" u="none" kumimoji="0" normalizeH="0">
+          <a:defRPr kumimoji="0" sz="1800" b="0" i="0" u="none" strike="noStrike" cap="none" spc="0" normalizeH="0" baseline="0">
             <a:ln>
               <a:noFill/>
             </a:ln>
@@ -12075,7 +12372,7 @@
           <a:buFontTx/>
           <a:buNone/>
           <a:tabLst/>
-          <a:defRPr b="0" baseline="0" cap="none" i="0" spc="0" strike="noStrike" sz="1800" u="none" kumimoji="0" normalizeH="0">
+          <a:defRPr kumimoji="0" sz="1800" b="0" i="0" u="none" strike="noStrike" cap="none" spc="0" normalizeH="0" baseline="0">
             <a:ln>
               <a:noFill/>
             </a:ln>
@@ -12101,7 +12398,7 @@
           <a:buFontTx/>
           <a:buNone/>
           <a:tabLst/>
-          <a:defRPr b="0" baseline="0" cap="none" i="0" spc="0" strike="noStrike" sz="1800" u="none" kumimoji="0" normalizeH="0">
+          <a:defRPr kumimoji="0" sz="1800" b="0" i="0" u="none" strike="noStrike" cap="none" spc="0" normalizeH="0" baseline="0">
             <a:ln>
               <a:noFill/>
             </a:ln>
@@ -12127,7 +12424,7 @@
           <a:buFontTx/>
           <a:buNone/>
           <a:tabLst/>
-          <a:defRPr b="0" baseline="0" cap="none" i="0" spc="0" strike="noStrike" sz="1800" u="none" kumimoji="0" normalizeH="0">
+          <a:defRPr kumimoji="0" sz="1800" b="0" i="0" u="none" strike="noStrike" cap="none" spc="0" normalizeH="0" baseline="0">
             <a:ln>
               <a:noFill/>
             </a:ln>
@@ -12153,7 +12450,7 @@
           <a:buFontTx/>
           <a:buNone/>
           <a:tabLst/>
-          <a:defRPr b="0" baseline="0" cap="none" i="0" spc="0" strike="noStrike" sz="1800" u="none" kumimoji="0" normalizeH="0">
+          <a:defRPr kumimoji="0" sz="1800" b="0" i="0" u="none" strike="noStrike" cap="none" spc="0" normalizeH="0" baseline="0">
             <a:ln>
               <a:noFill/>
             </a:ln>
@@ -12179,7 +12476,7 @@
           <a:buFontTx/>
           <a:buNone/>
           <a:tabLst/>
-          <a:defRPr b="0" baseline="0" cap="none" i="0" spc="0" strike="noStrike" sz="1800" u="none" kumimoji="0" normalizeH="0">
+          <a:defRPr kumimoji="0" sz="1800" b="0" i="0" u="none" strike="noStrike" cap="none" spc="0" normalizeH="0" baseline="0">
             <a:ln>
               <a:noFill/>
             </a:ln>
@@ -12205,7 +12502,7 @@
           <a:buFontTx/>
           <a:buNone/>
           <a:tabLst/>
-          <a:defRPr b="0" baseline="0" cap="none" i="0" spc="0" strike="noStrike" sz="1800" u="none" kumimoji="0" normalizeH="0">
+          <a:defRPr kumimoji="0" sz="1800" b="0" i="0" u="none" strike="noStrike" cap="none" spc="0" normalizeH="0" baseline="0">
             <a:ln>
               <a:noFill/>
             </a:ln>
@@ -12218,9 +12515,15 @@
         </a:lvl9pPr>
       </a:lstStyle>
       <a:style>
-        <a:lnRef idx="0"/>
-        <a:fillRef idx="0"/>
-        <a:effectRef idx="0"/>
+        <a:lnRef idx="0">
+          <a:scrgbClr r="0" g="0" b="0"/>
+        </a:lnRef>
+        <a:fillRef idx="0">
+          <a:scrgbClr r="0" g="0" b="0"/>
+        </a:fillRef>
+        <a:effectRef idx="0">
+          <a:scrgbClr r="0" g="0" b="0"/>
+        </a:effectRef>
         <a:fontRef idx="none"/>
       </a:style>
     </a:spDef>
@@ -12237,7 +12540,7 @@
         <a:effectLst/>
         <a:sp3d/>
       </a:spPr>
-      <a:bodyPr rot="0" spcFirstLastPara="1" vertOverflow="overflow" horzOverflow="overflow" vert="horz" wrap="square" lIns="91439" tIns="45719" rIns="91439" bIns="45719" numCol="1" spcCol="38100" rtlCol="0" anchor="t" upright="0">
+      <a:bodyPr rot="0" spcFirstLastPara="1" vertOverflow="overflow" horzOverflow="overflow" vert="horz" wrap="square" lIns="91439" tIns="45719" rIns="91439" bIns="45719" numCol="1" spcCol="38100" rtlCol="0" anchor="t">
         <a:noAutofit/>
       </a:bodyPr>
       <a:lstStyle>
@@ -12256,7 +12559,7 @@
           <a:buFontTx/>
           <a:buNone/>
           <a:tabLst/>
-          <a:defRPr b="0" baseline="0" cap="none" i="0" spc="0" strike="noStrike" sz="1800" u="none" kumimoji="0" normalizeH="0">
+          <a:defRPr kumimoji="0" sz="1800" b="0" i="0" u="none" strike="noStrike" cap="none" spc="0" normalizeH="0" baseline="0">
             <a:ln>
               <a:noFill/>
             </a:ln>
@@ -12282,7 +12585,7 @@
           <a:buFontTx/>
           <a:buNone/>
           <a:tabLst/>
-          <a:defRPr b="0" baseline="0" cap="none" i="0" spc="0" strike="noStrike" sz="1800" u="none" kumimoji="0" normalizeH="0">
+          <a:defRPr kumimoji="0" sz="1800" b="0" i="0" u="none" strike="noStrike" cap="none" spc="0" normalizeH="0" baseline="0">
             <a:ln>
               <a:noFill/>
             </a:ln>
@@ -12308,7 +12611,7 @@
           <a:buFontTx/>
           <a:buNone/>
           <a:tabLst/>
-          <a:defRPr b="0" baseline="0" cap="none" i="0" spc="0" strike="noStrike" sz="1800" u="none" kumimoji="0" normalizeH="0">
+          <a:defRPr kumimoji="0" sz="1800" b="0" i="0" u="none" strike="noStrike" cap="none" spc="0" normalizeH="0" baseline="0">
             <a:ln>
               <a:noFill/>
             </a:ln>
@@ -12334,7 +12637,7 @@
           <a:buFontTx/>
           <a:buNone/>
           <a:tabLst/>
-          <a:defRPr b="0" baseline="0" cap="none" i="0" spc="0" strike="noStrike" sz="1800" u="none" kumimoji="0" normalizeH="0">
+          <a:defRPr kumimoji="0" sz="1800" b="0" i="0" u="none" strike="noStrike" cap="none" spc="0" normalizeH="0" baseline="0">
             <a:ln>
               <a:noFill/>
             </a:ln>
@@ -12360,7 +12663,7 @@
           <a:buFontTx/>
           <a:buNone/>
           <a:tabLst/>
-          <a:defRPr b="0" baseline="0" cap="none" i="0" spc="0" strike="noStrike" sz="1800" u="none" kumimoji="0" normalizeH="0">
+          <a:defRPr kumimoji="0" sz="1800" b="0" i="0" u="none" strike="noStrike" cap="none" spc="0" normalizeH="0" baseline="0">
             <a:ln>
               <a:noFill/>
             </a:ln>
@@ -12386,7 +12689,7 @@
           <a:buFontTx/>
           <a:buNone/>
           <a:tabLst/>
-          <a:defRPr b="0" baseline="0" cap="none" i="0" spc="0" strike="noStrike" sz="1800" u="none" kumimoji="0" normalizeH="0">
+          <a:defRPr kumimoji="0" sz="1800" b="0" i="0" u="none" strike="noStrike" cap="none" spc="0" normalizeH="0" baseline="0">
             <a:ln>
               <a:noFill/>
             </a:ln>
@@ -12412,7 +12715,7 @@
           <a:buFontTx/>
           <a:buNone/>
           <a:tabLst/>
-          <a:defRPr b="0" baseline="0" cap="none" i="0" spc="0" strike="noStrike" sz="1800" u="none" kumimoji="0" normalizeH="0">
+          <a:defRPr kumimoji="0" sz="1800" b="0" i="0" u="none" strike="noStrike" cap="none" spc="0" normalizeH="0" baseline="0">
             <a:ln>
               <a:noFill/>
             </a:ln>
@@ -12438,7 +12741,7 @@
           <a:buFontTx/>
           <a:buNone/>
           <a:tabLst/>
-          <a:defRPr b="0" baseline="0" cap="none" i="0" spc="0" strike="noStrike" sz="1800" u="none" kumimoji="0" normalizeH="0">
+          <a:defRPr kumimoji="0" sz="1800" b="0" i="0" u="none" strike="noStrike" cap="none" spc="0" normalizeH="0" baseline="0">
             <a:ln>
               <a:noFill/>
             </a:ln>
@@ -12464,7 +12767,7 @@
           <a:buFontTx/>
           <a:buNone/>
           <a:tabLst/>
-          <a:defRPr b="0" baseline="0" cap="none" i="0" spc="0" strike="noStrike" sz="1800" u="none" kumimoji="0" normalizeH="0">
+          <a:defRPr kumimoji="0" sz="1800" b="0" i="0" u="none" strike="noStrike" cap="none" spc="0" normalizeH="0" baseline="0">
             <a:ln>
               <a:noFill/>
             </a:ln>
@@ -12490,7 +12793,7 @@
           <a:buFontTx/>
           <a:buNone/>
           <a:tabLst/>
-          <a:defRPr b="0" baseline="0" cap="none" i="0" spc="0" strike="noStrike" sz="1800" u="none" kumimoji="0" normalizeH="0">
+          <a:defRPr kumimoji="0" sz="1800" b="0" i="0" u="none" strike="noStrike" cap="none" spc="0" normalizeH="0" baseline="0">
             <a:ln>
               <a:noFill/>
             </a:ln>
@@ -12503,9 +12806,15 @@
         </a:lvl9pPr>
       </a:lstStyle>
       <a:style>
-        <a:lnRef idx="0"/>
-        <a:fillRef idx="0"/>
-        <a:effectRef idx="0"/>
+        <a:lnRef idx="0">
+          <a:scrgbClr r="0" g="0" b="0"/>
+        </a:lnRef>
+        <a:fillRef idx="0">
+          <a:scrgbClr r="0" g="0" b="0"/>
+        </a:fillRef>
+        <a:effectRef idx="0">
+          <a:scrgbClr r="0" g="0" b="0"/>
+        </a:effectRef>
         <a:fontRef idx="none"/>
       </a:style>
     </a:lnDef>
@@ -12519,7 +12828,7 @@
         <a:effectLst/>
         <a:sp3d/>
       </a:spPr>
-      <a:bodyPr rot="0" spcFirstLastPara="1" vertOverflow="overflow" horzOverflow="overflow" vert="horz" wrap="square" lIns="50800" tIns="50800" rIns="50800" bIns="50800" numCol="1" spcCol="38100" rtlCol="0" anchor="ctr" upright="0">
+      <a:bodyPr rot="0" spcFirstLastPara="1" vertOverflow="overflow" horzOverflow="overflow" vert="horz" wrap="square" lIns="50800" tIns="50800" rIns="50800" bIns="50800" numCol="1" spcCol="38100" rtlCol="0" anchor="ctr">
         <a:spAutoFit/>
       </a:bodyPr>
       <a:lstStyle>
@@ -12538,7 +12847,7 @@
           <a:buFontTx/>
           <a:buNone/>
           <a:tabLst/>
-          <a:defRPr b="0" baseline="0" cap="none" i="0" spc="0" strike="noStrike" sz="3600" u="none" kumimoji="0" normalizeH="0">
+          <a:defRPr kumimoji="0" sz="3600" b="0" i="0" u="none" strike="noStrike" cap="none" spc="0" normalizeH="0" baseline="0">
             <a:ln>
               <a:noFill/>
             </a:ln>
@@ -12568,7 +12877,7 @@
           <a:buFontTx/>
           <a:buNone/>
           <a:tabLst/>
-          <a:defRPr b="0" baseline="0" cap="none" i="0" spc="0" strike="noStrike" sz="1800" u="none" kumimoji="0" normalizeH="0">
+          <a:defRPr kumimoji="0" sz="1800" b="0" i="0" u="none" strike="noStrike" cap="none" spc="0" normalizeH="0" baseline="0">
             <a:ln>
               <a:noFill/>
             </a:ln>
@@ -12594,7 +12903,7 @@
           <a:buFontTx/>
           <a:buNone/>
           <a:tabLst/>
-          <a:defRPr b="0" baseline="0" cap="none" i="0" spc="0" strike="noStrike" sz="1800" u="none" kumimoji="0" normalizeH="0">
+          <a:defRPr kumimoji="0" sz="1800" b="0" i="0" u="none" strike="noStrike" cap="none" spc="0" normalizeH="0" baseline="0">
             <a:ln>
               <a:noFill/>
             </a:ln>
@@ -12620,7 +12929,7 @@
           <a:buFontTx/>
           <a:buNone/>
           <a:tabLst/>
-          <a:defRPr b="0" baseline="0" cap="none" i="0" spc="0" strike="noStrike" sz="1800" u="none" kumimoji="0" normalizeH="0">
+          <a:defRPr kumimoji="0" sz="1800" b="0" i="0" u="none" strike="noStrike" cap="none" spc="0" normalizeH="0" baseline="0">
             <a:ln>
               <a:noFill/>
             </a:ln>
@@ -12646,7 +12955,7 @@
           <a:buFontTx/>
           <a:buNone/>
           <a:tabLst/>
-          <a:defRPr b="0" baseline="0" cap="none" i="0" spc="0" strike="noStrike" sz="1800" u="none" kumimoji="0" normalizeH="0">
+          <a:defRPr kumimoji="0" sz="1800" b="0" i="0" u="none" strike="noStrike" cap="none" spc="0" normalizeH="0" baseline="0">
             <a:ln>
               <a:noFill/>
             </a:ln>
@@ -12672,7 +12981,7 @@
           <a:buFontTx/>
           <a:buNone/>
           <a:tabLst/>
-          <a:defRPr b="0" baseline="0" cap="none" i="0" spc="0" strike="noStrike" sz="1800" u="none" kumimoji="0" normalizeH="0">
+          <a:defRPr kumimoji="0" sz="1800" b="0" i="0" u="none" strike="noStrike" cap="none" spc="0" normalizeH="0" baseline="0">
             <a:ln>
               <a:noFill/>
             </a:ln>
@@ -12698,7 +13007,7 @@
           <a:buFontTx/>
           <a:buNone/>
           <a:tabLst/>
-          <a:defRPr b="0" baseline="0" cap="none" i="0" spc="0" strike="noStrike" sz="1800" u="none" kumimoji="0" normalizeH="0">
+          <a:defRPr kumimoji="0" sz="1800" b="0" i="0" u="none" strike="noStrike" cap="none" spc="0" normalizeH="0" baseline="0">
             <a:ln>
               <a:noFill/>
             </a:ln>
@@ -12724,7 +13033,7 @@
           <a:buFontTx/>
           <a:buNone/>
           <a:tabLst/>
-          <a:defRPr b="0" baseline="0" cap="none" i="0" spc="0" strike="noStrike" sz="1800" u="none" kumimoji="0" normalizeH="0">
+          <a:defRPr kumimoji="0" sz="1800" b="0" i="0" u="none" strike="noStrike" cap="none" spc="0" normalizeH="0" baseline="0">
             <a:ln>
               <a:noFill/>
             </a:ln>
@@ -12750,7 +13059,7 @@
           <a:buFontTx/>
           <a:buNone/>
           <a:tabLst/>
-          <a:defRPr b="0" baseline="0" cap="none" i="0" spc="0" strike="noStrike" sz="1800" u="none" kumimoji="0" normalizeH="0">
+          <a:defRPr kumimoji="0" sz="1800" b="0" i="0" u="none" strike="noStrike" cap="none" spc="0" normalizeH="0" baseline="0">
             <a:ln>
               <a:noFill/>
             </a:ln>
@@ -12776,7 +13085,7 @@
           <a:buFontTx/>
           <a:buNone/>
           <a:tabLst/>
-          <a:defRPr b="0" baseline="0" cap="none" i="0" spc="0" strike="noStrike" sz="1800" u="none" kumimoji="0" normalizeH="0">
+          <a:defRPr kumimoji="0" sz="1800" b="0" i="0" u="none" strike="noStrike" cap="none" spc="0" normalizeH="0" baseline="0">
             <a:ln>
               <a:noFill/>
             </a:ln>
@@ -12789,18 +13098,25 @@
         </a:lvl9pPr>
       </a:lstStyle>
       <a:style>
-        <a:lnRef idx="0"/>
-        <a:fillRef idx="0"/>
-        <a:effectRef idx="0"/>
+        <a:lnRef idx="0">
+          <a:scrgbClr r="0" g="0" b="0"/>
+        </a:lnRef>
+        <a:fillRef idx="0">
+          <a:scrgbClr r="0" g="0" b="0"/>
+        </a:fillRef>
+        <a:effectRef idx="0">
+          <a:scrgbClr r="0" g="0" b="0"/>
+        </a:effectRef>
         <a:fontRef idx="none"/>
       </a:style>
     </a:txDef>
   </a:objectDefaults>
+  <a:extraClrSchemeLst/>
 </a:theme>
 </file>
 
 <file path=ppt/theme/theme2.xml><?xml version="1.0" encoding="utf-8"?>
-<a:theme xmlns:a="http://schemas.openxmlformats.org/drawingml/2006/main" xmlns:r="http://schemas.openxmlformats.org/officeDocument/2006/relationships" name="White">
+<a:theme xmlns:a="http://schemas.openxmlformats.org/drawingml/2006/main" name="White">
   <a:themeElements>
     <a:clrScheme name="White">
       <a:dk1>
@@ -12926,7 +13242,7 @@
       <a:effectStyleLst>
         <a:effectStyle>
           <a:effectLst>
-            <a:outerShdw sx="100000" sy="100000" kx="0" ky="0" algn="b" rotWithShape="0" blurRad="38100" dist="25400" dir="5400000">
+            <a:outerShdw blurRad="38100" dist="25400" dir="5400000" rotWithShape="0">
               <a:srgbClr val="000000">
                 <a:alpha val="50000"/>
               </a:srgbClr>
@@ -12935,7 +13251,7 @@
         </a:effectStyle>
         <a:effectStyle>
           <a:effectLst>
-            <a:outerShdw sx="100000" sy="100000" kx="0" ky="0" algn="b" rotWithShape="0" blurRad="50800" dist="12700" dir="0">
+            <a:outerShdw blurRad="50800" dist="12700" rotWithShape="0">
               <a:srgbClr val="000000">
                 <a:alpha val="50000"/>
               </a:srgbClr>
@@ -12944,7 +13260,7 @@
         </a:effectStyle>
         <a:effectStyle>
           <a:effectLst>
-            <a:outerShdw sx="100000" sy="100000" kx="0" ky="0" algn="b" rotWithShape="0" blurRad="38100" dist="25400" dir="5400000">
+            <a:outerShdw blurRad="38100" dist="25400" dir="5400000" rotWithShape="0">
               <a:srgbClr val="000000">
                 <a:alpha val="50000"/>
               </a:srgbClr>
@@ -13008,8 +13324,8 @@
     <a:spDef>
       <a:spPr>
         <a:blipFill rotWithShape="1">
-          <a:blip r:embed="rId1"/>
-          <a:srcRect l="0" t="0" r="0" b="0"/>
+          <a:blip xmlns:r="http://schemas.openxmlformats.org/officeDocument/2006/relationships" r:embed="rId1"/>
+          <a:srcRect/>
           <a:tile tx="0" ty="0" sx="100000" sy="100000" flip="none" algn="tl"/>
         </a:blipFill>
         <a:ln w="12700" cap="flat">
@@ -13017,7 +13333,7 @@
           <a:miter lim="400000"/>
         </a:ln>
         <a:effectLst>
-          <a:outerShdw sx="100000" sy="100000" kx="0" ky="0" algn="b" rotWithShape="0" blurRad="38100" dist="25400" dir="5400000">
+          <a:outerShdw blurRad="38100" dist="25400" dir="5400000" rotWithShape="0">
             <a:srgbClr val="000000">
               <a:alpha val="50000"/>
             </a:srgbClr>
@@ -13025,7 +13341,7 @@
         </a:effectLst>
         <a:sp3d/>
       </a:spPr>
-      <a:bodyPr rot="0" spcFirstLastPara="1" vertOverflow="overflow" horzOverflow="overflow" vert="horz" wrap="square" lIns="50800" tIns="50800" rIns="50800" bIns="50800" numCol="1" spcCol="38100" rtlCol="0" anchor="ctr" upright="0">
+      <a:bodyPr rot="0" spcFirstLastPara="1" vertOverflow="overflow" horzOverflow="overflow" vert="horz" wrap="square" lIns="50800" tIns="50800" rIns="50800" bIns="50800" numCol="1" spcCol="38100" rtlCol="0" anchor="ctr">
         <a:spAutoFit/>
       </a:bodyPr>
       <a:lstStyle>
@@ -13044,7 +13360,7 @@
           <a:buFontTx/>
           <a:buNone/>
           <a:tabLst/>
-          <a:defRPr b="0" baseline="0" cap="none" i="0" spc="0" strike="noStrike" sz="2400" u="none" kumimoji="0" normalizeH="0">
+          <a:defRPr kumimoji="0" sz="2400" b="0" i="0" u="none" strike="noStrike" cap="none" spc="0" normalizeH="0" baseline="0">
             <a:ln>
               <a:noFill/>
             </a:ln>
@@ -13074,7 +13390,7 @@
           <a:buFontTx/>
           <a:buNone/>
           <a:tabLst/>
-          <a:defRPr b="0" baseline="0" cap="none" i="0" spc="0" strike="noStrike" sz="1800" u="none" kumimoji="0" normalizeH="0">
+          <a:defRPr kumimoji="0" sz="1800" b="0" i="0" u="none" strike="noStrike" cap="none" spc="0" normalizeH="0" baseline="0">
             <a:ln>
               <a:noFill/>
             </a:ln>
@@ -13100,7 +13416,7 @@
           <a:buFontTx/>
           <a:buNone/>
           <a:tabLst/>
-          <a:defRPr b="0" baseline="0" cap="none" i="0" spc="0" strike="noStrike" sz="1800" u="none" kumimoji="0" normalizeH="0">
+          <a:defRPr kumimoji="0" sz="1800" b="0" i="0" u="none" strike="noStrike" cap="none" spc="0" normalizeH="0" baseline="0">
             <a:ln>
               <a:noFill/>
             </a:ln>
@@ -13126,7 +13442,7 @@
           <a:buFontTx/>
           <a:buNone/>
           <a:tabLst/>
-          <a:defRPr b="0" baseline="0" cap="none" i="0" spc="0" strike="noStrike" sz="1800" u="none" kumimoji="0" normalizeH="0">
+          <a:defRPr kumimoji="0" sz="1800" b="0" i="0" u="none" strike="noStrike" cap="none" spc="0" normalizeH="0" baseline="0">
             <a:ln>
               <a:noFill/>
             </a:ln>
@@ -13152,7 +13468,7 @@
           <a:buFontTx/>
           <a:buNone/>
           <a:tabLst/>
-          <a:defRPr b="0" baseline="0" cap="none" i="0" spc="0" strike="noStrike" sz="1800" u="none" kumimoji="0" normalizeH="0">
+          <a:defRPr kumimoji="0" sz="1800" b="0" i="0" u="none" strike="noStrike" cap="none" spc="0" normalizeH="0" baseline="0">
             <a:ln>
               <a:noFill/>
             </a:ln>
@@ -13178,7 +13494,7 @@
           <a:buFontTx/>
           <a:buNone/>
           <a:tabLst/>
-          <a:defRPr b="0" baseline="0" cap="none" i="0" spc="0" strike="noStrike" sz="1800" u="none" kumimoji="0" normalizeH="0">
+          <a:defRPr kumimoji="0" sz="1800" b="0" i="0" u="none" strike="noStrike" cap="none" spc="0" normalizeH="0" baseline="0">
             <a:ln>
               <a:noFill/>
             </a:ln>
@@ -13204,7 +13520,7 @@
           <a:buFontTx/>
           <a:buNone/>
           <a:tabLst/>
-          <a:defRPr b="0" baseline="0" cap="none" i="0" spc="0" strike="noStrike" sz="1800" u="none" kumimoji="0" normalizeH="0">
+          <a:defRPr kumimoji="0" sz="1800" b="0" i="0" u="none" strike="noStrike" cap="none" spc="0" normalizeH="0" baseline="0">
             <a:ln>
               <a:noFill/>
             </a:ln>
@@ -13230,7 +13546,7 @@
           <a:buFontTx/>
           <a:buNone/>
           <a:tabLst/>
-          <a:defRPr b="0" baseline="0" cap="none" i="0" spc="0" strike="noStrike" sz="1800" u="none" kumimoji="0" normalizeH="0">
+          <a:defRPr kumimoji="0" sz="1800" b="0" i="0" u="none" strike="noStrike" cap="none" spc="0" normalizeH="0" baseline="0">
             <a:ln>
               <a:noFill/>
             </a:ln>
@@ -13256,7 +13572,7 @@
           <a:buFontTx/>
           <a:buNone/>
           <a:tabLst/>
-          <a:defRPr b="0" baseline="0" cap="none" i="0" spc="0" strike="noStrike" sz="1800" u="none" kumimoji="0" normalizeH="0">
+          <a:defRPr kumimoji="0" sz="1800" b="0" i="0" u="none" strike="noStrike" cap="none" spc="0" normalizeH="0" baseline="0">
             <a:ln>
               <a:noFill/>
             </a:ln>
@@ -13282,7 +13598,7 @@
           <a:buFontTx/>
           <a:buNone/>
           <a:tabLst/>
-          <a:defRPr b="0" baseline="0" cap="none" i="0" spc="0" strike="noStrike" sz="1800" u="none" kumimoji="0" normalizeH="0">
+          <a:defRPr kumimoji="0" sz="1800" b="0" i="0" u="none" strike="noStrike" cap="none" spc="0" normalizeH="0" baseline="0">
             <a:ln>
               <a:noFill/>
             </a:ln>
@@ -13295,9 +13611,15 @@
         </a:lvl9pPr>
       </a:lstStyle>
       <a:style>
-        <a:lnRef idx="0"/>
-        <a:fillRef idx="0"/>
-        <a:effectRef idx="0"/>
+        <a:lnRef idx="0">
+          <a:scrgbClr r="0" g="0" b="0"/>
+        </a:lnRef>
+        <a:fillRef idx="0">
+          <a:scrgbClr r="0" g="0" b="0"/>
+        </a:fillRef>
+        <a:effectRef idx="0">
+          <a:scrgbClr r="0" g="0" b="0"/>
+        </a:effectRef>
         <a:fontRef idx="none"/>
       </a:style>
     </a:spDef>
@@ -13314,7 +13636,7 @@
         <a:effectLst/>
         <a:sp3d/>
       </a:spPr>
-      <a:bodyPr rot="0" spcFirstLastPara="1" vertOverflow="overflow" horzOverflow="overflow" vert="horz" wrap="square" lIns="91439" tIns="45719" rIns="91439" bIns="45719" numCol="1" spcCol="38100" rtlCol="0" anchor="t" upright="0">
+      <a:bodyPr rot="0" spcFirstLastPara="1" vertOverflow="overflow" horzOverflow="overflow" vert="horz" wrap="square" lIns="91439" tIns="45719" rIns="91439" bIns="45719" numCol="1" spcCol="38100" rtlCol="0" anchor="t">
         <a:noAutofit/>
       </a:bodyPr>
       <a:lstStyle>
@@ -13333,7 +13655,7 @@
           <a:buFontTx/>
           <a:buNone/>
           <a:tabLst/>
-          <a:defRPr b="0" baseline="0" cap="none" i="0" spc="0" strike="noStrike" sz="1800" u="none" kumimoji="0" normalizeH="0">
+          <a:defRPr kumimoji="0" sz="1800" b="0" i="0" u="none" strike="noStrike" cap="none" spc="0" normalizeH="0" baseline="0">
             <a:ln>
               <a:noFill/>
             </a:ln>
@@ -13359,7 +13681,7 @@
           <a:buFontTx/>
           <a:buNone/>
           <a:tabLst/>
-          <a:defRPr b="0" baseline="0" cap="none" i="0" spc="0" strike="noStrike" sz="1800" u="none" kumimoji="0" normalizeH="0">
+          <a:defRPr kumimoji="0" sz="1800" b="0" i="0" u="none" strike="noStrike" cap="none" spc="0" normalizeH="0" baseline="0">
             <a:ln>
               <a:noFill/>
             </a:ln>
@@ -13385,7 +13707,7 @@
           <a:buFontTx/>
           <a:buNone/>
           <a:tabLst/>
-          <a:defRPr b="0" baseline="0" cap="none" i="0" spc="0" strike="noStrike" sz="1800" u="none" kumimoji="0" normalizeH="0">
+          <a:defRPr kumimoji="0" sz="1800" b="0" i="0" u="none" strike="noStrike" cap="none" spc="0" normalizeH="0" baseline="0">
             <a:ln>
               <a:noFill/>
             </a:ln>
@@ -13411,7 +13733,7 @@
           <a:buFontTx/>
           <a:buNone/>
           <a:tabLst/>
-          <a:defRPr b="0" baseline="0" cap="none" i="0" spc="0" strike="noStrike" sz="1800" u="none" kumimoji="0" normalizeH="0">
+          <a:defRPr kumimoji="0" sz="1800" b="0" i="0" u="none" strike="noStrike" cap="none" spc="0" normalizeH="0" baseline="0">
             <a:ln>
               <a:noFill/>
             </a:ln>
@@ -13437,7 +13759,7 @@
           <a:buFontTx/>
           <a:buNone/>
           <a:tabLst/>
-          <a:defRPr b="0" baseline="0" cap="none" i="0" spc="0" strike="noStrike" sz="1800" u="none" kumimoji="0" normalizeH="0">
+          <a:defRPr kumimoji="0" sz="1800" b="0" i="0" u="none" strike="noStrike" cap="none" spc="0" normalizeH="0" baseline="0">
             <a:ln>
               <a:noFill/>
             </a:ln>
@@ -13463,7 +13785,7 @@
           <a:buFontTx/>
           <a:buNone/>
           <a:tabLst/>
-          <a:defRPr b="0" baseline="0" cap="none" i="0" spc="0" strike="noStrike" sz="1800" u="none" kumimoji="0" normalizeH="0">
+          <a:defRPr kumimoji="0" sz="1800" b="0" i="0" u="none" strike="noStrike" cap="none" spc="0" normalizeH="0" baseline="0">
             <a:ln>
               <a:noFill/>
             </a:ln>
@@ -13489,7 +13811,7 @@
           <a:buFontTx/>
           <a:buNone/>
           <a:tabLst/>
-          <a:defRPr b="0" baseline="0" cap="none" i="0" spc="0" strike="noStrike" sz="1800" u="none" kumimoji="0" normalizeH="0">
+          <a:defRPr kumimoji="0" sz="1800" b="0" i="0" u="none" strike="noStrike" cap="none" spc="0" normalizeH="0" baseline="0">
             <a:ln>
               <a:noFill/>
             </a:ln>
@@ -13515,7 +13837,7 @@
           <a:buFontTx/>
           <a:buNone/>
           <a:tabLst/>
-          <a:defRPr b="0" baseline="0" cap="none" i="0" spc="0" strike="noStrike" sz="1800" u="none" kumimoji="0" normalizeH="0">
+          <a:defRPr kumimoji="0" sz="1800" b="0" i="0" u="none" strike="noStrike" cap="none" spc="0" normalizeH="0" baseline="0">
             <a:ln>
               <a:noFill/>
             </a:ln>
@@ -13541,7 +13863,7 @@
           <a:buFontTx/>
           <a:buNone/>
           <a:tabLst/>
-          <a:defRPr b="0" baseline="0" cap="none" i="0" spc="0" strike="noStrike" sz="1800" u="none" kumimoji="0" normalizeH="0">
+          <a:defRPr kumimoji="0" sz="1800" b="0" i="0" u="none" strike="noStrike" cap="none" spc="0" normalizeH="0" baseline="0">
             <a:ln>
               <a:noFill/>
             </a:ln>
@@ -13567,7 +13889,7 @@
           <a:buFontTx/>
           <a:buNone/>
           <a:tabLst/>
-          <a:defRPr b="0" baseline="0" cap="none" i="0" spc="0" strike="noStrike" sz="1800" u="none" kumimoji="0" normalizeH="0">
+          <a:defRPr kumimoji="0" sz="1800" b="0" i="0" u="none" strike="noStrike" cap="none" spc="0" normalizeH="0" baseline="0">
             <a:ln>
               <a:noFill/>
             </a:ln>
@@ -13580,9 +13902,15 @@
         </a:lvl9pPr>
       </a:lstStyle>
       <a:style>
-        <a:lnRef idx="0"/>
-        <a:fillRef idx="0"/>
-        <a:effectRef idx="0"/>
+        <a:lnRef idx="0">
+          <a:scrgbClr r="0" g="0" b="0"/>
+        </a:lnRef>
+        <a:fillRef idx="0">
+          <a:scrgbClr r="0" g="0" b="0"/>
+        </a:fillRef>
+        <a:effectRef idx="0">
+          <a:scrgbClr r="0" g="0" b="0"/>
+        </a:effectRef>
         <a:fontRef idx="none"/>
       </a:style>
     </a:lnDef>
@@ -13596,7 +13924,7 @@
         <a:effectLst/>
         <a:sp3d/>
       </a:spPr>
-      <a:bodyPr rot="0" spcFirstLastPara="1" vertOverflow="overflow" horzOverflow="overflow" vert="horz" wrap="square" lIns="50800" tIns="50800" rIns="50800" bIns="50800" numCol="1" spcCol="38100" rtlCol="0" anchor="ctr" upright="0">
+      <a:bodyPr rot="0" spcFirstLastPara="1" vertOverflow="overflow" horzOverflow="overflow" vert="horz" wrap="square" lIns="50800" tIns="50800" rIns="50800" bIns="50800" numCol="1" spcCol="38100" rtlCol="0" anchor="ctr">
         <a:spAutoFit/>
       </a:bodyPr>
       <a:lstStyle>
@@ -13615,7 +13943,7 @@
           <a:buFontTx/>
           <a:buNone/>
           <a:tabLst/>
-          <a:defRPr b="0" baseline="0" cap="none" i="0" spc="0" strike="noStrike" sz="3600" u="none" kumimoji="0" normalizeH="0">
+          <a:defRPr kumimoji="0" sz="3600" b="0" i="0" u="none" strike="noStrike" cap="none" spc="0" normalizeH="0" baseline="0">
             <a:ln>
               <a:noFill/>
             </a:ln>
@@ -13645,7 +13973,7 @@
           <a:buFontTx/>
           <a:buNone/>
           <a:tabLst/>
-          <a:defRPr b="0" baseline="0" cap="none" i="0" spc="0" strike="noStrike" sz="1800" u="none" kumimoji="0" normalizeH="0">
+          <a:defRPr kumimoji="0" sz="1800" b="0" i="0" u="none" strike="noStrike" cap="none" spc="0" normalizeH="0" baseline="0">
             <a:ln>
               <a:noFill/>
             </a:ln>
@@ -13671,7 +13999,7 @@
           <a:buFontTx/>
           <a:buNone/>
           <a:tabLst/>
-          <a:defRPr b="0" baseline="0" cap="none" i="0" spc="0" strike="noStrike" sz="1800" u="none" kumimoji="0" normalizeH="0">
+          <a:defRPr kumimoji="0" sz="1800" b="0" i="0" u="none" strike="noStrike" cap="none" spc="0" normalizeH="0" baseline="0">
             <a:ln>
               <a:noFill/>
             </a:ln>
@@ -13697,7 +14025,7 @@
           <a:buFontTx/>
           <a:buNone/>
           <a:tabLst/>
-          <a:defRPr b="0" baseline="0" cap="none" i="0" spc="0" strike="noStrike" sz="1800" u="none" kumimoji="0" normalizeH="0">
+          <a:defRPr kumimoji="0" sz="1800" b="0" i="0" u="none" strike="noStrike" cap="none" spc="0" normalizeH="0" baseline="0">
             <a:ln>
               <a:noFill/>
             </a:ln>
@@ -13723,7 +14051,7 @@
           <a:buFontTx/>
           <a:buNone/>
           <a:tabLst/>
-          <a:defRPr b="0" baseline="0" cap="none" i="0" spc="0" strike="noStrike" sz="1800" u="none" kumimoji="0" normalizeH="0">
+          <a:defRPr kumimoji="0" sz="1800" b="0" i="0" u="none" strike="noStrike" cap="none" spc="0" normalizeH="0" baseline="0">
             <a:ln>
               <a:noFill/>
             </a:ln>
@@ -13749,7 +14077,7 @@
           <a:buFontTx/>
           <a:buNone/>
           <a:tabLst/>
-          <a:defRPr b="0" baseline="0" cap="none" i="0" spc="0" strike="noStrike" sz="1800" u="none" kumimoji="0" normalizeH="0">
+          <a:defRPr kumimoji="0" sz="1800" b="0" i="0" u="none" strike="noStrike" cap="none" spc="0" normalizeH="0" baseline="0">
             <a:ln>
               <a:noFill/>
             </a:ln>
@@ -13775,7 +14103,7 @@
           <a:buFontTx/>
           <a:buNone/>
           <a:tabLst/>
-          <a:defRPr b="0" baseline="0" cap="none" i="0" spc="0" strike="noStrike" sz="1800" u="none" kumimoji="0" normalizeH="0">
+          <a:defRPr kumimoji="0" sz="1800" b="0" i="0" u="none" strike="noStrike" cap="none" spc="0" normalizeH="0" baseline="0">
             <a:ln>
               <a:noFill/>
             </a:ln>
@@ -13801,7 +14129,7 @@
           <a:buFontTx/>
           <a:buNone/>
           <a:tabLst/>
-          <a:defRPr b="0" baseline="0" cap="none" i="0" spc="0" strike="noStrike" sz="1800" u="none" kumimoji="0" normalizeH="0">
+          <a:defRPr kumimoji="0" sz="1800" b="0" i="0" u="none" strike="noStrike" cap="none" spc="0" normalizeH="0" baseline="0">
             <a:ln>
               <a:noFill/>
             </a:ln>
@@ -13827,7 +14155,7 @@
           <a:buFontTx/>
           <a:buNone/>
           <a:tabLst/>
-          <a:defRPr b="0" baseline="0" cap="none" i="0" spc="0" strike="noStrike" sz="1800" u="none" kumimoji="0" normalizeH="0">
+          <a:defRPr kumimoji="0" sz="1800" b="0" i="0" u="none" strike="noStrike" cap="none" spc="0" normalizeH="0" baseline="0">
             <a:ln>
               <a:noFill/>
             </a:ln>
@@ -13853,7 +14181,7 @@
           <a:buFontTx/>
           <a:buNone/>
           <a:tabLst/>
-          <a:defRPr b="0" baseline="0" cap="none" i="0" spc="0" strike="noStrike" sz="1800" u="none" kumimoji="0" normalizeH="0">
+          <a:defRPr kumimoji="0" sz="1800" b="0" i="0" u="none" strike="noStrike" cap="none" spc="0" normalizeH="0" baseline="0">
             <a:ln>
               <a:noFill/>
             </a:ln>
@@ -13866,12 +14194,19 @@
         </a:lvl9pPr>
       </a:lstStyle>
       <a:style>
-        <a:lnRef idx="0"/>
-        <a:fillRef idx="0"/>
-        <a:effectRef idx="0"/>
+        <a:lnRef idx="0">
+          <a:scrgbClr r="0" g="0" b="0"/>
+        </a:lnRef>
+        <a:fillRef idx="0">
+          <a:scrgbClr r="0" g="0" b="0"/>
+        </a:fillRef>
+        <a:effectRef idx="0">
+          <a:scrgbClr r="0" g="0" b="0"/>
+        </a:effectRef>
         <a:fontRef idx="none"/>
       </a:style>
     </a:txDef>
   </a:objectDefaults>
+  <a:extraClrSchemeLst/>
 </a:theme>
 </file>